--- a/slides/XEM20_S1D3_regression_lineaire.pptx
+++ b/slides/XEM20_S1D3_regression_lineaire.pptx
@@ -7,52 +7,53 @@
   <p:sldIdLst>
     <p:sldId id="256" r:id="rId2"/>
     <p:sldId id="257" r:id="rId3"/>
-    <p:sldId id="259" r:id="rId4"/>
-    <p:sldId id="263" r:id="rId5"/>
-    <p:sldId id="275" r:id="rId6"/>
-    <p:sldId id="262" r:id="rId7"/>
-    <p:sldId id="261" r:id="rId8"/>
-    <p:sldId id="260" r:id="rId9"/>
-    <p:sldId id="266" r:id="rId10"/>
-    <p:sldId id="274" r:id="rId11"/>
-    <p:sldId id="264" r:id="rId12"/>
-    <p:sldId id="265" r:id="rId13"/>
-    <p:sldId id="267" r:id="rId14"/>
-    <p:sldId id="258" r:id="rId15"/>
-    <p:sldId id="268" r:id="rId16"/>
-    <p:sldId id="276" r:id="rId17"/>
-    <p:sldId id="270" r:id="rId18"/>
-    <p:sldId id="269" r:id="rId19"/>
-    <p:sldId id="271" r:id="rId20"/>
-    <p:sldId id="273" r:id="rId21"/>
-    <p:sldId id="279" r:id="rId22"/>
-    <p:sldId id="277" r:id="rId23"/>
-    <p:sldId id="278" r:id="rId24"/>
-    <p:sldId id="281" r:id="rId25"/>
-    <p:sldId id="282" r:id="rId26"/>
-    <p:sldId id="284" r:id="rId27"/>
-    <p:sldId id="285" r:id="rId28"/>
-    <p:sldId id="286" r:id="rId29"/>
-    <p:sldId id="283" r:id="rId30"/>
-    <p:sldId id="288" r:id="rId31"/>
-    <p:sldId id="287" r:id="rId32"/>
-    <p:sldId id="289" r:id="rId33"/>
-    <p:sldId id="290" r:id="rId34"/>
-    <p:sldId id="291" r:id="rId35"/>
-    <p:sldId id="292" r:id="rId36"/>
-    <p:sldId id="293" r:id="rId37"/>
-    <p:sldId id="272" r:id="rId38"/>
-    <p:sldId id="302" r:id="rId39"/>
-    <p:sldId id="294" r:id="rId40"/>
-    <p:sldId id="295" r:id="rId41"/>
-    <p:sldId id="296" r:id="rId42"/>
-    <p:sldId id="297" r:id="rId43"/>
-    <p:sldId id="298" r:id="rId44"/>
-    <p:sldId id="300" r:id="rId45"/>
-    <p:sldId id="301" r:id="rId46"/>
-    <p:sldId id="299" r:id="rId47"/>
-    <p:sldId id="303" r:id="rId48"/>
-    <p:sldId id="304" r:id="rId49"/>
+    <p:sldId id="305" r:id="rId4"/>
+    <p:sldId id="259" r:id="rId5"/>
+    <p:sldId id="263" r:id="rId6"/>
+    <p:sldId id="275" r:id="rId7"/>
+    <p:sldId id="262" r:id="rId8"/>
+    <p:sldId id="261" r:id="rId9"/>
+    <p:sldId id="260" r:id="rId10"/>
+    <p:sldId id="266" r:id="rId11"/>
+    <p:sldId id="274" r:id="rId12"/>
+    <p:sldId id="264" r:id="rId13"/>
+    <p:sldId id="265" r:id="rId14"/>
+    <p:sldId id="267" r:id="rId15"/>
+    <p:sldId id="258" r:id="rId16"/>
+    <p:sldId id="268" r:id="rId17"/>
+    <p:sldId id="276" r:id="rId18"/>
+    <p:sldId id="270" r:id="rId19"/>
+    <p:sldId id="269" r:id="rId20"/>
+    <p:sldId id="271" r:id="rId21"/>
+    <p:sldId id="273" r:id="rId22"/>
+    <p:sldId id="279" r:id="rId23"/>
+    <p:sldId id="277" r:id="rId24"/>
+    <p:sldId id="278" r:id="rId25"/>
+    <p:sldId id="281" r:id="rId26"/>
+    <p:sldId id="282" r:id="rId27"/>
+    <p:sldId id="284" r:id="rId28"/>
+    <p:sldId id="285" r:id="rId29"/>
+    <p:sldId id="286" r:id="rId30"/>
+    <p:sldId id="283" r:id="rId31"/>
+    <p:sldId id="288" r:id="rId32"/>
+    <p:sldId id="287" r:id="rId33"/>
+    <p:sldId id="289" r:id="rId34"/>
+    <p:sldId id="290" r:id="rId35"/>
+    <p:sldId id="291" r:id="rId36"/>
+    <p:sldId id="292" r:id="rId37"/>
+    <p:sldId id="293" r:id="rId38"/>
+    <p:sldId id="272" r:id="rId39"/>
+    <p:sldId id="302" r:id="rId40"/>
+    <p:sldId id="294" r:id="rId41"/>
+    <p:sldId id="295" r:id="rId42"/>
+    <p:sldId id="296" r:id="rId43"/>
+    <p:sldId id="297" r:id="rId44"/>
+    <p:sldId id="298" r:id="rId45"/>
+    <p:sldId id="300" r:id="rId46"/>
+    <p:sldId id="301" r:id="rId47"/>
+    <p:sldId id="299" r:id="rId48"/>
+    <p:sldId id="303" r:id="rId49"/>
+    <p:sldId id="304" r:id="rId50"/>
   </p:sldIdLst>
   <p:sldSz cx="12192000" cy="6858000"/>
   <p:notesSz cx="6858000" cy="9144000"/>
@@ -154,7 +155,7 @@
   <p:extLst>
     <p:ext uri="{EFAFB233-063F-42B5-8137-9DF3F51BA10A}">
       <p15:sldGuideLst xmlns:p15="http://schemas.microsoft.com/office/powerpoint/2012/main">
-        <p15:guide id="1" orient="horz" pos="2160" userDrawn="1">
+        <p15:guide id="1" orient="horz" pos="2183" userDrawn="1">
           <p15:clr>
             <a:srgbClr val="A4A3A4"/>
           </p15:clr>
@@ -319,7 +320,7 @@
           <a:p>
             <a:fld id="{E5BA3339-D433-D047-A07F-51EBB6E8C064}" type="datetimeFigureOut">
               <a:rPr lang="fr-FR"/>
-              <a:t>12/09/2019</a:t>
+              <a:t>17/09/2019</a:t>
             </a:fld>
             <a:endParaRPr lang="fr-FR"/>
           </a:p>
@@ -519,7 +520,7 @@
           <a:p>
             <a:fld id="{E5BA3339-D433-D047-A07F-51EBB6E8C064}" type="datetimeFigureOut">
               <a:rPr lang="fr-FR"/>
-              <a:t>12/09/2019</a:t>
+              <a:t>17/09/2019</a:t>
             </a:fld>
             <a:endParaRPr lang="fr-FR"/>
           </a:p>
@@ -729,7 +730,7 @@
           <a:p>
             <a:fld id="{E5BA3339-D433-D047-A07F-51EBB6E8C064}" type="datetimeFigureOut">
               <a:rPr lang="fr-FR"/>
-              <a:t>12/09/2019</a:t>
+              <a:t>17/09/2019</a:t>
             </a:fld>
             <a:endParaRPr lang="fr-FR"/>
           </a:p>
@@ -929,7 +930,7 @@
           <a:p>
             <a:fld id="{E5BA3339-D433-D047-A07F-51EBB6E8C064}" type="datetimeFigureOut">
               <a:rPr lang="fr-FR"/>
-              <a:t>12/09/2019</a:t>
+              <a:t>17/09/2019</a:t>
             </a:fld>
             <a:endParaRPr lang="fr-FR"/>
           </a:p>
@@ -1205,7 +1206,7 @@
           <a:p>
             <a:fld id="{E5BA3339-D433-D047-A07F-51EBB6E8C064}" type="datetimeFigureOut">
               <a:rPr lang="fr-FR"/>
-              <a:t>12/09/2019</a:t>
+              <a:t>17/09/2019</a:t>
             </a:fld>
             <a:endParaRPr lang="fr-FR"/>
           </a:p>
@@ -1473,7 +1474,7 @@
           <a:p>
             <a:fld id="{E5BA3339-D433-D047-A07F-51EBB6E8C064}" type="datetimeFigureOut">
               <a:rPr lang="fr-FR"/>
-              <a:t>12/09/2019</a:t>
+              <a:t>17/09/2019</a:t>
             </a:fld>
             <a:endParaRPr lang="fr-FR"/>
           </a:p>
@@ -1888,7 +1889,7 @@
           <a:p>
             <a:fld id="{E5BA3339-D433-D047-A07F-51EBB6E8C064}" type="datetimeFigureOut">
               <a:rPr lang="fr-FR"/>
-              <a:t>12/09/2019</a:t>
+              <a:t>17/09/2019</a:t>
             </a:fld>
             <a:endParaRPr lang="fr-FR"/>
           </a:p>
@@ -2030,7 +2031,7 @@
           <a:p>
             <a:fld id="{E5BA3339-D433-D047-A07F-51EBB6E8C064}" type="datetimeFigureOut">
               <a:rPr lang="fr-FR"/>
-              <a:t>12/09/2019</a:t>
+              <a:t>17/09/2019</a:t>
             </a:fld>
             <a:endParaRPr lang="fr-FR"/>
           </a:p>
@@ -2143,7 +2144,7 @@
           <a:p>
             <a:fld id="{E5BA3339-D433-D047-A07F-51EBB6E8C064}" type="datetimeFigureOut">
               <a:rPr lang="fr-FR"/>
-              <a:t>12/09/2019</a:t>
+              <a:t>17/09/2019</a:t>
             </a:fld>
             <a:endParaRPr lang="fr-FR"/>
           </a:p>
@@ -2456,7 +2457,7 @@
           <a:p>
             <a:fld id="{E5BA3339-D433-D047-A07F-51EBB6E8C064}" type="datetimeFigureOut">
               <a:rPr lang="fr-FR"/>
-              <a:t>12/09/2019</a:t>
+              <a:t>17/09/2019</a:t>
             </a:fld>
             <a:endParaRPr lang="fr-FR"/>
           </a:p>
@@ -2745,7 +2746,7 @@
           <a:p>
             <a:fld id="{E5BA3339-D433-D047-A07F-51EBB6E8C064}" type="datetimeFigureOut">
               <a:rPr lang="fr-FR"/>
-              <a:t>12/09/2019</a:t>
+              <a:t>17/09/2019</a:t>
             </a:fld>
             <a:endParaRPr lang="fr-FR"/>
           </a:p>
@@ -2988,7 +2989,7 @@
           <a:p>
             <a:fld id="{E5BA3339-D433-D047-A07F-51EBB6E8C064}" type="datetimeFigureOut">
               <a:rPr lang="fr-FR"/>
-              <a:t>12/09/2019</a:t>
+              <a:t>17/09/2019</a:t>
             </a:fld>
             <a:endParaRPr lang="fr-FR"/>
           </a:p>
@@ -3508,87 +3509,138 @@
           <a:chExt cx="0" cy="0"/>
         </a:xfrm>
       </p:grpSpPr>
-      <p:sp>
-        <p:nvSpPr>
-          <p:cNvPr id="2" name="Title 1">
-            <a:extLst>
-              <a:ext uri="{FF2B5EF4-FFF2-40B4-BE49-F238E27FC236}">
-                <a16:creationId xmlns:a16="http://schemas.microsoft.com/office/drawing/2014/main" id="{E9DBFB68-98F6-BE40-B051-7D2B7AE27797}"/>
-              </a:ext>
-            </a:extLst>
-          </p:cNvPr>
-          <p:cNvSpPr>
-            <a:spLocks noGrp="1"/>
-          </p:cNvSpPr>
-          <p:nvPr>
-            <p:ph type="title"/>
-          </p:nvPr>
-        </p:nvSpPr>
-        <p:spPr/>
-        <p:txBody>
-          <a:bodyPr/>
-          <a:lstStyle/>
-          <a:p>
-            <a:endParaRPr lang="fr-FR"/>
-          </a:p>
-        </p:txBody>
-      </p:sp>
-      <p:sp>
-        <p:nvSpPr>
-          <p:cNvPr id="3" name="TextBox 2">
-            <a:extLst>
-              <a:ext uri="{FF2B5EF4-FFF2-40B4-BE49-F238E27FC236}">
-                <a16:creationId xmlns:a16="http://schemas.microsoft.com/office/drawing/2014/main" id="{BB8497C1-5D05-EB4F-8FFB-5E369A3F7865}"/>
-              </a:ext>
-            </a:extLst>
-          </p:cNvPr>
-          <p:cNvSpPr txBox="1"/>
+      <p:pic>
+        <p:nvPicPr>
+          <p:cNvPr id="4" name="Picture 3">
+            <a:extLst>
+              <a:ext uri="{FF2B5EF4-FFF2-40B4-BE49-F238E27FC236}">
+                <a16:creationId xmlns:a16="http://schemas.microsoft.com/office/drawing/2014/main" id="{7A238D89-95F7-224A-A975-E588D22B52FE}"/>
+              </a:ext>
+            </a:extLst>
+          </p:cNvPr>
+          <p:cNvPicPr>
+            <a:picLocks noChangeAspect="1"/>
+          </p:cNvPicPr>
           <p:nvPr/>
-        </p:nvSpPr>
+        </p:nvPicPr>
+        <p:blipFill>
+          <a:blip r:embed="rId2"/>
+          <a:stretch>
+            <a:fillRect/>
+          </a:stretch>
+        </p:blipFill>
         <p:spPr>
           <a:xfrm>
-            <a:off x="838200" y="2657501"/>
-            <a:ext cx="8141208" cy="646331"/>
+            <a:off x="0" y="1025769"/>
+            <a:ext cx="12192000" cy="4806462"/>
           </a:xfrm>
           <a:prstGeom prst="rect">
             <a:avLst/>
           </a:prstGeom>
-          <a:noFill/>
         </p:spPr>
-        <p:txBody>
-          <a:bodyPr wrap="square" rtlCol="0">
+      </p:pic>
+      <p:sp>
+        <p:nvSpPr>
+          <p:cNvPr id="2" name="Rectangle 1">
+            <a:extLst>
+              <a:ext uri="{FF2B5EF4-FFF2-40B4-BE49-F238E27FC236}">
+                <a16:creationId xmlns:a16="http://schemas.microsoft.com/office/drawing/2014/main" id="{7AE8F297-FA04-C242-AF00-61B195CE2EBD}"/>
+              </a:ext>
+            </a:extLst>
+          </p:cNvPr>
+          <p:cNvSpPr/>
+          <p:nvPr/>
+        </p:nvSpPr>
+        <p:spPr>
+          <a:xfrm>
+            <a:off x="3578820" y="6051542"/>
+            <a:ext cx="4906343" cy="369332"/>
+          </a:xfrm>
+          <a:prstGeom prst="rect">
+            <a:avLst/>
+          </a:prstGeom>
+        </p:spPr>
+        <p:txBody>
+          <a:bodyPr wrap="none">
             <a:spAutoFit/>
           </a:bodyPr>
           <a:lstStyle/>
           <a:p>
-            <a:pPr marL="285750" indent="-285750">
-              <a:buFont typeface="Arial" panose="020B0604020202020204" pitchFamily="34" charset="0"/>
-              <a:buChar char="•"/>
-            </a:pPr>
-            <a:r>
-              <a:rPr lang="fr-FR"/>
-              <a:t>Calculer la corrélation pour des variables discretes ?</a:t>
-            </a:r>
-          </a:p>
-          <a:p>
-            <a:pPr marL="285750" indent="-285750">
-              <a:buFont typeface="Arial" panose="020B0604020202020204" pitchFamily="34" charset="0"/>
-              <a:buChar char="•"/>
-            </a:pPr>
             <a:r>
               <a:rPr lang="en-US">
-                <a:hlinkClick r:id="rId2"/>
+                <a:hlinkClick r:id="rId3"/>
               </a:rPr>
-              <a:t>https://www.quora.com/Can-I-use-Pearsons-correlation-with-categorical-variables</a:t>
+              <a:t>https://www.tylervigen.com/spurious-correlations</a:t>
             </a:r>
             <a:endParaRPr lang="fr-FR"/>
+          </a:p>
+        </p:txBody>
+      </p:sp>
+      <p:sp>
+        <p:nvSpPr>
+          <p:cNvPr id="5" name="Title 1">
+            <a:extLst>
+              <a:ext uri="{FF2B5EF4-FFF2-40B4-BE49-F238E27FC236}">
+                <a16:creationId xmlns:a16="http://schemas.microsoft.com/office/drawing/2014/main" id="{34C7C961-B58A-9D4F-9466-260CA6CE73A3}"/>
+              </a:ext>
+            </a:extLst>
+          </p:cNvPr>
+          <p:cNvSpPr txBox="1">
+            <a:spLocks/>
+          </p:cNvSpPr>
+          <p:nvPr/>
+        </p:nvSpPr>
+        <p:spPr>
+          <a:xfrm>
+            <a:off x="-10274" y="-5170"/>
+            <a:ext cx="12202274" cy="646331"/>
+          </a:xfrm>
+          <a:prstGeom prst="rect">
+            <a:avLst/>
+          </a:prstGeom>
+          <a:solidFill>
+            <a:srgbClr val="FF0000"/>
+          </a:solidFill>
+        </p:spPr>
+        <p:txBody>
+          <a:bodyPr vert="horz" lIns="91440" tIns="45720" rIns="91440" bIns="45720" rtlCol="0" anchor="ctr">
+            <a:normAutofit fontScale="97500" lnSpcReduction="10000"/>
+          </a:bodyPr>
+          <a:lstStyle>
+            <a:lvl1pPr algn="l" defTabSz="914400" rtl="0" eaLnBrk="1" latinLnBrk="0" hangingPunct="1">
+              <a:lnSpc>
+                <a:spcPct val="90000"/>
+              </a:lnSpc>
+              <a:spcBef>
+                <a:spcPct val="0"/>
+              </a:spcBef>
+              <a:buNone/>
+              <a:defRPr sz="4400" kern="1200">
+                <a:solidFill>
+                  <a:schemeClr val="tx1"/>
+                </a:solidFill>
+                <a:latin typeface="+mj-lt"/>
+                <a:ea typeface="+mj-ea"/>
+                <a:cs typeface="+mj-cs"/>
+              </a:defRPr>
+            </a:lvl1pPr>
+          </a:lstStyle>
+          <a:p>
+            <a:r>
+              <a:rPr lang="fr-FR">
+                <a:solidFill>
+                  <a:schemeClr val="bg1"/>
+                </a:solidFill>
+              </a:rPr>
+              <a:t>Correlation is not causation</a:t>
+            </a:r>
           </a:p>
         </p:txBody>
       </p:sp>
     </p:spTree>
     <p:extLst>
       <p:ext uri="{BB962C8B-B14F-4D97-AF65-F5344CB8AC3E}">
-        <p14:creationId xmlns:p14="http://schemas.microsoft.com/office/powerpoint/2010/main" val="2264957533"/>
+        <p14:creationId xmlns:p14="http://schemas.microsoft.com/office/powerpoint/2010/main" val="440412906"/>
       </p:ext>
     </p:extLst>
   </p:cSld>
@@ -3615,114 +3667,46 @@
           <a:chExt cx="0" cy="0"/>
         </a:xfrm>
       </p:grpSpPr>
-      <p:pic>
-        <p:nvPicPr>
-          <p:cNvPr id="5" name="Picture 4">
-            <a:extLst>
-              <a:ext uri="{FF2B5EF4-FFF2-40B4-BE49-F238E27FC236}">
-                <a16:creationId xmlns:a16="http://schemas.microsoft.com/office/drawing/2014/main" id="{15FF2C2A-7C5F-EF41-8D15-0F7A11BB16AB}"/>
-              </a:ext>
-            </a:extLst>
-          </p:cNvPr>
-          <p:cNvPicPr>
-            <a:picLocks noChangeAspect="1"/>
-          </p:cNvPicPr>
+      <p:sp>
+        <p:nvSpPr>
+          <p:cNvPr id="3" name="TextBox 2">
+            <a:extLst>
+              <a:ext uri="{FF2B5EF4-FFF2-40B4-BE49-F238E27FC236}">
+                <a16:creationId xmlns:a16="http://schemas.microsoft.com/office/drawing/2014/main" id="{BB8497C1-5D05-EB4F-8FFB-5E369A3F7865}"/>
+              </a:ext>
+            </a:extLst>
+          </p:cNvPr>
+          <p:cNvSpPr txBox="1"/>
           <p:nvPr/>
-        </p:nvPicPr>
-        <p:blipFill>
-          <a:blip r:embed="rId2"/>
-          <a:stretch>
-            <a:fillRect/>
-          </a:stretch>
-        </p:blipFill>
+        </p:nvSpPr>
         <p:spPr>
           <a:xfrm>
-            <a:off x="2934269" y="3051425"/>
-            <a:ext cx="5233529" cy="3806575"/>
-          </a:xfrm>
-          <a:prstGeom prst="rect">
-            <a:avLst/>
-          </a:prstGeom>
-        </p:spPr>
-      </p:pic>
-      <p:sp>
-        <p:nvSpPr>
-          <p:cNvPr id="2" name="Title 1">
-            <a:extLst>
-              <a:ext uri="{FF2B5EF4-FFF2-40B4-BE49-F238E27FC236}">
-                <a16:creationId xmlns:a16="http://schemas.microsoft.com/office/drawing/2014/main" id="{3B7D8DF6-1C69-FA41-A5EB-99BC7F18649D}"/>
-              </a:ext>
-            </a:extLst>
-          </p:cNvPr>
-          <p:cNvSpPr>
-            <a:spLocks noGrp="1"/>
-          </p:cNvSpPr>
-          <p:nvPr>
-            <p:ph type="title"/>
-          </p:nvPr>
-        </p:nvSpPr>
-        <p:spPr/>
-        <p:txBody>
-          <a:bodyPr/>
-          <a:lstStyle/>
-          <a:p>
-            <a:r>
-              <a:rPr lang="fr-FR"/>
-              <a:t>Demo: Anscombe Quartet</a:t>
-            </a:r>
-          </a:p>
-        </p:txBody>
-      </p:sp>
-      <p:sp>
-        <p:nvSpPr>
-          <p:cNvPr id="3" name="TextBox 2">
-            <a:extLst>
-              <a:ext uri="{FF2B5EF4-FFF2-40B4-BE49-F238E27FC236}">
-                <a16:creationId xmlns:a16="http://schemas.microsoft.com/office/drawing/2014/main" id="{778129D8-7889-554D-BE7B-D9082E538AC4}"/>
-              </a:ext>
-            </a:extLst>
-          </p:cNvPr>
-          <p:cNvSpPr txBox="1"/>
-          <p:nvPr/>
-        </p:nvSpPr>
-        <p:spPr>
-          <a:xfrm>
-            <a:off x="838200" y="1474653"/>
-            <a:ext cx="10188751" cy="2031325"/>
+            <a:off x="776555" y="1660907"/>
+            <a:ext cx="8141208" cy="923330"/>
           </a:xfrm>
           <a:prstGeom prst="rect">
             <a:avLst/>
           </a:prstGeom>
           <a:noFill/>
+          <a:ln>
+            <a:solidFill>
+              <a:srgbClr val="FF0000"/>
+            </a:solidFill>
+          </a:ln>
         </p:spPr>
         <p:txBody>
-          <a:bodyPr wrap="none" rtlCol="0">
+          <a:bodyPr wrap="square" rtlCol="0">
             <a:spAutoFit/>
           </a:bodyPr>
           <a:lstStyle/>
-          <a:p>
-            <a:r>
-              <a:rPr lang="en-US"/>
-              <a:t>4 datasets créés par Francis Anscombe en 1973 pour montrer l'importance de la visualisation des données.</a:t>
-            </a:r>
-          </a:p>
-          <a:p>
-            <a:endParaRPr lang="en-US"/>
-          </a:p>
-          <a:p>
-            <a:r>
-              <a:rPr lang="en-US"/>
-              <a:t>Les 4 datasets très différents visuellement sont composés de 2 variables et 11 points</a:t>
-            </a:r>
-          </a:p>
           <a:p>
             <a:pPr marL="285750" indent="-285750">
               <a:buFont typeface="Arial" panose="020B0604020202020204" pitchFamily="34" charset="0"/>
               <a:buChar char="•"/>
             </a:pPr>
             <a:r>
-              <a:rPr lang="en-US"/>
-              <a:t>meme moyenne et écart type</a:t>
+              <a:rPr lang="fr-FR"/>
+              <a:t>Calculer la corrélation pour des variables discretes ?</a:t>
             </a:r>
           </a:p>
           <a:p>
@@ -3732,7 +3716,7 @@
             </a:pPr>
             <a:r>
               <a:rPr lang="en-US"/>
-              <a:t>meme corrélation</a:t>
+              <a:t>oui quand les variables sont ordinales (ordonnées)</a:t>
             </a:r>
           </a:p>
           <a:p>
@@ -3741,19 +3725,80 @@
               <a:buChar char="•"/>
             </a:pPr>
             <a:r>
-              <a:rPr lang="en-US"/>
-              <a:t>meme ligne de régression</a:t>
-            </a:r>
-          </a:p>
-          <a:p>
-            <a:endParaRPr lang="fr-FR"/>
+              <a:rPr lang="en-US">
+                <a:hlinkClick r:id="rId2"/>
+              </a:rPr>
+              <a:t>https://www.quora.com/Can-I-use-Pearsons-correlation-with-categorical-variables</a:t>
+            </a:r>
+            <a:endParaRPr lang="en-US"/>
+          </a:p>
+        </p:txBody>
+      </p:sp>
+      <p:sp>
+        <p:nvSpPr>
+          <p:cNvPr id="5" name="Title 1">
+            <a:extLst>
+              <a:ext uri="{FF2B5EF4-FFF2-40B4-BE49-F238E27FC236}">
+                <a16:creationId xmlns:a16="http://schemas.microsoft.com/office/drawing/2014/main" id="{3673FA7B-8F39-DF49-B2CA-C9D380FC30A5}"/>
+              </a:ext>
+            </a:extLst>
+          </p:cNvPr>
+          <p:cNvSpPr txBox="1">
+            <a:spLocks/>
+          </p:cNvSpPr>
+          <p:nvPr/>
+        </p:nvSpPr>
+        <p:spPr>
+          <a:xfrm>
+            <a:off x="-10274" y="0"/>
+            <a:ext cx="12202274" cy="646331"/>
+          </a:xfrm>
+          <a:prstGeom prst="rect">
+            <a:avLst/>
+          </a:prstGeom>
+          <a:solidFill>
+            <a:srgbClr val="00FDFF"/>
+          </a:solidFill>
+        </p:spPr>
+        <p:txBody>
+          <a:bodyPr vert="horz" lIns="91440" tIns="45720" rIns="91440" bIns="45720" rtlCol="0" anchor="ctr">
+            <a:normAutofit fontScale="97500" lnSpcReduction="10000"/>
+          </a:bodyPr>
+          <a:lstStyle>
+            <a:lvl1pPr algn="l" defTabSz="914400" rtl="0" eaLnBrk="1" latinLnBrk="0" hangingPunct="1">
+              <a:lnSpc>
+                <a:spcPct val="90000"/>
+              </a:lnSpc>
+              <a:spcBef>
+                <a:spcPct val="0"/>
+              </a:spcBef>
+              <a:buNone/>
+              <a:defRPr sz="4400" kern="1200">
+                <a:solidFill>
+                  <a:schemeClr val="tx1"/>
+                </a:solidFill>
+                <a:latin typeface="+mj-lt"/>
+                <a:ea typeface="+mj-ea"/>
+                <a:cs typeface="+mj-cs"/>
+              </a:defRPr>
+            </a:lvl1pPr>
+          </a:lstStyle>
+          <a:p>
+            <a:r>
+              <a:rPr lang="fr-FR">
+                <a:solidFill>
+                  <a:srgbClr val="002060"/>
+                </a:solidFill>
+              </a:rPr>
+              <a:t>Correlation pour des variables discretes?</a:t>
+            </a:r>
           </a:p>
         </p:txBody>
       </p:sp>
     </p:spTree>
     <p:extLst>
       <p:ext uri="{BB962C8B-B14F-4D97-AF65-F5344CB8AC3E}">
-        <p14:creationId xmlns:p14="http://schemas.microsoft.com/office/powerpoint/2010/main" val="140531537"/>
+        <p14:creationId xmlns:p14="http://schemas.microsoft.com/office/powerpoint/2010/main" val="2264957533"/>
       </p:ext>
     </p:extLst>
   </p:cSld>
@@ -3780,48 +3825,42 @@
           <a:chExt cx="0" cy="0"/>
         </a:xfrm>
       </p:grpSpPr>
-      <p:sp>
-        <p:nvSpPr>
-          <p:cNvPr id="2" name="Title 1">
-            <a:extLst>
-              <a:ext uri="{FF2B5EF4-FFF2-40B4-BE49-F238E27FC236}">
-                <a16:creationId xmlns:a16="http://schemas.microsoft.com/office/drawing/2014/main" id="{15E1197F-693A-C24D-897C-DEBCF7555C31}"/>
-              </a:ext>
-            </a:extLst>
-          </p:cNvPr>
-          <p:cNvSpPr>
-            <a:spLocks noGrp="1"/>
-          </p:cNvSpPr>
-          <p:nvPr>
-            <p:ph type="title"/>
-          </p:nvPr>
-        </p:nvSpPr>
-        <p:spPr/>
-        <p:txBody>
-          <a:bodyPr/>
-          <a:lstStyle/>
-          <a:p>
-            <a:r>
-              <a:rPr lang="fr-FR"/>
-              <a:t>A vous: </a:t>
-            </a:r>
-            <a:r>
-              <a:rPr lang="en-US"/>
-              <a:t>datasaurus</a:t>
-            </a:r>
-            <a:r>
-              <a:rPr lang="fr-FR"/>
-              <a:t> dataset</a:t>
-            </a:r>
-          </a:p>
-        </p:txBody>
-      </p:sp>
+      <p:pic>
+        <p:nvPicPr>
+          <p:cNvPr id="5" name="Picture 4">
+            <a:extLst>
+              <a:ext uri="{FF2B5EF4-FFF2-40B4-BE49-F238E27FC236}">
+                <a16:creationId xmlns:a16="http://schemas.microsoft.com/office/drawing/2014/main" id="{15FF2C2A-7C5F-EF41-8D15-0F7A11BB16AB}"/>
+              </a:ext>
+            </a:extLst>
+          </p:cNvPr>
+          <p:cNvPicPr>
+            <a:picLocks noChangeAspect="1"/>
+          </p:cNvPicPr>
+          <p:nvPr/>
+        </p:nvPicPr>
+        <p:blipFill>
+          <a:blip r:embed="rId2"/>
+          <a:stretch>
+            <a:fillRect/>
+          </a:stretch>
+        </p:blipFill>
+        <p:spPr>
+          <a:xfrm>
+            <a:off x="5884925" y="1140432"/>
+            <a:ext cx="6307075" cy="4587412"/>
+          </a:xfrm>
+          <a:prstGeom prst="rect">
+            <a:avLst/>
+          </a:prstGeom>
+        </p:spPr>
+      </p:pic>
       <p:sp>
         <p:nvSpPr>
           <p:cNvPr id="3" name="TextBox 2">
             <a:extLst>
               <a:ext uri="{FF2B5EF4-FFF2-40B4-BE49-F238E27FC236}">
-                <a16:creationId xmlns:a16="http://schemas.microsoft.com/office/drawing/2014/main" id="{C9B32B55-119C-9B41-BCBB-682B475E66AA}"/>
+                <a16:creationId xmlns:a16="http://schemas.microsoft.com/office/drawing/2014/main" id="{778129D8-7889-554D-BE7B-D9082E538AC4}"/>
               </a:ext>
             </a:extLst>
           </p:cNvPr>
@@ -3830,13 +3869,194 @@
         </p:nvSpPr>
         <p:spPr>
           <a:xfrm>
-            <a:off x="1089061" y="2167847"/>
+            <a:off x="446383" y="1338599"/>
+            <a:ext cx="5153034" cy="3139321"/>
+          </a:xfrm>
+          <a:prstGeom prst="rect">
+            <a:avLst/>
+          </a:prstGeom>
+          <a:noFill/>
+          <a:ln>
+            <a:solidFill>
+              <a:srgbClr val="0070C0"/>
+            </a:solidFill>
+          </a:ln>
+        </p:spPr>
+        <p:txBody>
+          <a:bodyPr wrap="square" rtlCol="0">
+            <a:spAutoFit/>
+          </a:bodyPr>
+          <a:lstStyle/>
+          <a:p>
+            <a:r>
+              <a:rPr lang="en-US"/>
+              <a:t>4 datasets créés par Francis Anscombe en 1973 pour montrer l'importance de la visualisation des données.</a:t>
+            </a:r>
+          </a:p>
+          <a:p>
+            <a:endParaRPr lang="en-US"/>
+          </a:p>
+          <a:p>
+            <a:r>
+              <a:rPr lang="en-US"/>
+              <a:t>Les 4 datasets sont composés de 2 variables et 11 points:</a:t>
+            </a:r>
+          </a:p>
+          <a:p>
+            <a:endParaRPr lang="en-US"/>
+          </a:p>
+          <a:p>
+            <a:pPr marL="285750" indent="-285750">
+              <a:buFont typeface="Arial" panose="020B0604020202020204" pitchFamily="34" charset="0"/>
+              <a:buChar char="•"/>
+            </a:pPr>
+            <a:r>
+              <a:rPr lang="en-US"/>
+              <a:t>meme moyenne et écart type</a:t>
+            </a:r>
+          </a:p>
+          <a:p>
+            <a:pPr marL="285750" indent="-285750">
+              <a:buFont typeface="Arial" panose="020B0604020202020204" pitchFamily="34" charset="0"/>
+              <a:buChar char="•"/>
+            </a:pPr>
+            <a:r>
+              <a:rPr lang="en-US"/>
+              <a:t>meme corrélation</a:t>
+            </a:r>
+          </a:p>
+          <a:p>
+            <a:pPr marL="285750" indent="-285750">
+              <a:buFont typeface="Arial" panose="020B0604020202020204" pitchFamily="34" charset="0"/>
+              <a:buChar char="•"/>
+            </a:pPr>
+            <a:r>
+              <a:rPr lang="en-US"/>
+              <a:t>meme ligne de régression</a:t>
+            </a:r>
+          </a:p>
+          <a:p>
+            <a:endParaRPr lang="fr-FR"/>
+          </a:p>
+        </p:txBody>
+      </p:sp>
+      <p:sp>
+        <p:nvSpPr>
+          <p:cNvPr id="6" name="Title 1">
+            <a:extLst>
+              <a:ext uri="{FF2B5EF4-FFF2-40B4-BE49-F238E27FC236}">
+                <a16:creationId xmlns:a16="http://schemas.microsoft.com/office/drawing/2014/main" id="{B4E7736A-60BA-EC42-9DE6-6717BC997DAF}"/>
+              </a:ext>
+            </a:extLst>
+          </p:cNvPr>
+          <p:cNvSpPr txBox="1">
+            <a:spLocks/>
+          </p:cNvSpPr>
+          <p:nvPr/>
+        </p:nvSpPr>
+        <p:spPr>
+          <a:xfrm>
+            <a:off x="-10274" y="0"/>
+            <a:ext cx="12202274" cy="646331"/>
+          </a:xfrm>
+          <a:prstGeom prst="rect">
+            <a:avLst/>
+          </a:prstGeom>
+          <a:solidFill>
+            <a:srgbClr val="00FDFF"/>
+          </a:solidFill>
+        </p:spPr>
+        <p:txBody>
+          <a:bodyPr vert="horz" lIns="91440" tIns="45720" rIns="91440" bIns="45720" rtlCol="0" anchor="ctr">
+            <a:normAutofit fontScale="97500" lnSpcReduction="10000"/>
+          </a:bodyPr>
+          <a:lstStyle>
+            <a:lvl1pPr algn="l" defTabSz="914400" rtl="0" eaLnBrk="1" latinLnBrk="0" hangingPunct="1">
+              <a:lnSpc>
+                <a:spcPct val="90000"/>
+              </a:lnSpc>
+              <a:spcBef>
+                <a:spcPct val="0"/>
+              </a:spcBef>
+              <a:buNone/>
+              <a:defRPr sz="4400" kern="1200">
+                <a:solidFill>
+                  <a:schemeClr val="tx1"/>
+                </a:solidFill>
+                <a:latin typeface="+mj-lt"/>
+                <a:ea typeface="+mj-ea"/>
+                <a:cs typeface="+mj-cs"/>
+              </a:defRPr>
+            </a:lvl1pPr>
+          </a:lstStyle>
+          <a:p>
+            <a:r>
+              <a:rPr lang="fr-FR">
+                <a:solidFill>
+                  <a:srgbClr val="002060"/>
+                </a:solidFill>
+              </a:rPr>
+              <a:t>Anscombe Quartet</a:t>
+            </a:r>
+          </a:p>
+        </p:txBody>
+      </p:sp>
+    </p:spTree>
+    <p:extLst>
+      <p:ext uri="{BB962C8B-B14F-4D97-AF65-F5344CB8AC3E}">
+        <p14:creationId xmlns:p14="http://schemas.microsoft.com/office/powerpoint/2010/main" val="140531537"/>
+      </p:ext>
+    </p:extLst>
+  </p:cSld>
+  <p:clrMapOvr>
+    <a:masterClrMapping/>
+  </p:clrMapOvr>
+</p:sld>
+</file>
+
+<file path=ppt/slides/slide13.xml><?xml version="1.0" encoding="utf-8"?>
+<p:sld xmlns:a="http://schemas.openxmlformats.org/drawingml/2006/main" xmlns:r="http://schemas.openxmlformats.org/officeDocument/2006/relationships" xmlns:p="http://schemas.openxmlformats.org/presentationml/2006/main">
+  <p:cSld>
+    <p:spTree>
+      <p:nvGrpSpPr>
+        <p:cNvPr id="1" name=""/>
+        <p:cNvGrpSpPr/>
+        <p:nvPr/>
+      </p:nvGrpSpPr>
+      <p:grpSpPr>
+        <a:xfrm>
+          <a:off x="0" y="0"/>
+          <a:ext cx="0" cy="0"/>
+          <a:chOff x="0" y="0"/>
+          <a:chExt cx="0" cy="0"/>
+        </a:xfrm>
+      </p:grpSpPr>
+      <p:sp>
+        <p:nvSpPr>
+          <p:cNvPr id="3" name="TextBox 2">
+            <a:extLst>
+              <a:ext uri="{FF2B5EF4-FFF2-40B4-BE49-F238E27FC236}">
+                <a16:creationId xmlns:a16="http://schemas.microsoft.com/office/drawing/2014/main" id="{C9B32B55-119C-9B41-BCBB-682B475E66AA}"/>
+              </a:ext>
+            </a:extLst>
+          </p:cNvPr>
+          <p:cNvSpPr txBox="1"/>
+          <p:nvPr/>
+        </p:nvSpPr>
+        <p:spPr>
+          <a:xfrm>
+            <a:off x="667821" y="1187841"/>
             <a:ext cx="4993611" cy="1477328"/>
           </a:xfrm>
           <a:prstGeom prst="rect">
             <a:avLst/>
           </a:prstGeom>
           <a:noFill/>
+          <a:ln>
+            <a:solidFill>
+              <a:srgbClr val="0070C0"/>
+            </a:solidFill>
+          </a:ln>
         </p:spPr>
         <p:txBody>
           <a:bodyPr wrap="none" rtlCol="0">
@@ -3926,6 +4146,67 @@
             <a:r>
               <a:rPr lang="fr-FR"/>
               <a:t>https://github.com/OpenClassrooms-Student-Center/Design-Statistical-Models/blob/master/P1CH3_02%20Anscombes%20Quartet%20DatasaurusDozen.ipynb</a:t>
+            </a:r>
+          </a:p>
+        </p:txBody>
+      </p:sp>
+      <p:sp>
+        <p:nvSpPr>
+          <p:cNvPr id="6" name="Title 1">
+            <a:extLst>
+              <a:ext uri="{FF2B5EF4-FFF2-40B4-BE49-F238E27FC236}">
+                <a16:creationId xmlns:a16="http://schemas.microsoft.com/office/drawing/2014/main" id="{7F87C40C-5844-1E4B-93AA-170B253BF8C7}"/>
+              </a:ext>
+            </a:extLst>
+          </p:cNvPr>
+          <p:cNvSpPr txBox="1">
+            <a:spLocks/>
+          </p:cNvSpPr>
+          <p:nvPr/>
+        </p:nvSpPr>
+        <p:spPr>
+          <a:xfrm>
+            <a:off x="-10274" y="-5170"/>
+            <a:ext cx="12202274" cy="646331"/>
+          </a:xfrm>
+          <a:prstGeom prst="rect">
+            <a:avLst/>
+          </a:prstGeom>
+          <a:solidFill>
+            <a:srgbClr val="FF0000"/>
+          </a:solidFill>
+        </p:spPr>
+        <p:txBody>
+          <a:bodyPr vert="horz" lIns="91440" tIns="45720" rIns="91440" bIns="45720" rtlCol="0" anchor="ctr">
+            <a:normAutofit fontScale="97500" lnSpcReduction="10000"/>
+          </a:bodyPr>
+          <a:lstStyle>
+            <a:lvl1pPr algn="l" defTabSz="914400" rtl="0" eaLnBrk="1" latinLnBrk="0" hangingPunct="1">
+              <a:lnSpc>
+                <a:spcPct val="90000"/>
+              </a:lnSpc>
+              <a:spcBef>
+                <a:spcPct val="0"/>
+              </a:spcBef>
+              <a:buNone/>
+              <a:defRPr sz="4400" kern="1200">
+                <a:solidFill>
+                  <a:schemeClr val="tx1"/>
+                </a:solidFill>
+                <a:latin typeface="+mj-lt"/>
+                <a:ea typeface="+mj-ea"/>
+                <a:cs typeface="+mj-cs"/>
+              </a:defRPr>
+            </a:lvl1pPr>
+          </a:lstStyle>
+          <a:p>
+            <a:r>
+              <a:rPr lang="fr-FR">
+                <a:solidFill>
+                  <a:schemeClr val="bg1"/>
+                </a:solidFill>
+              </a:rPr>
+              <a:t>A vous: datasaurus</a:t>
             </a:r>
           </a:p>
         </p:txBody>
@@ -3943,7 +4224,7 @@
 </p:sld>
 </file>
 
-<file path=ppt/slides/slide13.xml><?xml version="1.0" encoding="utf-8"?>
+<file path=ppt/slides/slide14.xml><?xml version="1.0" encoding="utf-8"?>
 <p:sld xmlns:a="http://schemas.openxmlformats.org/drawingml/2006/main" xmlns:r="http://schemas.openxmlformats.org/officeDocument/2006/relationships" xmlns:p="http://schemas.openxmlformats.org/presentationml/2006/main">
   <p:cSld>
     <p:spTree>
@@ -4131,224 +4412,6 @@
 </p:sld>
 </file>
 
-<file path=ppt/slides/slide14.xml><?xml version="1.0" encoding="utf-8"?>
-<p:sld xmlns:a="http://schemas.openxmlformats.org/drawingml/2006/main" xmlns:r="http://schemas.openxmlformats.org/officeDocument/2006/relationships" xmlns:p="http://schemas.openxmlformats.org/presentationml/2006/main">
-  <p:cSld>
-    <p:spTree>
-      <p:nvGrpSpPr>
-        <p:cNvPr id="1" name=""/>
-        <p:cNvGrpSpPr/>
-        <p:nvPr/>
-      </p:nvGrpSpPr>
-      <p:grpSpPr>
-        <a:xfrm>
-          <a:off x="0" y="0"/>
-          <a:ext cx="0" cy="0"/>
-          <a:chOff x="0" y="0"/>
-          <a:chExt cx="0" cy="0"/>
-        </a:xfrm>
-      </p:grpSpPr>
-      <p:sp>
-        <p:nvSpPr>
-          <p:cNvPr id="2" name="Title 1">
-            <a:extLst>
-              <a:ext uri="{FF2B5EF4-FFF2-40B4-BE49-F238E27FC236}">
-                <a16:creationId xmlns:a16="http://schemas.microsoft.com/office/drawing/2014/main" id="{40E7BA77-B5C7-6D4B-ABCA-F83E4ABDA429}"/>
-              </a:ext>
-            </a:extLst>
-          </p:cNvPr>
-          <p:cNvSpPr>
-            <a:spLocks noGrp="1"/>
-          </p:cNvSpPr>
-          <p:nvPr>
-            <p:ph type="title"/>
-          </p:nvPr>
-        </p:nvSpPr>
-        <p:spPr/>
-        <p:txBody>
-          <a:bodyPr/>
-          <a:lstStyle/>
-          <a:p>
-            <a:r>
-              <a:rPr lang="fr-FR"/>
-              <a:t>Linéarité</a:t>
-            </a:r>
-          </a:p>
-        </p:txBody>
-      </p:sp>
-      <p:sp>
-        <p:nvSpPr>
-          <p:cNvPr id="3" name="TextBox 2">
-            <a:extLst>
-              <a:ext uri="{FF2B5EF4-FFF2-40B4-BE49-F238E27FC236}">
-                <a16:creationId xmlns:a16="http://schemas.microsoft.com/office/drawing/2014/main" id="{BB17CF8C-2420-B94B-81FF-78D98D311C75}"/>
-              </a:ext>
-            </a:extLst>
-          </p:cNvPr>
-          <p:cNvSpPr txBox="1"/>
-          <p:nvPr/>
-        </p:nvSpPr>
-        <p:spPr>
-          <a:xfrm>
-            <a:off x="1130158" y="2003460"/>
-            <a:ext cx="1890261" cy="923330"/>
-          </a:xfrm>
-          <a:prstGeom prst="rect">
-            <a:avLst/>
-          </a:prstGeom>
-          <a:noFill/>
-        </p:spPr>
-        <p:txBody>
-          <a:bodyPr wrap="none" rtlCol="0">
-            <a:spAutoFit/>
-          </a:bodyPr>
-          <a:lstStyle/>
-          <a:p>
-            <a:r>
-              <a:rPr lang="fr-FR"/>
-              <a:t>f(x) est linéaire ssi</a:t>
-            </a:r>
-          </a:p>
-          <a:p>
-            <a:r>
-              <a:rPr lang="fr-FR"/>
-              <a:t>f(x + y) = f(x) + f(y)</a:t>
-            </a:r>
-          </a:p>
-          <a:p>
-            <a:r>
-              <a:rPr lang="fr-FR"/>
-              <a:t>f(a x) = a (fx)</a:t>
-            </a:r>
-          </a:p>
-        </p:txBody>
-      </p:sp>
-      <p:sp>
-        <p:nvSpPr>
-          <p:cNvPr id="5" name="TextBox 4">
-            <a:extLst>
-              <a:ext uri="{FF2B5EF4-FFF2-40B4-BE49-F238E27FC236}">
-                <a16:creationId xmlns:a16="http://schemas.microsoft.com/office/drawing/2014/main" id="{435D24F9-AF10-204A-96F4-FFB087991F7D}"/>
-              </a:ext>
-            </a:extLst>
-          </p:cNvPr>
-          <p:cNvSpPr txBox="1"/>
-          <p:nvPr/>
-        </p:nvSpPr>
-        <p:spPr>
-          <a:xfrm>
-            <a:off x="7058346" y="2363056"/>
-            <a:ext cx="1457450" cy="923330"/>
-          </a:xfrm>
-          <a:prstGeom prst="rect">
-            <a:avLst/>
-          </a:prstGeom>
-          <a:noFill/>
-        </p:spPr>
-        <p:txBody>
-          <a:bodyPr wrap="none" rtlCol="0">
-            <a:spAutoFit/>
-          </a:bodyPr>
-          <a:lstStyle/>
-          <a:p>
-            <a:r>
-              <a:rPr lang="fr-FR"/>
-              <a:t>y = ax + b</a:t>
-            </a:r>
-          </a:p>
-          <a:p>
-            <a:endParaRPr lang="fr-FR"/>
-          </a:p>
-          <a:p>
-            <a:r>
-              <a:rPr lang="fr-FR"/>
-              <a:t>Non lineaire! </a:t>
-            </a:r>
-          </a:p>
-        </p:txBody>
-      </p:sp>
-      <p:sp>
-        <p:nvSpPr>
-          <p:cNvPr id="6" name="TextBox 5">
-            <a:extLst>
-              <a:ext uri="{FF2B5EF4-FFF2-40B4-BE49-F238E27FC236}">
-                <a16:creationId xmlns:a16="http://schemas.microsoft.com/office/drawing/2014/main" id="{C5A7C623-AA91-814F-95DB-BEA2058B9944}"/>
-              </a:ext>
-            </a:extLst>
-          </p:cNvPr>
-          <p:cNvSpPr txBox="1"/>
-          <p:nvPr/>
-        </p:nvSpPr>
-        <p:spPr>
-          <a:xfrm>
-            <a:off x="1130158" y="3931211"/>
-            <a:ext cx="3986284" cy="1754326"/>
-          </a:xfrm>
-          <a:prstGeom prst="rect">
-            <a:avLst/>
-          </a:prstGeom>
-          <a:noFill/>
-        </p:spPr>
-        <p:txBody>
-          <a:bodyPr wrap="none" rtlCol="0">
-            <a:spAutoFit/>
-          </a:bodyPr>
-          <a:lstStyle/>
-          <a:p>
-            <a:r>
-              <a:rPr lang="fr-FR"/>
-              <a:t>linear interpolation</a:t>
-            </a:r>
-          </a:p>
-          <a:p>
-            <a:endParaRPr lang="fr-FR"/>
-          </a:p>
-          <a:p>
-            <a:r>
-              <a:rPr lang="fr-FR"/>
-              <a:t>np.polyfit(</a:t>
-            </a:r>
-            <a:r>
-              <a:rPr lang="en-US"/>
-              <a:t>x=df.TV, y=df.Sales</a:t>
-            </a:r>
-            <a:r>
-              <a:rPr lang="fr-FR"/>
-              <a:t>)</a:t>
-            </a:r>
-          </a:p>
-          <a:p>
-            <a:endParaRPr lang="fr-FR"/>
-          </a:p>
-          <a:p>
-            <a:r>
-              <a:rPr lang="fr-FR"/>
-              <a:t>seaborn : </a:t>
-            </a:r>
-            <a:r>
-              <a:rPr lang="en-US"/>
-              <a:t>sns.regplot(x=df.TV, y=df.Sales)</a:t>
-            </a:r>
-            <a:endParaRPr lang="fr-FR"/>
-          </a:p>
-          <a:p>
-            <a:endParaRPr lang="fr-FR"/>
-          </a:p>
-        </p:txBody>
-      </p:sp>
-    </p:spTree>
-    <p:extLst>
-      <p:ext uri="{BB962C8B-B14F-4D97-AF65-F5344CB8AC3E}">
-        <p14:creationId xmlns:p14="http://schemas.microsoft.com/office/powerpoint/2010/main" val="2723046060"/>
-      </p:ext>
-    </p:extLst>
-  </p:cSld>
-  <p:clrMapOvr>
-    <a:masterClrMapping/>
-  </p:clrMapOvr>
-</p:sld>
-</file>
-
 <file path=ppt/slides/slide15.xml><?xml version="1.0" encoding="utf-8"?>
 <p:sld xmlns:a="http://schemas.openxmlformats.org/drawingml/2006/main" xmlns:r="http://schemas.openxmlformats.org/officeDocument/2006/relationships" xmlns:p="http://schemas.openxmlformats.org/presentationml/2006/main">
   <p:cSld>
@@ -4371,7 +4434,7 @@
           <p:cNvPr id="2" name="Title 1">
             <a:extLst>
               <a:ext uri="{FF2B5EF4-FFF2-40B4-BE49-F238E27FC236}">
-                <a16:creationId xmlns:a16="http://schemas.microsoft.com/office/drawing/2014/main" id="{B75F2B0C-D00C-2746-830C-2E7F6724BE35}"/>
+                <a16:creationId xmlns:a16="http://schemas.microsoft.com/office/drawing/2014/main" id="{40E7BA77-B5C7-6D4B-ABCA-F83E4ABDA429}"/>
               </a:ext>
             </a:extLst>
           </p:cNvPr>
@@ -4389,7 +4452,7 @@
           <a:p>
             <a:r>
               <a:rPr lang="fr-FR"/>
-              <a:t>Linear regression - statsmodel</a:t>
+              <a:t>Linéarité</a:t>
             </a:r>
           </a:p>
         </p:txBody>
@@ -4399,7 +4462,7 @@
           <p:cNvPr id="3" name="TextBox 2">
             <a:extLst>
               <a:ext uri="{FF2B5EF4-FFF2-40B4-BE49-F238E27FC236}">
-                <a16:creationId xmlns:a16="http://schemas.microsoft.com/office/drawing/2014/main" id="{CB98C466-0CE4-A241-8C1C-057E54C9340E}"/>
+                <a16:creationId xmlns:a16="http://schemas.microsoft.com/office/drawing/2014/main" id="{BB17CF8C-2420-B94B-81FF-78D98D311C75}"/>
               </a:ext>
             </a:extLst>
           </p:cNvPr>
@@ -4408,8 +4471,8 @@
         </p:nvSpPr>
         <p:spPr>
           <a:xfrm>
-            <a:off x="838200" y="1855306"/>
-            <a:ext cx="5336717" cy="923330"/>
+            <a:off x="1130158" y="2003460"/>
+            <a:ext cx="1890261" cy="923330"/>
           </a:xfrm>
           <a:prstGeom prst="rect">
             <a:avLst/>
@@ -4424,73 +4487,39 @@
           <a:p>
             <a:r>
               <a:rPr lang="fr-FR"/>
-              <a:t>Statsmodel library</a:t>
-            </a:r>
-          </a:p>
-          <a:p>
-            <a:r>
-              <a:rPr lang="fr-FR"/>
-              <a:t>univariate: y = ax + b</a:t>
-            </a:r>
-          </a:p>
-          <a:p>
-            <a:r>
-              <a:rPr lang="fr-FR"/>
-              <a:t>multivariate: y = a_1 x_1 + a_2 x_2 + … + a_n x_n + a_0</a:t>
-            </a:r>
-          </a:p>
-        </p:txBody>
-      </p:sp>
-      <p:sp>
-        <p:nvSpPr>
-          <p:cNvPr id="4" name="Rectangle 3">
-            <a:extLst>
-              <a:ext uri="{FF2B5EF4-FFF2-40B4-BE49-F238E27FC236}">
-                <a16:creationId xmlns:a16="http://schemas.microsoft.com/office/drawing/2014/main" id="{563DF85A-544C-5A41-B6F0-199E739A7174}"/>
-              </a:ext>
-            </a:extLst>
-          </p:cNvPr>
-          <p:cNvSpPr/>
+              <a:t>f(x) est linéaire ssi</a:t>
+            </a:r>
+          </a:p>
+          <a:p>
+            <a:r>
+              <a:rPr lang="fr-FR"/>
+              <a:t>f(x + y) = f(x) + f(y)</a:t>
+            </a:r>
+          </a:p>
+          <a:p>
+            <a:r>
+              <a:rPr lang="fr-FR"/>
+              <a:t>f(a x) = a (fx)</a:t>
+            </a:r>
+          </a:p>
+        </p:txBody>
+      </p:sp>
+      <p:sp>
+        <p:nvSpPr>
+          <p:cNvPr id="5" name="TextBox 4">
+            <a:extLst>
+              <a:ext uri="{FF2B5EF4-FFF2-40B4-BE49-F238E27FC236}">
+                <a16:creationId xmlns:a16="http://schemas.microsoft.com/office/drawing/2014/main" id="{435D24F9-AF10-204A-96F4-FFB087991F7D}"/>
+              </a:ext>
+            </a:extLst>
+          </p:cNvPr>
+          <p:cNvSpPr txBox="1"/>
           <p:nvPr/>
         </p:nvSpPr>
         <p:spPr>
           <a:xfrm>
-            <a:off x="1143000" y="5126659"/>
-            <a:ext cx="7040880" cy="369332"/>
-          </a:xfrm>
-          <a:prstGeom prst="rect">
-            <a:avLst/>
-          </a:prstGeom>
-        </p:spPr>
-        <p:txBody>
-          <a:bodyPr wrap="square">
-            <a:spAutoFit/>
-          </a:bodyPr>
-          <a:lstStyle/>
-          <a:p>
-            <a:r>
-              <a:rPr lang="fr-FR"/>
-              <a:t>http://www.statsmodels.org/stable/endog_exog.html#endog-exog</a:t>
-            </a:r>
-          </a:p>
-        </p:txBody>
-      </p:sp>
-      <p:sp>
-        <p:nvSpPr>
-          <p:cNvPr id="5" name="TextBox 4">
-            <a:extLst>
-              <a:ext uri="{FF2B5EF4-FFF2-40B4-BE49-F238E27FC236}">
-                <a16:creationId xmlns:a16="http://schemas.microsoft.com/office/drawing/2014/main" id="{3E91A489-1E07-2E4B-A110-552C45D0ED13}"/>
-              </a:ext>
-            </a:extLst>
-          </p:cNvPr>
-          <p:cNvSpPr txBox="1"/>
-          <p:nvPr/>
-        </p:nvSpPr>
-        <p:spPr>
-          <a:xfrm>
-            <a:off x="9027095" y="1855306"/>
-            <a:ext cx="2188163" cy="923330"/>
+            <a:off x="7058346" y="2363056"/>
+            <a:ext cx="1457450" cy="923330"/>
           </a:xfrm>
           <a:prstGeom prst="rect">
             <a:avLst/>
@@ -4505,27 +4534,93 @@
           <a:p>
             <a:r>
               <a:rPr lang="fr-FR"/>
-              <a:t>y = w X</a:t>
-            </a:r>
-          </a:p>
-          <a:p>
-            <a:r>
-              <a:rPr lang="fr-FR"/>
-              <a:t>X design matrix</a:t>
-            </a:r>
-          </a:p>
-          <a:p>
-            <a:r>
-              <a:rPr lang="fr-FR"/>
-              <a:t>w : regression vector</a:t>
-            </a:r>
+              <a:t>y = ax + b</a:t>
+            </a:r>
+          </a:p>
+          <a:p>
+            <a:endParaRPr lang="fr-FR"/>
+          </a:p>
+          <a:p>
+            <a:r>
+              <a:rPr lang="fr-FR"/>
+              <a:t>Non lineaire! </a:t>
+            </a:r>
+          </a:p>
+        </p:txBody>
+      </p:sp>
+      <p:sp>
+        <p:nvSpPr>
+          <p:cNvPr id="6" name="TextBox 5">
+            <a:extLst>
+              <a:ext uri="{FF2B5EF4-FFF2-40B4-BE49-F238E27FC236}">
+                <a16:creationId xmlns:a16="http://schemas.microsoft.com/office/drawing/2014/main" id="{C5A7C623-AA91-814F-95DB-BEA2058B9944}"/>
+              </a:ext>
+            </a:extLst>
+          </p:cNvPr>
+          <p:cNvSpPr txBox="1"/>
+          <p:nvPr/>
+        </p:nvSpPr>
+        <p:spPr>
+          <a:xfrm>
+            <a:off x="1130158" y="3931211"/>
+            <a:ext cx="3986284" cy="1754326"/>
+          </a:xfrm>
+          <a:prstGeom prst="rect">
+            <a:avLst/>
+          </a:prstGeom>
+          <a:noFill/>
+        </p:spPr>
+        <p:txBody>
+          <a:bodyPr wrap="none" rtlCol="0">
+            <a:spAutoFit/>
+          </a:bodyPr>
+          <a:lstStyle/>
+          <a:p>
+            <a:r>
+              <a:rPr lang="fr-FR"/>
+              <a:t>linear interpolation</a:t>
+            </a:r>
+          </a:p>
+          <a:p>
+            <a:endParaRPr lang="fr-FR"/>
+          </a:p>
+          <a:p>
+            <a:r>
+              <a:rPr lang="fr-FR"/>
+              <a:t>np.polyfit(</a:t>
+            </a:r>
+            <a:r>
+              <a:rPr lang="en-US"/>
+              <a:t>x=df.TV, y=df.Sales</a:t>
+            </a:r>
+            <a:r>
+              <a:rPr lang="fr-FR"/>
+              <a:t>)</a:t>
+            </a:r>
+          </a:p>
+          <a:p>
+            <a:endParaRPr lang="fr-FR"/>
+          </a:p>
+          <a:p>
+            <a:r>
+              <a:rPr lang="fr-FR"/>
+              <a:t>seaborn : </a:t>
+            </a:r>
+            <a:r>
+              <a:rPr lang="en-US"/>
+              <a:t>sns.regplot(x=df.TV, y=df.Sales)</a:t>
+            </a:r>
+            <a:endParaRPr lang="fr-FR"/>
+          </a:p>
+          <a:p>
+            <a:endParaRPr lang="fr-FR"/>
           </a:p>
         </p:txBody>
       </p:sp>
     </p:spTree>
     <p:extLst>
       <p:ext uri="{BB962C8B-B14F-4D97-AF65-F5344CB8AC3E}">
-        <p14:creationId xmlns:p14="http://schemas.microsoft.com/office/powerpoint/2010/main" val="2757107763"/>
+        <p14:creationId xmlns:p14="http://schemas.microsoft.com/office/powerpoint/2010/main" val="2723046060"/>
       </p:ext>
     </p:extLst>
   </p:cSld>
@@ -4575,6 +4670,192 @@
           <a:p>
             <a:r>
               <a:rPr lang="fr-FR"/>
+              <a:t>Linear regression - statsmodel</a:t>
+            </a:r>
+          </a:p>
+        </p:txBody>
+      </p:sp>
+      <p:sp>
+        <p:nvSpPr>
+          <p:cNvPr id="3" name="TextBox 2">
+            <a:extLst>
+              <a:ext uri="{FF2B5EF4-FFF2-40B4-BE49-F238E27FC236}">
+                <a16:creationId xmlns:a16="http://schemas.microsoft.com/office/drawing/2014/main" id="{CB98C466-0CE4-A241-8C1C-057E54C9340E}"/>
+              </a:ext>
+            </a:extLst>
+          </p:cNvPr>
+          <p:cNvSpPr txBox="1"/>
+          <p:nvPr/>
+        </p:nvSpPr>
+        <p:spPr>
+          <a:xfrm>
+            <a:off x="838200" y="1855306"/>
+            <a:ext cx="5336717" cy="923330"/>
+          </a:xfrm>
+          <a:prstGeom prst="rect">
+            <a:avLst/>
+          </a:prstGeom>
+          <a:noFill/>
+        </p:spPr>
+        <p:txBody>
+          <a:bodyPr wrap="none" rtlCol="0">
+            <a:spAutoFit/>
+          </a:bodyPr>
+          <a:lstStyle/>
+          <a:p>
+            <a:r>
+              <a:rPr lang="fr-FR"/>
+              <a:t>Statsmodel library</a:t>
+            </a:r>
+          </a:p>
+          <a:p>
+            <a:r>
+              <a:rPr lang="fr-FR"/>
+              <a:t>univariate: y = ax + b</a:t>
+            </a:r>
+          </a:p>
+          <a:p>
+            <a:r>
+              <a:rPr lang="fr-FR"/>
+              <a:t>multivariate: y = a_1 x_1 + a_2 x_2 + … + a_n x_n + a_0</a:t>
+            </a:r>
+          </a:p>
+        </p:txBody>
+      </p:sp>
+      <p:sp>
+        <p:nvSpPr>
+          <p:cNvPr id="4" name="Rectangle 3">
+            <a:extLst>
+              <a:ext uri="{FF2B5EF4-FFF2-40B4-BE49-F238E27FC236}">
+                <a16:creationId xmlns:a16="http://schemas.microsoft.com/office/drawing/2014/main" id="{563DF85A-544C-5A41-B6F0-199E739A7174}"/>
+              </a:ext>
+            </a:extLst>
+          </p:cNvPr>
+          <p:cNvSpPr/>
+          <p:nvPr/>
+        </p:nvSpPr>
+        <p:spPr>
+          <a:xfrm>
+            <a:off x="1143000" y="5126659"/>
+            <a:ext cx="7040880" cy="369332"/>
+          </a:xfrm>
+          <a:prstGeom prst="rect">
+            <a:avLst/>
+          </a:prstGeom>
+        </p:spPr>
+        <p:txBody>
+          <a:bodyPr wrap="square">
+            <a:spAutoFit/>
+          </a:bodyPr>
+          <a:lstStyle/>
+          <a:p>
+            <a:r>
+              <a:rPr lang="fr-FR"/>
+              <a:t>http://www.statsmodels.org/stable/endog_exog.html#endog-exog</a:t>
+            </a:r>
+          </a:p>
+        </p:txBody>
+      </p:sp>
+      <p:sp>
+        <p:nvSpPr>
+          <p:cNvPr id="5" name="TextBox 4">
+            <a:extLst>
+              <a:ext uri="{FF2B5EF4-FFF2-40B4-BE49-F238E27FC236}">
+                <a16:creationId xmlns:a16="http://schemas.microsoft.com/office/drawing/2014/main" id="{3E91A489-1E07-2E4B-A110-552C45D0ED13}"/>
+              </a:ext>
+            </a:extLst>
+          </p:cNvPr>
+          <p:cNvSpPr txBox="1"/>
+          <p:nvPr/>
+        </p:nvSpPr>
+        <p:spPr>
+          <a:xfrm>
+            <a:off x="9027095" y="1855306"/>
+            <a:ext cx="2188163" cy="923330"/>
+          </a:xfrm>
+          <a:prstGeom prst="rect">
+            <a:avLst/>
+          </a:prstGeom>
+          <a:noFill/>
+        </p:spPr>
+        <p:txBody>
+          <a:bodyPr wrap="none" rtlCol="0">
+            <a:spAutoFit/>
+          </a:bodyPr>
+          <a:lstStyle/>
+          <a:p>
+            <a:r>
+              <a:rPr lang="fr-FR"/>
+              <a:t>y = w X</a:t>
+            </a:r>
+          </a:p>
+          <a:p>
+            <a:r>
+              <a:rPr lang="fr-FR"/>
+              <a:t>X design matrix</a:t>
+            </a:r>
+          </a:p>
+          <a:p>
+            <a:r>
+              <a:rPr lang="fr-FR"/>
+              <a:t>w : regression vector</a:t>
+            </a:r>
+          </a:p>
+        </p:txBody>
+      </p:sp>
+    </p:spTree>
+    <p:extLst>
+      <p:ext uri="{BB962C8B-B14F-4D97-AF65-F5344CB8AC3E}">
+        <p14:creationId xmlns:p14="http://schemas.microsoft.com/office/powerpoint/2010/main" val="2757107763"/>
+      </p:ext>
+    </p:extLst>
+  </p:cSld>
+  <p:clrMapOvr>
+    <a:masterClrMapping/>
+  </p:clrMapOvr>
+</p:sld>
+</file>
+
+<file path=ppt/slides/slide17.xml><?xml version="1.0" encoding="utf-8"?>
+<p:sld xmlns:a="http://schemas.openxmlformats.org/drawingml/2006/main" xmlns:r="http://schemas.openxmlformats.org/officeDocument/2006/relationships" xmlns:p="http://schemas.openxmlformats.org/presentationml/2006/main">
+  <p:cSld>
+    <p:spTree>
+      <p:nvGrpSpPr>
+        <p:cNvPr id="1" name=""/>
+        <p:cNvGrpSpPr/>
+        <p:nvPr/>
+      </p:nvGrpSpPr>
+      <p:grpSpPr>
+        <a:xfrm>
+          <a:off x="0" y="0"/>
+          <a:ext cx="0" cy="0"/>
+          <a:chOff x="0" y="0"/>
+          <a:chExt cx="0" cy="0"/>
+        </a:xfrm>
+      </p:grpSpPr>
+      <p:sp>
+        <p:nvSpPr>
+          <p:cNvPr id="2" name="Title 1">
+            <a:extLst>
+              <a:ext uri="{FF2B5EF4-FFF2-40B4-BE49-F238E27FC236}">
+                <a16:creationId xmlns:a16="http://schemas.microsoft.com/office/drawing/2014/main" id="{B75F2B0C-D00C-2746-830C-2E7F6724BE35}"/>
+              </a:ext>
+            </a:extLst>
+          </p:cNvPr>
+          <p:cNvSpPr>
+            <a:spLocks noGrp="1"/>
+          </p:cNvSpPr>
+          <p:nvPr>
+            <p:ph type="title"/>
+          </p:nvPr>
+        </p:nvSpPr>
+        <p:spPr/>
+        <p:txBody>
+          <a:bodyPr/>
+          <a:lstStyle/>
+          <a:p>
+            <a:r>
+              <a:rPr lang="fr-FR"/>
               <a:t>Linear regression - Vocabulaire</a:t>
             </a:r>
           </a:p>
@@ -4762,7 +5043,7 @@
 </p:sld>
 </file>
 
-<file path=ppt/slides/slide17.xml><?xml version="1.0" encoding="utf-8"?>
+<file path=ppt/slides/slide18.xml><?xml version="1.0" encoding="utf-8"?>
 <p:sld xmlns:a="http://schemas.openxmlformats.org/drawingml/2006/main" xmlns:r="http://schemas.openxmlformats.org/officeDocument/2006/relationships" xmlns:p="http://schemas.openxmlformats.org/presentationml/2006/main">
   <p:cSld>
     <p:spTree>
@@ -4970,7 +5251,7 @@
 </p:sld>
 </file>
 
-<file path=ppt/slides/slide18.xml><?xml version="1.0" encoding="utf-8"?>
+<file path=ppt/slides/slide19.xml><?xml version="1.0" encoding="utf-8"?>
 <p:sld xmlns:a="http://schemas.openxmlformats.org/drawingml/2006/main" xmlns:r="http://schemas.openxmlformats.org/officeDocument/2006/relationships" xmlns:p="http://schemas.openxmlformats.org/presentationml/2006/main">
   <p:cSld>
     <p:spTree>
@@ -5313,7 +5594,276 @@
 </p:sld>
 </file>
 
-<file path=ppt/slides/slide19.xml><?xml version="1.0" encoding="utf-8"?>
+<file path=ppt/slides/slide2.xml><?xml version="1.0" encoding="utf-8"?>
+<p:sld xmlns:a="http://schemas.openxmlformats.org/drawingml/2006/main" xmlns:r="http://schemas.openxmlformats.org/officeDocument/2006/relationships" xmlns:p="http://schemas.openxmlformats.org/presentationml/2006/main">
+  <p:cSld>
+    <p:spTree>
+      <p:nvGrpSpPr>
+        <p:cNvPr id="1" name=""/>
+        <p:cNvGrpSpPr/>
+        <p:nvPr/>
+      </p:nvGrpSpPr>
+      <p:grpSpPr>
+        <a:xfrm>
+          <a:off x="0" y="0"/>
+          <a:ext cx="0" cy="0"/>
+          <a:chOff x="0" y="0"/>
+          <a:chExt cx="0" cy="0"/>
+        </a:xfrm>
+      </p:grpSpPr>
+      <p:sp>
+        <p:nvSpPr>
+          <p:cNvPr id="3" name="Rectangle 2">
+            <a:extLst>
+              <a:ext uri="{FF2B5EF4-FFF2-40B4-BE49-F238E27FC236}">
+                <a16:creationId xmlns:a16="http://schemas.microsoft.com/office/drawing/2014/main" id="{FA27BE5E-E539-9F40-BD10-40420EFB889B}"/>
+              </a:ext>
+            </a:extLst>
+          </p:cNvPr>
+          <p:cNvSpPr/>
+          <p:nvPr/>
+        </p:nvSpPr>
+        <p:spPr>
+          <a:xfrm>
+            <a:off x="2239766" y="1212351"/>
+            <a:ext cx="7068826" cy="3970318"/>
+          </a:xfrm>
+          <a:prstGeom prst="rect">
+            <a:avLst/>
+          </a:prstGeom>
+          <a:ln>
+            <a:solidFill>
+              <a:srgbClr val="0070C0"/>
+            </a:solidFill>
+          </a:ln>
+        </p:spPr>
+        <p:txBody>
+          <a:bodyPr wrap="square">
+            <a:spAutoFit/>
+          </a:bodyPr>
+          <a:lstStyle/>
+          <a:p>
+            <a:pPr marL="285750" indent="-285750">
+              <a:buFont typeface="Arial" panose="020B0604020202020204" pitchFamily="34" charset="0"/>
+              <a:buChar char="•"/>
+            </a:pPr>
+            <a:r>
+              <a:rPr lang="en-US" dirty="0" err="1"/>
+              <a:t>Linearité</a:t>
+            </a:r>
+            <a:endParaRPr lang="en-US"/>
+          </a:p>
+          <a:p>
+            <a:pPr marL="285750" indent="-285750">
+              <a:buFont typeface="Arial" panose="020B0604020202020204" pitchFamily="34" charset="0"/>
+              <a:buChar char="•"/>
+            </a:pPr>
+            <a:r>
+              <a:rPr lang="en-US"/>
+              <a:t>Correlation, pearson, spearman, causation </a:t>
+            </a:r>
+          </a:p>
+          <a:p>
+            <a:pPr marL="285750" indent="-285750">
+              <a:buFont typeface="Arial" panose="020B0604020202020204" pitchFamily="34" charset="0"/>
+              <a:buChar char="•"/>
+            </a:pPr>
+            <a:r>
+              <a:rPr lang="en-US"/>
+              <a:t>Regression Lineaire </a:t>
+            </a:r>
+          </a:p>
+          <a:p>
+            <a:pPr marL="742950" lvl="1" indent="-285750">
+              <a:buFont typeface="Arial" panose="020B0604020202020204" pitchFamily="34" charset="0"/>
+              <a:buChar char="•"/>
+            </a:pPr>
+            <a:r>
+              <a:rPr lang="en-US"/>
+              <a:t>Univariée </a:t>
+            </a:r>
+          </a:p>
+          <a:p>
+            <a:pPr marL="742950" lvl="1" indent="-285750">
+              <a:buFont typeface="Arial" panose="020B0604020202020204" pitchFamily="34" charset="0"/>
+              <a:buChar char="•"/>
+            </a:pPr>
+            <a:r>
+              <a:rPr lang="en-US"/>
+              <a:t>Multivariée </a:t>
+            </a:r>
+          </a:p>
+          <a:p>
+            <a:pPr marL="285750" indent="-285750">
+              <a:buFont typeface="Arial" panose="020B0604020202020204" pitchFamily="34" charset="0"/>
+              <a:buChar char="•"/>
+            </a:pPr>
+            <a:r>
+              <a:rPr lang="en-US"/>
+              <a:t>interprétation des résultats: </a:t>
+            </a:r>
+          </a:p>
+          <a:p>
+            <a:pPr marL="742950" lvl="1" indent="-285750">
+              <a:buFont typeface="Arial" panose="020B0604020202020204" pitchFamily="34" charset="0"/>
+              <a:buChar char="•"/>
+            </a:pPr>
+            <a:r>
+              <a:rPr lang="en-US"/>
+              <a:t>coef, </a:t>
+            </a:r>
+          </a:p>
+          <a:p>
+            <a:pPr marL="742950" lvl="1" indent="-285750">
+              <a:buFont typeface="Arial" panose="020B0604020202020204" pitchFamily="34" charset="0"/>
+              <a:buChar char="•"/>
+            </a:pPr>
+            <a:r>
+              <a:rPr lang="en-US"/>
+              <a:t>R^2, </a:t>
+            </a:r>
+          </a:p>
+          <a:p>
+            <a:pPr marL="742950" lvl="1" indent="-285750">
+              <a:buFont typeface="Arial" panose="020B0604020202020204" pitchFamily="34" charset="0"/>
+              <a:buChar char="•"/>
+            </a:pPr>
+            <a:r>
+              <a:rPr lang="en-US"/>
+              <a:t>Log Likelihood </a:t>
+            </a:r>
+          </a:p>
+          <a:p>
+            <a:pPr marL="285750" indent="-285750">
+              <a:buFont typeface="Arial" panose="020B0604020202020204" pitchFamily="34" charset="0"/>
+              <a:buChar char="•"/>
+            </a:pPr>
+            <a:r>
+              <a:rPr lang="en-US"/>
+              <a:t>OLS: calculer les coefficients </a:t>
+            </a:r>
+          </a:p>
+          <a:p>
+            <a:pPr marL="285750" indent="-285750">
+              <a:buFont typeface="Arial" panose="020B0604020202020204" pitchFamily="34" charset="0"/>
+              <a:buChar char="•"/>
+            </a:pPr>
+            <a:r>
+              <a:rPr lang="en-US"/>
+              <a:t>5 Hypothèses de la régression </a:t>
+            </a:r>
+          </a:p>
+          <a:p>
+            <a:pPr marL="742950" lvl="1" indent="-285750">
+              <a:buFont typeface="Arial" panose="020B0604020202020204" pitchFamily="34" charset="0"/>
+              <a:buChar char="•"/>
+            </a:pPr>
+            <a:r>
+              <a:rPr lang="en-US"/>
+              <a:t>diagnostiques et solutions</a:t>
+            </a:r>
+          </a:p>
+          <a:p>
+            <a:pPr marL="285750" indent="-285750">
+              <a:buFont typeface="Arial" panose="020B0604020202020204" pitchFamily="34" charset="0"/>
+              <a:buChar char="•"/>
+            </a:pPr>
+            <a:r>
+              <a:rPr lang="en-US"/>
+              <a:t>cas gaussien : log-likelihood </a:t>
+            </a:r>
+          </a:p>
+          <a:p>
+            <a:pPr marL="285750" indent="-285750">
+              <a:buFont typeface="Arial" panose="020B0604020202020204" pitchFamily="34" charset="0"/>
+              <a:buChar char="•"/>
+            </a:pPr>
+            <a:r>
+              <a:rPr lang="en-US"/>
+              <a:t>diagnostics graphiques</a:t>
+            </a:r>
+            <a:endParaRPr lang="fr-FR"/>
+          </a:p>
+        </p:txBody>
+      </p:sp>
+      <p:sp>
+        <p:nvSpPr>
+          <p:cNvPr id="4" name="Title 1">
+            <a:extLst>
+              <a:ext uri="{FF2B5EF4-FFF2-40B4-BE49-F238E27FC236}">
+                <a16:creationId xmlns:a16="http://schemas.microsoft.com/office/drawing/2014/main" id="{3A6146CD-DFC7-5A4C-BA52-67DCA20B0886}"/>
+              </a:ext>
+            </a:extLst>
+          </p:cNvPr>
+          <p:cNvSpPr txBox="1">
+            <a:spLocks/>
+          </p:cNvSpPr>
+          <p:nvPr/>
+        </p:nvSpPr>
+        <p:spPr>
+          <a:xfrm>
+            <a:off x="-10274" y="-5170"/>
+            <a:ext cx="12202274" cy="646331"/>
+          </a:xfrm>
+          <a:prstGeom prst="rect">
+            <a:avLst/>
+          </a:prstGeom>
+          <a:solidFill>
+            <a:srgbClr val="426BAD"/>
+          </a:solidFill>
+        </p:spPr>
+        <p:txBody>
+          <a:bodyPr vert="horz" lIns="91440" tIns="45720" rIns="91440" bIns="45720" rtlCol="0" anchor="ctr">
+            <a:normAutofit fontScale="97500" lnSpcReduction="10000"/>
+          </a:bodyPr>
+          <a:lstStyle>
+            <a:lvl1pPr algn="l" defTabSz="914400" rtl="0" eaLnBrk="1" latinLnBrk="0" hangingPunct="1">
+              <a:lnSpc>
+                <a:spcPct val="90000"/>
+              </a:lnSpc>
+              <a:spcBef>
+                <a:spcPct val="0"/>
+              </a:spcBef>
+              <a:buNone/>
+              <a:defRPr sz="4400" kern="1200">
+                <a:solidFill>
+                  <a:schemeClr val="tx1"/>
+                </a:solidFill>
+                <a:latin typeface="+mj-lt"/>
+                <a:ea typeface="+mj-ea"/>
+                <a:cs typeface="+mj-cs"/>
+              </a:defRPr>
+            </a:lvl1pPr>
+          </a:lstStyle>
+          <a:p>
+            <a:r>
+              <a:rPr lang="fr-FR">
+                <a:solidFill>
+                  <a:schemeClr val="accent1">
+                    <a:lumMod val="20000"/>
+                    <a:lumOff val="80000"/>
+                  </a:schemeClr>
+                </a:solidFill>
+              </a:rPr>
+              <a:t>Aujourd'hui: Régression linéaire</a:t>
+            </a:r>
+          </a:p>
+        </p:txBody>
+      </p:sp>
+    </p:spTree>
+    <p:extLst>
+      <p:ext uri="{BB962C8B-B14F-4D97-AF65-F5344CB8AC3E}">
+        <p14:creationId xmlns:p14="http://schemas.microsoft.com/office/powerpoint/2010/main" val="3894402764"/>
+      </p:ext>
+    </p:extLst>
+  </p:cSld>
+  <p:clrMapOvr>
+    <a:masterClrMapping/>
+  </p:clrMapOvr>
+</p:sld>
+</file>
+
+<file path=ppt/slides/slide20.xml><?xml version="1.0" encoding="utf-8"?>
 <p:sld xmlns:a="http://schemas.openxmlformats.org/drawingml/2006/main" xmlns:r="http://schemas.openxmlformats.org/officeDocument/2006/relationships" xmlns:p="http://schemas.openxmlformats.org/presentationml/2006/main">
   <p:cSld>
     <p:spTree>
@@ -5401,760 +5951,6 @@
 </p:sld>
 </file>
 
-<file path=ppt/slides/slide2.xml><?xml version="1.0" encoding="utf-8"?>
-<p:sld xmlns:a="http://schemas.openxmlformats.org/drawingml/2006/main" xmlns:r="http://schemas.openxmlformats.org/officeDocument/2006/relationships" xmlns:p="http://schemas.openxmlformats.org/presentationml/2006/main">
-  <p:cSld>
-    <p:spTree>
-      <p:nvGrpSpPr>
-        <p:cNvPr id="1" name=""/>
-        <p:cNvGrpSpPr/>
-        <p:nvPr/>
-      </p:nvGrpSpPr>
-      <p:grpSpPr>
-        <a:xfrm>
-          <a:off x="0" y="0"/>
-          <a:ext cx="0" cy="0"/>
-          <a:chOff x="0" y="0"/>
-          <a:chExt cx="0" cy="0"/>
-        </a:xfrm>
-      </p:grpSpPr>
-      <p:sp>
-        <p:nvSpPr>
-          <p:cNvPr id="2" name="Title 1">
-            <a:extLst>
-              <a:ext uri="{FF2B5EF4-FFF2-40B4-BE49-F238E27FC236}">
-                <a16:creationId xmlns:a16="http://schemas.microsoft.com/office/drawing/2014/main" id="{0B189551-5D3E-2E46-B99F-9F0812DADA86}"/>
-              </a:ext>
-            </a:extLst>
-          </p:cNvPr>
-          <p:cNvSpPr>
-            <a:spLocks noGrp="1"/>
-          </p:cNvSpPr>
-          <p:nvPr>
-            <p:ph type="title"/>
-          </p:nvPr>
-        </p:nvSpPr>
-        <p:spPr/>
-        <p:txBody>
-          <a:bodyPr/>
-          <a:lstStyle/>
-          <a:p>
-            <a:r>
-              <a:rPr lang="fr-FR" dirty="0"/>
-              <a:t>Programme: regression lineaire</a:t>
-            </a:r>
-          </a:p>
-        </p:txBody>
-      </p:sp>
-      <p:sp>
-        <p:nvSpPr>
-          <p:cNvPr id="3" name="Rectangle 2">
-            <a:extLst>
-              <a:ext uri="{FF2B5EF4-FFF2-40B4-BE49-F238E27FC236}">
-                <a16:creationId xmlns:a16="http://schemas.microsoft.com/office/drawing/2014/main" id="{FA27BE5E-E539-9F40-BD10-40420EFB889B}"/>
-              </a:ext>
-            </a:extLst>
-          </p:cNvPr>
-          <p:cNvSpPr/>
-          <p:nvPr/>
-        </p:nvSpPr>
-        <p:spPr>
-          <a:xfrm>
-            <a:off x="3212592" y="2068544"/>
-            <a:ext cx="6096000" cy="3970318"/>
-          </a:xfrm>
-          <a:prstGeom prst="rect">
-            <a:avLst/>
-          </a:prstGeom>
-        </p:spPr>
-        <p:txBody>
-          <a:bodyPr>
-            <a:spAutoFit/>
-          </a:bodyPr>
-          <a:lstStyle/>
-          <a:p>
-            <a:pPr marL="285750" indent="-285750">
-              <a:buFont typeface="Arial" panose="020B0604020202020204" pitchFamily="34" charset="0"/>
-              <a:buChar char="•"/>
-            </a:pPr>
-            <a:r>
-              <a:rPr lang="en-US" dirty="0" err="1"/>
-              <a:t>Linearité</a:t>
-            </a:r>
-            <a:endParaRPr lang="en-US"/>
-          </a:p>
-          <a:p>
-            <a:pPr marL="285750" indent="-285750">
-              <a:buFont typeface="Arial" panose="020B0604020202020204" pitchFamily="34" charset="0"/>
-              <a:buChar char="•"/>
-            </a:pPr>
-            <a:r>
-              <a:rPr lang="en-US"/>
-              <a:t>Correlation, pearson, spearman, causation </a:t>
-            </a:r>
-          </a:p>
-          <a:p>
-            <a:pPr marL="285750" indent="-285750">
-              <a:buFont typeface="Arial" panose="020B0604020202020204" pitchFamily="34" charset="0"/>
-              <a:buChar char="•"/>
-            </a:pPr>
-            <a:r>
-              <a:rPr lang="en-US"/>
-              <a:t>Regression Lineaire </a:t>
-            </a:r>
-          </a:p>
-          <a:p>
-            <a:pPr marL="742950" lvl="1" indent="-285750">
-              <a:buFont typeface="Arial" panose="020B0604020202020204" pitchFamily="34" charset="0"/>
-              <a:buChar char="•"/>
-            </a:pPr>
-            <a:r>
-              <a:rPr lang="en-US"/>
-              <a:t>Univariée </a:t>
-            </a:r>
-          </a:p>
-          <a:p>
-            <a:pPr marL="742950" lvl="1" indent="-285750">
-              <a:buFont typeface="Arial" panose="020B0604020202020204" pitchFamily="34" charset="0"/>
-              <a:buChar char="•"/>
-            </a:pPr>
-            <a:r>
-              <a:rPr lang="en-US"/>
-              <a:t>Multivariée </a:t>
-            </a:r>
-          </a:p>
-          <a:p>
-            <a:pPr marL="285750" indent="-285750">
-              <a:buFont typeface="Arial" panose="020B0604020202020204" pitchFamily="34" charset="0"/>
-              <a:buChar char="•"/>
-            </a:pPr>
-            <a:r>
-              <a:rPr lang="en-US"/>
-              <a:t>interprétation des résultats: </a:t>
-            </a:r>
-          </a:p>
-          <a:p>
-            <a:pPr marL="742950" lvl="1" indent="-285750">
-              <a:buFont typeface="Arial" panose="020B0604020202020204" pitchFamily="34" charset="0"/>
-              <a:buChar char="•"/>
-            </a:pPr>
-            <a:r>
-              <a:rPr lang="en-US"/>
-              <a:t>coef, </a:t>
-            </a:r>
-          </a:p>
-          <a:p>
-            <a:pPr marL="742950" lvl="1" indent="-285750">
-              <a:buFont typeface="Arial" panose="020B0604020202020204" pitchFamily="34" charset="0"/>
-              <a:buChar char="•"/>
-            </a:pPr>
-            <a:r>
-              <a:rPr lang="en-US"/>
-              <a:t>R^2, </a:t>
-            </a:r>
-          </a:p>
-          <a:p>
-            <a:pPr marL="742950" lvl="1" indent="-285750">
-              <a:buFont typeface="Arial" panose="020B0604020202020204" pitchFamily="34" charset="0"/>
-              <a:buChar char="•"/>
-            </a:pPr>
-            <a:r>
-              <a:rPr lang="en-US"/>
-              <a:t>Log Likelihood </a:t>
-            </a:r>
-          </a:p>
-          <a:p>
-            <a:pPr marL="285750" indent="-285750">
-              <a:buFont typeface="Arial" panose="020B0604020202020204" pitchFamily="34" charset="0"/>
-              <a:buChar char="•"/>
-            </a:pPr>
-            <a:r>
-              <a:rPr lang="en-US"/>
-              <a:t>OLS: calculer les coefficients </a:t>
-            </a:r>
-          </a:p>
-          <a:p>
-            <a:pPr marL="285750" indent="-285750">
-              <a:buFont typeface="Arial" panose="020B0604020202020204" pitchFamily="34" charset="0"/>
-              <a:buChar char="•"/>
-            </a:pPr>
-            <a:r>
-              <a:rPr lang="en-US"/>
-              <a:t>5 Hypothèses de la régression </a:t>
-            </a:r>
-          </a:p>
-          <a:p>
-            <a:pPr marL="742950" lvl="1" indent="-285750">
-              <a:buFont typeface="Arial" panose="020B0604020202020204" pitchFamily="34" charset="0"/>
-              <a:buChar char="•"/>
-            </a:pPr>
-            <a:r>
-              <a:rPr lang="en-US"/>
-              <a:t>diagnostiques et solutions</a:t>
-            </a:r>
-          </a:p>
-          <a:p>
-            <a:pPr marL="285750" indent="-285750">
-              <a:buFont typeface="Arial" panose="020B0604020202020204" pitchFamily="34" charset="0"/>
-              <a:buChar char="•"/>
-            </a:pPr>
-            <a:r>
-              <a:rPr lang="en-US"/>
-              <a:t>cas gaussien : log-likelihood </a:t>
-            </a:r>
-          </a:p>
-          <a:p>
-            <a:pPr marL="285750" indent="-285750">
-              <a:buFont typeface="Arial" panose="020B0604020202020204" pitchFamily="34" charset="0"/>
-              <a:buChar char="•"/>
-            </a:pPr>
-            <a:r>
-              <a:rPr lang="en-US"/>
-              <a:t>diagnostics graphiques</a:t>
-            </a:r>
-            <a:endParaRPr lang="fr-FR"/>
-          </a:p>
-        </p:txBody>
-      </p:sp>
-    </p:spTree>
-    <p:extLst>
-      <p:ext uri="{BB962C8B-B14F-4D97-AF65-F5344CB8AC3E}">
-        <p14:creationId xmlns:p14="http://schemas.microsoft.com/office/powerpoint/2010/main" val="3894402764"/>
-      </p:ext>
-    </p:extLst>
-  </p:cSld>
-  <p:clrMapOvr>
-    <a:masterClrMapping/>
-  </p:clrMapOvr>
-</p:sld>
-</file>
-
-<file path=ppt/slides/slide20.xml><?xml version="1.0" encoding="utf-8"?>
-<p:sld xmlns:a="http://schemas.openxmlformats.org/drawingml/2006/main" xmlns:r="http://schemas.openxmlformats.org/officeDocument/2006/relationships" xmlns:p="http://schemas.openxmlformats.org/presentationml/2006/main">
-  <p:cSld>
-    <p:spTree>
-      <p:nvGrpSpPr>
-        <p:cNvPr id="1" name=""/>
-        <p:cNvGrpSpPr/>
-        <p:nvPr/>
-      </p:nvGrpSpPr>
-      <p:grpSpPr>
-        <a:xfrm>
-          <a:off x="0" y="0"/>
-          <a:ext cx="0" cy="0"/>
-          <a:chOff x="0" y="0"/>
-          <a:chExt cx="0" cy="0"/>
-        </a:xfrm>
-      </p:grpSpPr>
-      <p:sp>
-        <p:nvSpPr>
-          <p:cNvPr id="2" name="Title 1">
-            <a:extLst>
-              <a:ext uri="{FF2B5EF4-FFF2-40B4-BE49-F238E27FC236}">
-                <a16:creationId xmlns:a16="http://schemas.microsoft.com/office/drawing/2014/main" id="{130BF517-13C8-A043-9033-42558F484C59}"/>
-              </a:ext>
-            </a:extLst>
-          </p:cNvPr>
-          <p:cNvSpPr>
-            <a:spLocks noGrp="1"/>
-          </p:cNvSpPr>
-          <p:nvPr>
-            <p:ph type="title"/>
-          </p:nvPr>
-        </p:nvSpPr>
-        <p:spPr/>
-        <p:txBody>
-          <a:bodyPr/>
-          <a:lstStyle/>
-          <a:p>
-            <a:r>
-              <a:rPr lang="fr-FR"/>
-              <a:t>Interpretation des Coefficients</a:t>
-            </a:r>
-          </a:p>
-        </p:txBody>
-      </p:sp>
-      <p:sp>
-        <p:nvSpPr>
-          <p:cNvPr id="3" name="TextBox 2">
-            <a:extLst>
-              <a:ext uri="{FF2B5EF4-FFF2-40B4-BE49-F238E27FC236}">
-                <a16:creationId xmlns:a16="http://schemas.microsoft.com/office/drawing/2014/main" id="{E01BDCAD-F457-034D-A288-5CD5C6DBA9AF}"/>
-              </a:ext>
-            </a:extLst>
-          </p:cNvPr>
-          <p:cNvSpPr txBox="1"/>
-          <p:nvPr/>
-        </p:nvSpPr>
-        <p:spPr>
-          <a:xfrm>
-            <a:off x="374799" y="2726849"/>
-            <a:ext cx="6595139" cy="1477328"/>
-          </a:xfrm>
-          <a:prstGeom prst="rect">
-            <a:avLst/>
-          </a:prstGeom>
-          <a:noFill/>
-        </p:spPr>
-        <p:txBody>
-          <a:bodyPr wrap="none" rtlCol="0">
-            <a:spAutoFit/>
-          </a:bodyPr>
-          <a:lstStyle/>
-          <a:p>
-            <a:r>
-              <a:rPr lang="fr-FR"/>
-              <a:t>Les coefficients: </a:t>
-            </a:r>
-          </a:p>
-          <a:p>
-            <a:pPr marL="285750" indent="-285750">
-              <a:buFont typeface="Arial" panose="020B0604020202020204" pitchFamily="34" charset="0"/>
-              <a:buChar char="•"/>
-            </a:pPr>
-            <a:r>
-              <a:rPr lang="fr-FR"/>
-              <a:t>df.Sales = 0.0475 * df.TV + 7.0326</a:t>
-            </a:r>
-          </a:p>
-          <a:p>
-            <a:pPr marL="285750" indent="-285750">
-              <a:buFont typeface="Arial" panose="020B0604020202020204" pitchFamily="34" charset="0"/>
-              <a:buChar char="•"/>
-            </a:pPr>
-            <a:r>
-              <a:rPr lang="fr-FR"/>
-              <a:t>indication de la corrélation entre les variables</a:t>
-            </a:r>
-          </a:p>
-          <a:p>
-            <a:pPr marL="285750" indent="-285750">
-              <a:buFont typeface="Arial" panose="020B0604020202020204" pitchFamily="34" charset="0"/>
-              <a:buChar char="•"/>
-            </a:pPr>
-            <a:r>
-              <a:rPr lang="fr-FR"/>
-              <a:t>si on ne dépense rien en TV on vend quand meme 7.0326 unités</a:t>
-            </a:r>
-          </a:p>
-          <a:p>
-            <a:endParaRPr lang="fr-FR"/>
-          </a:p>
-        </p:txBody>
-      </p:sp>
-      <p:sp>
-        <p:nvSpPr>
-          <p:cNvPr id="4" name="TextBox 3">
-            <a:extLst>
-              <a:ext uri="{FF2B5EF4-FFF2-40B4-BE49-F238E27FC236}">
-                <a16:creationId xmlns:a16="http://schemas.microsoft.com/office/drawing/2014/main" id="{A589ADDE-8CC9-0B42-9AA6-994B449D76A2}"/>
-              </a:ext>
-            </a:extLst>
-          </p:cNvPr>
-          <p:cNvSpPr txBox="1"/>
-          <p:nvPr/>
-        </p:nvSpPr>
-        <p:spPr>
-          <a:xfrm>
-            <a:off x="567160" y="1551008"/>
-            <a:ext cx="12805557" cy="923330"/>
-          </a:xfrm>
-          <a:prstGeom prst="rect">
-            <a:avLst/>
-          </a:prstGeom>
-          <a:noFill/>
-        </p:spPr>
-        <p:txBody>
-          <a:bodyPr wrap="none" rtlCol="0">
-            <a:spAutoFit/>
-          </a:bodyPr>
-          <a:lstStyle/>
-          <a:p>
-            <a:r>
-              <a:rPr lang="fr-FR">
-                <a:latin typeface="Courier New" panose="02070309020205020404" pitchFamily="49" charset="0"/>
-                <a:cs typeface="Courier New" panose="02070309020205020404" pitchFamily="49" charset="0"/>
-              </a:rPr>
-              <a:t>results</a:t>
-            </a:r>
-            <a:r>
-              <a:rPr lang="fr-FR"/>
-              <a:t>: </a:t>
-            </a:r>
-          </a:p>
-          <a:p>
-            <a:pPr marL="285750" indent="-285750">
-              <a:buFont typeface="Arial" panose="020B0604020202020204" pitchFamily="34" charset="0"/>
-              <a:buChar char="•"/>
-            </a:pPr>
-            <a:r>
-              <a:rPr lang="fr-FR"/>
-              <a:t>Fitted values: </a:t>
-            </a:r>
-            <a:r>
-              <a:rPr lang="fr-FR">
-                <a:latin typeface="Courier New" panose="02070309020205020404" pitchFamily="49" charset="0"/>
-                <a:cs typeface="Courier New" panose="02070309020205020404" pitchFamily="49" charset="0"/>
-              </a:rPr>
-              <a:t>results.fittedvalues = results.params['TV'] * df['TV'] + results.params['const']</a:t>
-            </a:r>
-          </a:p>
-          <a:p>
-            <a:pPr marL="285750" indent="-285750">
-              <a:buFont typeface="Arial" panose="020B0604020202020204" pitchFamily="34" charset="0"/>
-              <a:buChar char="•"/>
-            </a:pPr>
-            <a:r>
-              <a:rPr lang="fr-FR"/>
-              <a:t>residuals: </a:t>
-            </a:r>
-            <a:r>
-              <a:rPr lang="fr-FR">
-                <a:latin typeface="Courier New" panose="02070309020205020404" pitchFamily="49" charset="0"/>
-                <a:cs typeface="Courier New" panose="02070309020205020404" pitchFamily="49" charset="0"/>
-              </a:rPr>
-              <a:t>results.resid = df['Sales'] - results.fittedvalues</a:t>
-            </a:r>
-          </a:p>
-        </p:txBody>
-      </p:sp>
-      <p:sp>
-        <p:nvSpPr>
-          <p:cNvPr id="5" name="TextBox 4">
-            <a:extLst>
-              <a:ext uri="{FF2B5EF4-FFF2-40B4-BE49-F238E27FC236}">
-                <a16:creationId xmlns:a16="http://schemas.microsoft.com/office/drawing/2014/main" id="{2FD8D560-551A-DE4A-BA4F-02AA1CEE0459}"/>
-              </a:ext>
-            </a:extLst>
-          </p:cNvPr>
-          <p:cNvSpPr txBox="1"/>
-          <p:nvPr/>
-        </p:nvSpPr>
-        <p:spPr>
-          <a:xfrm>
-            <a:off x="775504" y="4560425"/>
-            <a:ext cx="2269019" cy="1477328"/>
-          </a:xfrm>
-          <a:prstGeom prst="rect">
-            <a:avLst/>
-          </a:prstGeom>
-          <a:noFill/>
-        </p:spPr>
-        <p:txBody>
-          <a:bodyPr wrap="none" rtlCol="0">
-            <a:spAutoFit/>
-          </a:bodyPr>
-          <a:lstStyle/>
-          <a:p>
-            <a:pPr marL="285750" indent="-285750">
-              <a:buFont typeface="Arial" panose="020B0604020202020204" pitchFamily="34" charset="0"/>
-              <a:buChar char="•"/>
-            </a:pPr>
-            <a:r>
-              <a:rPr lang="fr-FR"/>
-              <a:t>std-error</a:t>
-            </a:r>
-          </a:p>
-          <a:p>
-            <a:pPr marL="285750" indent="-285750">
-              <a:buFont typeface="Arial" panose="020B0604020202020204" pitchFamily="34" charset="0"/>
-              <a:buChar char="•"/>
-            </a:pPr>
-            <a:r>
-              <a:rPr lang="fr-FR"/>
-              <a:t>t-test</a:t>
-            </a:r>
-          </a:p>
-          <a:p>
-            <a:pPr marL="285750" indent="-285750">
-              <a:buFont typeface="Arial" panose="020B0604020202020204" pitchFamily="34" charset="0"/>
-              <a:buChar char="•"/>
-            </a:pPr>
-            <a:r>
-              <a:rPr lang="fr-FR"/>
-              <a:t>p-value</a:t>
-            </a:r>
-          </a:p>
-          <a:p>
-            <a:pPr marL="285750" indent="-285750">
-              <a:buFont typeface="Arial" panose="020B0604020202020204" pitchFamily="34" charset="0"/>
-              <a:buChar char="•"/>
-            </a:pPr>
-            <a:r>
-              <a:rPr lang="fr-FR"/>
-              <a:t>confidence interval</a:t>
-            </a:r>
-          </a:p>
-          <a:p>
-            <a:endParaRPr lang="fr-FR"/>
-          </a:p>
-        </p:txBody>
-      </p:sp>
-      <p:sp>
-        <p:nvSpPr>
-          <p:cNvPr id="6" name="Rectangle 5">
-            <a:extLst>
-              <a:ext uri="{FF2B5EF4-FFF2-40B4-BE49-F238E27FC236}">
-                <a16:creationId xmlns:a16="http://schemas.microsoft.com/office/drawing/2014/main" id="{E173F0E0-BDB6-7241-A07A-484CC562CFF7}"/>
-              </a:ext>
-            </a:extLst>
-          </p:cNvPr>
-          <p:cNvSpPr/>
-          <p:nvPr/>
-        </p:nvSpPr>
-        <p:spPr>
-          <a:xfrm>
-            <a:off x="5559706" y="3076555"/>
-            <a:ext cx="6096000" cy="3416320"/>
-          </a:xfrm>
-          <a:prstGeom prst="rect">
-            <a:avLst/>
-          </a:prstGeom>
-        </p:spPr>
-        <p:txBody>
-          <a:bodyPr>
-            <a:spAutoFit/>
-          </a:bodyPr>
-          <a:lstStyle/>
-          <a:p>
-            <a:pPr>
-              <a:buFont typeface="Arial" panose="020B0604020202020204" pitchFamily="34" charset="0"/>
-              <a:buChar char="•"/>
-            </a:pPr>
-            <a:r>
-              <a:rPr lang="en-US" b="0" i="0">
-                <a:solidFill>
-                  <a:srgbClr val="000000"/>
-                </a:solidFill>
-                <a:effectLst/>
-                <a:latin typeface="Montserrat"/>
-              </a:rPr>
-              <a:t>The </a:t>
-            </a:r>
-            <a:r>
-              <a:rPr lang="en-US" b="0" i="1">
-                <a:solidFill>
-                  <a:srgbClr val="000000"/>
-                </a:solidFill>
-                <a:effectLst/>
-                <a:latin typeface="Montserrat"/>
-              </a:rPr>
-              <a:t>coefficients</a:t>
-            </a:r>
-            <a:r>
-              <a:rPr lang="en-US" b="0" i="0">
-                <a:solidFill>
-                  <a:srgbClr val="000000"/>
-                </a:solidFill>
-                <a:effectLst/>
-                <a:latin typeface="Montserrat"/>
-              </a:rPr>
-              <a:t> are an indication of the correlation of your input variable(s) with the outcome.</a:t>
-            </a:r>
-          </a:p>
-          <a:p>
-            <a:pPr>
-              <a:buFont typeface="Arial" panose="020B0604020202020204" pitchFamily="34" charset="0"/>
-              <a:buChar char="•"/>
-            </a:pPr>
-            <a:r>
-              <a:rPr lang="en-US" b="0" i="0">
-                <a:solidFill>
-                  <a:srgbClr val="000000"/>
-                </a:solidFill>
-                <a:effectLst/>
-                <a:latin typeface="Montserrat"/>
-              </a:rPr>
-              <a:t>The associated </a:t>
-            </a:r>
-            <a:r>
-              <a:rPr lang="en-US" b="0" i="1">
-                <a:solidFill>
-                  <a:srgbClr val="000000"/>
-                </a:solidFill>
-                <a:effectLst/>
-                <a:latin typeface="Montserrat"/>
-              </a:rPr>
-              <a:t>p-values</a:t>
-            </a:r>
-            <a:r>
-              <a:rPr lang="en-US" b="0" i="0">
-                <a:solidFill>
-                  <a:srgbClr val="000000"/>
-                </a:solidFill>
-                <a:effectLst/>
-                <a:latin typeface="Montserrat"/>
-              </a:rPr>
-              <a:t> and </a:t>
-            </a:r>
-            <a:r>
-              <a:rPr lang="en-US" b="0" i="1">
-                <a:solidFill>
-                  <a:srgbClr val="000000"/>
-                </a:solidFill>
-                <a:effectLst/>
-                <a:latin typeface="Montserrat"/>
-              </a:rPr>
-              <a:t>confidence intervals</a:t>
-            </a:r>
-            <a:r>
-              <a:rPr lang="en-US" b="0" i="0">
-                <a:solidFill>
-                  <a:srgbClr val="000000"/>
-                </a:solidFill>
-                <a:effectLst/>
-                <a:latin typeface="Montserrat"/>
-              </a:rPr>
-              <a:t> tell you how much trust you can put in these coefficient estimations. The p-value also tells you how confident you can be that each individual variable has some correlation with the outcome.</a:t>
-            </a:r>
-          </a:p>
-          <a:p>
-            <a:pPr>
-              <a:buFont typeface="Arial" panose="020B0604020202020204" pitchFamily="34" charset="0"/>
-              <a:buChar char="•"/>
-            </a:pPr>
-            <a:r>
-              <a:rPr lang="en-US" b="0" i="0">
-                <a:solidFill>
-                  <a:srgbClr val="000000"/>
-                </a:solidFill>
-                <a:effectLst/>
-                <a:latin typeface="Montserrat"/>
-              </a:rPr>
-              <a:t>When the </a:t>
-            </a:r>
-            <a:r>
-              <a:rPr lang="en-US" b="0" i="1">
-                <a:solidFill>
-                  <a:srgbClr val="000000"/>
-                </a:solidFill>
-                <a:effectLst/>
-                <a:latin typeface="Montserrat"/>
-              </a:rPr>
-              <a:t>p-value &gt; 0.05</a:t>
-            </a:r>
-            <a:r>
-              <a:rPr lang="en-US" b="0" i="0">
-                <a:solidFill>
-                  <a:srgbClr val="000000"/>
-                </a:solidFill>
-                <a:effectLst/>
-                <a:latin typeface="Montserrat"/>
-              </a:rPr>
-              <a:t> or when the confidence interval contains 0, then the coefficients are not reliable. </a:t>
-            </a:r>
-          </a:p>
-          <a:p>
-            <a:pPr>
-              <a:buFont typeface="Arial" panose="020B0604020202020204" pitchFamily="34" charset="0"/>
-              <a:buChar char="•"/>
-            </a:pPr>
-            <a:r>
-              <a:rPr lang="en-US" b="0" i="0">
-                <a:solidFill>
-                  <a:srgbClr val="000000"/>
-                </a:solidFill>
-                <a:effectLst/>
-                <a:latin typeface="Montserrat"/>
-              </a:rPr>
-              <a:t>The </a:t>
-            </a:r>
-            <a:r>
-              <a:rPr lang="en-US" b="0" i="1">
-                <a:solidFill>
-                  <a:srgbClr val="000000"/>
-                </a:solidFill>
-                <a:effectLst/>
-                <a:latin typeface="Montserrat"/>
-              </a:rPr>
-              <a:t>t</a:t>
-            </a:r>
-            <a:r>
-              <a:rPr lang="en-US" b="0" i="0">
-                <a:solidFill>
-                  <a:srgbClr val="000000"/>
-                </a:solidFill>
-                <a:effectLst/>
-                <a:latin typeface="Montserrat"/>
-              </a:rPr>
-              <a:t> and </a:t>
-            </a:r>
-            <a:r>
-              <a:rPr lang="en-US" b="0" i="1">
-                <a:solidFill>
-                  <a:srgbClr val="000000"/>
-                </a:solidFill>
-                <a:effectLst/>
-                <a:latin typeface="Montserrat"/>
-              </a:rPr>
-              <a:t>std error</a:t>
-            </a:r>
-            <a:r>
-              <a:rPr lang="en-US" b="0" i="0">
-                <a:solidFill>
-                  <a:srgbClr val="000000"/>
-                </a:solidFill>
-                <a:effectLst/>
-                <a:latin typeface="Montserrat"/>
-              </a:rPr>
-              <a:t> also give an indication of how much the coefficient varies around the estimated value. You want a high </a:t>
-            </a:r>
-            <a:r>
-              <a:rPr lang="en-US" b="0" i="1">
-                <a:solidFill>
-                  <a:srgbClr val="000000"/>
-                </a:solidFill>
-                <a:effectLst/>
-                <a:latin typeface="Montserrat"/>
-              </a:rPr>
-              <a:t>t</a:t>
-            </a:r>
-            <a:r>
-              <a:rPr lang="en-US" b="0" i="0">
-                <a:solidFill>
-                  <a:srgbClr val="000000"/>
-                </a:solidFill>
-                <a:effectLst/>
-                <a:latin typeface="Montserrat"/>
-              </a:rPr>
-              <a:t> and a low </a:t>
-            </a:r>
-            <a:r>
-              <a:rPr lang="en-US" b="0" i="1">
-                <a:solidFill>
-                  <a:srgbClr val="000000"/>
-                </a:solidFill>
-                <a:effectLst/>
-                <a:latin typeface="Montserrat"/>
-              </a:rPr>
-              <a:t>std error</a:t>
-            </a:r>
-            <a:r>
-              <a:rPr lang="en-US" b="0" i="0">
-                <a:solidFill>
-                  <a:srgbClr val="000000"/>
-                </a:solidFill>
-                <a:effectLst/>
-                <a:latin typeface="Montserrat"/>
-              </a:rPr>
-              <a:t> compared to the value of the coefficient.</a:t>
-            </a:r>
-          </a:p>
-        </p:txBody>
-      </p:sp>
-    </p:spTree>
-    <p:extLst>
-      <p:ext uri="{BB962C8B-B14F-4D97-AF65-F5344CB8AC3E}">
-        <p14:creationId xmlns:p14="http://schemas.microsoft.com/office/powerpoint/2010/main" val="1760013666"/>
-      </p:ext>
-    </p:extLst>
-  </p:cSld>
-  <p:clrMapOvr>
-    <a:masterClrMapping/>
-  </p:clrMapOvr>
-</p:sld>
-</file>
-
 <file path=ppt/slides/slide21.xml><?xml version="1.0" encoding="utf-8"?>
 <p:sld xmlns:a="http://schemas.openxmlformats.org/drawingml/2006/main" xmlns:r="http://schemas.openxmlformats.org/officeDocument/2006/relationships" xmlns:p="http://schemas.openxmlformats.org/presentationml/2006/main">
   <p:cSld>
@@ -6174,10 +5970,254 @@
       </p:grpSpPr>
       <p:sp>
         <p:nvSpPr>
-          <p:cNvPr id="2" name="Rectangle 1">
-            <a:extLst>
-              <a:ext uri="{FF2B5EF4-FFF2-40B4-BE49-F238E27FC236}">
-                <a16:creationId xmlns:a16="http://schemas.microsoft.com/office/drawing/2014/main" id="{908D2835-51E3-044D-92DE-1983551AEA57}"/>
+          <p:cNvPr id="2" name="Title 1">
+            <a:extLst>
+              <a:ext uri="{FF2B5EF4-FFF2-40B4-BE49-F238E27FC236}">
+                <a16:creationId xmlns:a16="http://schemas.microsoft.com/office/drawing/2014/main" id="{130BF517-13C8-A043-9033-42558F484C59}"/>
+              </a:ext>
+            </a:extLst>
+          </p:cNvPr>
+          <p:cNvSpPr>
+            <a:spLocks noGrp="1"/>
+          </p:cNvSpPr>
+          <p:nvPr>
+            <p:ph type="title"/>
+          </p:nvPr>
+        </p:nvSpPr>
+        <p:spPr/>
+        <p:txBody>
+          <a:bodyPr/>
+          <a:lstStyle/>
+          <a:p>
+            <a:r>
+              <a:rPr lang="fr-FR"/>
+              <a:t>Interpretation des Coefficients</a:t>
+            </a:r>
+          </a:p>
+        </p:txBody>
+      </p:sp>
+      <p:sp>
+        <p:nvSpPr>
+          <p:cNvPr id="3" name="TextBox 2">
+            <a:extLst>
+              <a:ext uri="{FF2B5EF4-FFF2-40B4-BE49-F238E27FC236}">
+                <a16:creationId xmlns:a16="http://schemas.microsoft.com/office/drawing/2014/main" id="{E01BDCAD-F457-034D-A288-5CD5C6DBA9AF}"/>
+              </a:ext>
+            </a:extLst>
+          </p:cNvPr>
+          <p:cNvSpPr txBox="1"/>
+          <p:nvPr/>
+        </p:nvSpPr>
+        <p:spPr>
+          <a:xfrm>
+            <a:off x="374799" y="2726849"/>
+            <a:ext cx="6595139" cy="1477328"/>
+          </a:xfrm>
+          <a:prstGeom prst="rect">
+            <a:avLst/>
+          </a:prstGeom>
+          <a:noFill/>
+        </p:spPr>
+        <p:txBody>
+          <a:bodyPr wrap="none" rtlCol="0">
+            <a:spAutoFit/>
+          </a:bodyPr>
+          <a:lstStyle/>
+          <a:p>
+            <a:r>
+              <a:rPr lang="fr-FR"/>
+              <a:t>Les coefficients: </a:t>
+            </a:r>
+          </a:p>
+          <a:p>
+            <a:pPr marL="285750" indent="-285750">
+              <a:buFont typeface="Arial" panose="020B0604020202020204" pitchFamily="34" charset="0"/>
+              <a:buChar char="•"/>
+            </a:pPr>
+            <a:r>
+              <a:rPr lang="fr-FR"/>
+              <a:t>df.Sales = 0.0475 * df.TV + 7.0326</a:t>
+            </a:r>
+          </a:p>
+          <a:p>
+            <a:pPr marL="285750" indent="-285750">
+              <a:buFont typeface="Arial" panose="020B0604020202020204" pitchFamily="34" charset="0"/>
+              <a:buChar char="•"/>
+            </a:pPr>
+            <a:r>
+              <a:rPr lang="fr-FR"/>
+              <a:t>indication de la corrélation entre les variables</a:t>
+            </a:r>
+          </a:p>
+          <a:p>
+            <a:pPr marL="285750" indent="-285750">
+              <a:buFont typeface="Arial" panose="020B0604020202020204" pitchFamily="34" charset="0"/>
+              <a:buChar char="•"/>
+            </a:pPr>
+            <a:r>
+              <a:rPr lang="fr-FR"/>
+              <a:t>si on ne dépense rien en TV on vend quand meme 7.0326 unités</a:t>
+            </a:r>
+          </a:p>
+          <a:p>
+            <a:endParaRPr lang="fr-FR"/>
+          </a:p>
+        </p:txBody>
+      </p:sp>
+      <p:sp>
+        <p:nvSpPr>
+          <p:cNvPr id="4" name="TextBox 3">
+            <a:extLst>
+              <a:ext uri="{FF2B5EF4-FFF2-40B4-BE49-F238E27FC236}">
+                <a16:creationId xmlns:a16="http://schemas.microsoft.com/office/drawing/2014/main" id="{A589ADDE-8CC9-0B42-9AA6-994B449D76A2}"/>
+              </a:ext>
+            </a:extLst>
+          </p:cNvPr>
+          <p:cNvSpPr txBox="1"/>
+          <p:nvPr/>
+        </p:nvSpPr>
+        <p:spPr>
+          <a:xfrm>
+            <a:off x="567160" y="1551008"/>
+            <a:ext cx="12805557" cy="923330"/>
+          </a:xfrm>
+          <a:prstGeom prst="rect">
+            <a:avLst/>
+          </a:prstGeom>
+          <a:noFill/>
+        </p:spPr>
+        <p:txBody>
+          <a:bodyPr wrap="none" rtlCol="0">
+            <a:spAutoFit/>
+          </a:bodyPr>
+          <a:lstStyle/>
+          <a:p>
+            <a:r>
+              <a:rPr lang="fr-FR">
+                <a:latin typeface="Courier New" panose="02070309020205020404" pitchFamily="49" charset="0"/>
+                <a:cs typeface="Courier New" panose="02070309020205020404" pitchFamily="49" charset="0"/>
+              </a:rPr>
+              <a:t>results</a:t>
+            </a:r>
+            <a:r>
+              <a:rPr lang="fr-FR"/>
+              <a:t>: </a:t>
+            </a:r>
+          </a:p>
+          <a:p>
+            <a:pPr marL="285750" indent="-285750">
+              <a:buFont typeface="Arial" panose="020B0604020202020204" pitchFamily="34" charset="0"/>
+              <a:buChar char="•"/>
+            </a:pPr>
+            <a:r>
+              <a:rPr lang="fr-FR"/>
+              <a:t>Fitted values: </a:t>
+            </a:r>
+            <a:r>
+              <a:rPr lang="fr-FR">
+                <a:latin typeface="Courier New" panose="02070309020205020404" pitchFamily="49" charset="0"/>
+                <a:cs typeface="Courier New" panose="02070309020205020404" pitchFamily="49" charset="0"/>
+              </a:rPr>
+              <a:t>results.fittedvalues = results.params['TV'] * df['TV'] + results.params['const']</a:t>
+            </a:r>
+          </a:p>
+          <a:p>
+            <a:pPr marL="285750" indent="-285750">
+              <a:buFont typeface="Arial" panose="020B0604020202020204" pitchFamily="34" charset="0"/>
+              <a:buChar char="•"/>
+            </a:pPr>
+            <a:r>
+              <a:rPr lang="fr-FR"/>
+              <a:t>residuals: </a:t>
+            </a:r>
+            <a:r>
+              <a:rPr lang="fr-FR">
+                <a:latin typeface="Courier New" panose="02070309020205020404" pitchFamily="49" charset="0"/>
+                <a:cs typeface="Courier New" panose="02070309020205020404" pitchFamily="49" charset="0"/>
+              </a:rPr>
+              <a:t>results.resid = df['Sales'] - results.fittedvalues</a:t>
+            </a:r>
+          </a:p>
+        </p:txBody>
+      </p:sp>
+      <p:sp>
+        <p:nvSpPr>
+          <p:cNvPr id="5" name="TextBox 4">
+            <a:extLst>
+              <a:ext uri="{FF2B5EF4-FFF2-40B4-BE49-F238E27FC236}">
+                <a16:creationId xmlns:a16="http://schemas.microsoft.com/office/drawing/2014/main" id="{2FD8D560-551A-DE4A-BA4F-02AA1CEE0459}"/>
+              </a:ext>
+            </a:extLst>
+          </p:cNvPr>
+          <p:cNvSpPr txBox="1"/>
+          <p:nvPr/>
+        </p:nvSpPr>
+        <p:spPr>
+          <a:xfrm>
+            <a:off x="775504" y="4560425"/>
+            <a:ext cx="2269019" cy="1477328"/>
+          </a:xfrm>
+          <a:prstGeom prst="rect">
+            <a:avLst/>
+          </a:prstGeom>
+          <a:noFill/>
+        </p:spPr>
+        <p:txBody>
+          <a:bodyPr wrap="none" rtlCol="0">
+            <a:spAutoFit/>
+          </a:bodyPr>
+          <a:lstStyle/>
+          <a:p>
+            <a:pPr marL="285750" indent="-285750">
+              <a:buFont typeface="Arial" panose="020B0604020202020204" pitchFamily="34" charset="0"/>
+              <a:buChar char="•"/>
+            </a:pPr>
+            <a:r>
+              <a:rPr lang="fr-FR"/>
+              <a:t>std-error</a:t>
+            </a:r>
+          </a:p>
+          <a:p>
+            <a:pPr marL="285750" indent="-285750">
+              <a:buFont typeface="Arial" panose="020B0604020202020204" pitchFamily="34" charset="0"/>
+              <a:buChar char="•"/>
+            </a:pPr>
+            <a:r>
+              <a:rPr lang="fr-FR"/>
+              <a:t>t-test</a:t>
+            </a:r>
+          </a:p>
+          <a:p>
+            <a:pPr marL="285750" indent="-285750">
+              <a:buFont typeface="Arial" panose="020B0604020202020204" pitchFamily="34" charset="0"/>
+              <a:buChar char="•"/>
+            </a:pPr>
+            <a:r>
+              <a:rPr lang="fr-FR"/>
+              <a:t>p-value</a:t>
+            </a:r>
+          </a:p>
+          <a:p>
+            <a:pPr marL="285750" indent="-285750">
+              <a:buFont typeface="Arial" panose="020B0604020202020204" pitchFamily="34" charset="0"/>
+              <a:buChar char="•"/>
+            </a:pPr>
+            <a:r>
+              <a:rPr lang="fr-FR"/>
+              <a:t>confidence interval</a:t>
+            </a:r>
+          </a:p>
+          <a:p>
+            <a:endParaRPr lang="fr-FR"/>
+          </a:p>
+        </p:txBody>
+      </p:sp>
+      <p:sp>
+        <p:nvSpPr>
+          <p:cNvPr id="6" name="Rectangle 5">
+            <a:extLst>
+              <a:ext uri="{FF2B5EF4-FFF2-40B4-BE49-F238E27FC236}">
+                <a16:creationId xmlns:a16="http://schemas.microsoft.com/office/drawing/2014/main" id="{E173F0E0-BDB6-7241-A07A-484CC562CFF7}"/>
               </a:ext>
             </a:extLst>
           </p:cNvPr>
@@ -6186,7 +6226,7 @@
         </p:nvSpPr>
         <p:spPr>
           <a:xfrm>
-            <a:off x="3372091" y="1849639"/>
+            <a:off x="5559706" y="3076555"/>
             <a:ext cx="6096000" cy="3416320"/>
           </a:xfrm>
           <a:prstGeom prst="rect">
@@ -6427,7 +6467,7 @@
     </p:spTree>
     <p:extLst>
       <p:ext uri="{BB962C8B-B14F-4D97-AF65-F5344CB8AC3E}">
-        <p14:creationId xmlns:p14="http://schemas.microsoft.com/office/powerpoint/2010/main" val="4147064724"/>
+        <p14:creationId xmlns:p14="http://schemas.microsoft.com/office/powerpoint/2010/main" val="1760013666"/>
       </p:ext>
     </p:extLst>
   </p:cSld>
@@ -6456,6 +6496,288 @@
       </p:grpSpPr>
       <p:sp>
         <p:nvSpPr>
+          <p:cNvPr id="2" name="Rectangle 1">
+            <a:extLst>
+              <a:ext uri="{FF2B5EF4-FFF2-40B4-BE49-F238E27FC236}">
+                <a16:creationId xmlns:a16="http://schemas.microsoft.com/office/drawing/2014/main" id="{908D2835-51E3-044D-92DE-1983551AEA57}"/>
+              </a:ext>
+            </a:extLst>
+          </p:cNvPr>
+          <p:cNvSpPr/>
+          <p:nvPr/>
+        </p:nvSpPr>
+        <p:spPr>
+          <a:xfrm>
+            <a:off x="3372091" y="1849639"/>
+            <a:ext cx="6096000" cy="3416320"/>
+          </a:xfrm>
+          <a:prstGeom prst="rect">
+            <a:avLst/>
+          </a:prstGeom>
+        </p:spPr>
+        <p:txBody>
+          <a:bodyPr>
+            <a:spAutoFit/>
+          </a:bodyPr>
+          <a:lstStyle/>
+          <a:p>
+            <a:pPr>
+              <a:buFont typeface="Arial" panose="020B0604020202020204" pitchFamily="34" charset="0"/>
+              <a:buChar char="•"/>
+            </a:pPr>
+            <a:r>
+              <a:rPr lang="en-US" b="0" i="0">
+                <a:solidFill>
+                  <a:srgbClr val="000000"/>
+                </a:solidFill>
+                <a:effectLst/>
+                <a:latin typeface="Montserrat"/>
+              </a:rPr>
+              <a:t>The </a:t>
+            </a:r>
+            <a:r>
+              <a:rPr lang="en-US" b="0" i="1">
+                <a:solidFill>
+                  <a:srgbClr val="000000"/>
+                </a:solidFill>
+                <a:effectLst/>
+                <a:latin typeface="Montserrat"/>
+              </a:rPr>
+              <a:t>coefficients</a:t>
+            </a:r>
+            <a:r>
+              <a:rPr lang="en-US" b="0" i="0">
+                <a:solidFill>
+                  <a:srgbClr val="000000"/>
+                </a:solidFill>
+                <a:effectLst/>
+                <a:latin typeface="Montserrat"/>
+              </a:rPr>
+              <a:t> are an indication of the correlation of your input variable(s) with the outcome.</a:t>
+            </a:r>
+          </a:p>
+          <a:p>
+            <a:pPr>
+              <a:buFont typeface="Arial" panose="020B0604020202020204" pitchFamily="34" charset="0"/>
+              <a:buChar char="•"/>
+            </a:pPr>
+            <a:r>
+              <a:rPr lang="en-US" b="0" i="0">
+                <a:solidFill>
+                  <a:srgbClr val="000000"/>
+                </a:solidFill>
+                <a:effectLst/>
+                <a:latin typeface="Montserrat"/>
+              </a:rPr>
+              <a:t>The associated </a:t>
+            </a:r>
+            <a:r>
+              <a:rPr lang="en-US" b="0" i="1">
+                <a:solidFill>
+                  <a:srgbClr val="000000"/>
+                </a:solidFill>
+                <a:effectLst/>
+                <a:latin typeface="Montserrat"/>
+              </a:rPr>
+              <a:t>p-values</a:t>
+            </a:r>
+            <a:r>
+              <a:rPr lang="en-US" b="0" i="0">
+                <a:solidFill>
+                  <a:srgbClr val="000000"/>
+                </a:solidFill>
+                <a:effectLst/>
+                <a:latin typeface="Montserrat"/>
+              </a:rPr>
+              <a:t> and </a:t>
+            </a:r>
+            <a:r>
+              <a:rPr lang="en-US" b="0" i="1">
+                <a:solidFill>
+                  <a:srgbClr val="000000"/>
+                </a:solidFill>
+                <a:effectLst/>
+                <a:latin typeface="Montserrat"/>
+              </a:rPr>
+              <a:t>confidence intervals</a:t>
+            </a:r>
+            <a:r>
+              <a:rPr lang="en-US" b="0" i="0">
+                <a:solidFill>
+                  <a:srgbClr val="000000"/>
+                </a:solidFill>
+                <a:effectLst/>
+                <a:latin typeface="Montserrat"/>
+              </a:rPr>
+              <a:t> tell you how much trust you can put in these coefficient estimations. The p-value also tells you how confident you can be that each individual variable has some correlation with the outcome.</a:t>
+            </a:r>
+          </a:p>
+          <a:p>
+            <a:pPr>
+              <a:buFont typeface="Arial" panose="020B0604020202020204" pitchFamily="34" charset="0"/>
+              <a:buChar char="•"/>
+            </a:pPr>
+            <a:r>
+              <a:rPr lang="en-US" b="0" i="0">
+                <a:solidFill>
+                  <a:srgbClr val="000000"/>
+                </a:solidFill>
+                <a:effectLst/>
+                <a:latin typeface="Montserrat"/>
+              </a:rPr>
+              <a:t>When the </a:t>
+            </a:r>
+            <a:r>
+              <a:rPr lang="en-US" b="0" i="1">
+                <a:solidFill>
+                  <a:srgbClr val="000000"/>
+                </a:solidFill>
+                <a:effectLst/>
+                <a:latin typeface="Montserrat"/>
+              </a:rPr>
+              <a:t>p-value &gt; 0.05</a:t>
+            </a:r>
+            <a:r>
+              <a:rPr lang="en-US" b="0" i="0">
+                <a:solidFill>
+                  <a:srgbClr val="000000"/>
+                </a:solidFill>
+                <a:effectLst/>
+                <a:latin typeface="Montserrat"/>
+              </a:rPr>
+              <a:t> or when the confidence interval contains 0, then the coefficients are not reliable. </a:t>
+            </a:r>
+          </a:p>
+          <a:p>
+            <a:pPr>
+              <a:buFont typeface="Arial" panose="020B0604020202020204" pitchFamily="34" charset="0"/>
+              <a:buChar char="•"/>
+            </a:pPr>
+            <a:r>
+              <a:rPr lang="en-US" b="0" i="0">
+                <a:solidFill>
+                  <a:srgbClr val="000000"/>
+                </a:solidFill>
+                <a:effectLst/>
+                <a:latin typeface="Montserrat"/>
+              </a:rPr>
+              <a:t>The </a:t>
+            </a:r>
+            <a:r>
+              <a:rPr lang="en-US" b="0" i="1">
+                <a:solidFill>
+                  <a:srgbClr val="000000"/>
+                </a:solidFill>
+                <a:effectLst/>
+                <a:latin typeface="Montserrat"/>
+              </a:rPr>
+              <a:t>t</a:t>
+            </a:r>
+            <a:r>
+              <a:rPr lang="en-US" b="0" i="0">
+                <a:solidFill>
+                  <a:srgbClr val="000000"/>
+                </a:solidFill>
+                <a:effectLst/>
+                <a:latin typeface="Montserrat"/>
+              </a:rPr>
+              <a:t> and </a:t>
+            </a:r>
+            <a:r>
+              <a:rPr lang="en-US" b="0" i="1">
+                <a:solidFill>
+                  <a:srgbClr val="000000"/>
+                </a:solidFill>
+                <a:effectLst/>
+                <a:latin typeface="Montserrat"/>
+              </a:rPr>
+              <a:t>std error</a:t>
+            </a:r>
+            <a:r>
+              <a:rPr lang="en-US" b="0" i="0">
+                <a:solidFill>
+                  <a:srgbClr val="000000"/>
+                </a:solidFill>
+                <a:effectLst/>
+                <a:latin typeface="Montserrat"/>
+              </a:rPr>
+              <a:t> also give an indication of how much the coefficient varies around the estimated value. You want a high </a:t>
+            </a:r>
+            <a:r>
+              <a:rPr lang="en-US" b="0" i="1">
+                <a:solidFill>
+                  <a:srgbClr val="000000"/>
+                </a:solidFill>
+                <a:effectLst/>
+                <a:latin typeface="Montserrat"/>
+              </a:rPr>
+              <a:t>t</a:t>
+            </a:r>
+            <a:r>
+              <a:rPr lang="en-US" b="0" i="0">
+                <a:solidFill>
+                  <a:srgbClr val="000000"/>
+                </a:solidFill>
+                <a:effectLst/>
+                <a:latin typeface="Montserrat"/>
+              </a:rPr>
+              <a:t> and a low </a:t>
+            </a:r>
+            <a:r>
+              <a:rPr lang="en-US" b="0" i="1">
+                <a:solidFill>
+                  <a:srgbClr val="000000"/>
+                </a:solidFill>
+                <a:effectLst/>
+                <a:latin typeface="Montserrat"/>
+              </a:rPr>
+              <a:t>std error</a:t>
+            </a:r>
+            <a:r>
+              <a:rPr lang="en-US" b="0" i="0">
+                <a:solidFill>
+                  <a:srgbClr val="000000"/>
+                </a:solidFill>
+                <a:effectLst/>
+                <a:latin typeface="Montserrat"/>
+              </a:rPr>
+              <a:t> compared to the value of the coefficient.</a:t>
+            </a:r>
+          </a:p>
+        </p:txBody>
+      </p:sp>
+    </p:spTree>
+    <p:extLst>
+      <p:ext uri="{BB962C8B-B14F-4D97-AF65-F5344CB8AC3E}">
+        <p14:creationId xmlns:p14="http://schemas.microsoft.com/office/powerpoint/2010/main" val="4147064724"/>
+      </p:ext>
+    </p:extLst>
+  </p:cSld>
+  <p:clrMapOvr>
+    <a:masterClrMapping/>
+  </p:clrMapOvr>
+</p:sld>
+</file>
+
+<file path=ppt/slides/slide23.xml><?xml version="1.0" encoding="utf-8"?>
+<p:sld xmlns:a="http://schemas.openxmlformats.org/drawingml/2006/main" xmlns:r="http://schemas.openxmlformats.org/officeDocument/2006/relationships" xmlns:p="http://schemas.openxmlformats.org/presentationml/2006/main">
+  <p:cSld>
+    <p:spTree>
+      <p:nvGrpSpPr>
+        <p:cNvPr id="1" name=""/>
+        <p:cNvGrpSpPr/>
+        <p:nvPr/>
+      </p:nvGrpSpPr>
+      <p:grpSpPr>
+        <a:xfrm>
+          <a:off x="0" y="0"/>
+          <a:ext cx="0" cy="0"/>
+          <a:chOff x="0" y="0"/>
+          <a:chExt cx="0" cy="0"/>
+        </a:xfrm>
+      </p:grpSpPr>
+      <p:sp>
+        <p:nvSpPr>
           <p:cNvPr id="2" name="Title 1">
             <a:extLst>
               <a:ext uri="{FF2B5EF4-FFF2-40B4-BE49-F238E27FC236}">
@@ -6550,7 +6872,7 @@
 </p:sld>
 </file>
 
-<file path=ppt/slides/slide23.xml><?xml version="1.0" encoding="utf-8"?>
+<file path=ppt/slides/slide24.xml><?xml version="1.0" encoding="utf-8"?>
 <p:sld xmlns:a="http://schemas.openxmlformats.org/drawingml/2006/main" xmlns:r="http://schemas.openxmlformats.org/officeDocument/2006/relationships" xmlns:p="http://schemas.openxmlformats.org/presentationml/2006/main">
   <p:cSld>
     <p:spTree>
@@ -6610,89 +6932,6 @@
 </p:sld>
 </file>
 
-<file path=ppt/slides/slide24.xml><?xml version="1.0" encoding="utf-8"?>
-<p:sld xmlns:a="http://schemas.openxmlformats.org/drawingml/2006/main" xmlns:r="http://schemas.openxmlformats.org/officeDocument/2006/relationships" xmlns:p="http://schemas.openxmlformats.org/presentationml/2006/main">
-  <p:cSld>
-    <p:spTree>
-      <p:nvGrpSpPr>
-        <p:cNvPr id="1" name=""/>
-        <p:cNvGrpSpPr/>
-        <p:nvPr/>
-      </p:nvGrpSpPr>
-      <p:grpSpPr>
-        <a:xfrm>
-          <a:off x="0" y="0"/>
-          <a:ext cx="0" cy="0"/>
-          <a:chOff x="0" y="0"/>
-          <a:chExt cx="0" cy="0"/>
-        </a:xfrm>
-      </p:grpSpPr>
-      <p:sp>
-        <p:nvSpPr>
-          <p:cNvPr id="2" name="Title 1">
-            <a:extLst>
-              <a:ext uri="{FF2B5EF4-FFF2-40B4-BE49-F238E27FC236}">
-                <a16:creationId xmlns:a16="http://schemas.microsoft.com/office/drawing/2014/main" id="{B757B5E9-F9DD-2E4F-9C14-5A55E17BCCD3}"/>
-              </a:ext>
-            </a:extLst>
-          </p:cNvPr>
-          <p:cNvSpPr>
-            <a:spLocks noGrp="1"/>
-          </p:cNvSpPr>
-          <p:nvPr>
-            <p:ph type="title"/>
-          </p:nvPr>
-        </p:nvSpPr>
-        <p:spPr/>
-        <p:txBody>
-          <a:bodyPr/>
-          <a:lstStyle/>
-          <a:p>
-            <a:r>
-              <a:rPr lang="fr-FR"/>
-              <a:t>Diagnostiques graphiques</a:t>
-            </a:r>
-          </a:p>
-        </p:txBody>
-      </p:sp>
-      <p:sp>
-        <p:nvSpPr>
-          <p:cNvPr id="3" name="Text Placeholder 2">
-            <a:extLst>
-              <a:ext uri="{FF2B5EF4-FFF2-40B4-BE49-F238E27FC236}">
-                <a16:creationId xmlns:a16="http://schemas.microsoft.com/office/drawing/2014/main" id="{9A5F5893-4CFA-BB4C-A820-8B1DC246A2FB}"/>
-              </a:ext>
-            </a:extLst>
-          </p:cNvPr>
-          <p:cNvSpPr>
-            <a:spLocks noGrp="1"/>
-          </p:cNvSpPr>
-          <p:nvPr>
-            <p:ph type="body" idx="1"/>
-          </p:nvPr>
-        </p:nvSpPr>
-        <p:spPr/>
-        <p:txBody>
-          <a:bodyPr/>
-          <a:lstStyle/>
-          <a:p>
-            <a:endParaRPr lang="fr-FR"/>
-          </a:p>
-        </p:txBody>
-      </p:sp>
-    </p:spTree>
-    <p:extLst>
-      <p:ext uri="{BB962C8B-B14F-4D97-AF65-F5344CB8AC3E}">
-        <p14:creationId xmlns:p14="http://schemas.microsoft.com/office/powerpoint/2010/main" val="250203955"/>
-      </p:ext>
-    </p:extLst>
-  </p:cSld>
-  <p:clrMapOvr>
-    <a:masterClrMapping/>
-  </p:clrMapOvr>
-</p:sld>
-</file>
-
 <file path=ppt/slides/slide25.xml><?xml version="1.0" encoding="utf-8"?>
 <p:sld xmlns:a="http://schemas.openxmlformats.org/drawingml/2006/main" xmlns:r="http://schemas.openxmlformats.org/officeDocument/2006/relationships" xmlns:p="http://schemas.openxmlformats.org/presentationml/2006/main">
   <p:cSld>
@@ -6715,7 +6954,7 @@
           <p:cNvPr id="2" name="Title 1">
             <a:extLst>
               <a:ext uri="{FF2B5EF4-FFF2-40B4-BE49-F238E27FC236}">
-                <a16:creationId xmlns:a16="http://schemas.microsoft.com/office/drawing/2014/main" id="{0ADF2E2B-A0FF-DF43-82A3-A1E6476B591F}"/>
+                <a16:creationId xmlns:a16="http://schemas.microsoft.com/office/drawing/2014/main" id="{B757B5E9-F9DD-2E4F-9C14-5A55E17BCCD3}"/>
               </a:ext>
             </a:extLst>
           </p:cNvPr>
@@ -6728,111 +6967,37 @@
         </p:nvSpPr>
         <p:spPr/>
         <p:txBody>
-          <a:bodyPr>
-            <a:normAutofit/>
-          </a:bodyPr>
+          <a:bodyPr/>
           <a:lstStyle/>
           <a:p>
             <a:r>
-              <a:rPr lang="en-US" b="1"/>
-              <a:t>Residuals vs Fitted</a:t>
-            </a:r>
-            <a:endParaRPr lang="fr-FR"/>
-          </a:p>
-        </p:txBody>
-      </p:sp>
-      <p:pic>
-        <p:nvPicPr>
-          <p:cNvPr id="5" name="Picture 4">
-            <a:extLst>
-              <a:ext uri="{FF2B5EF4-FFF2-40B4-BE49-F238E27FC236}">
-                <a16:creationId xmlns:a16="http://schemas.microsoft.com/office/drawing/2014/main" id="{2C30EF94-B5EB-9D47-B547-C009AF116F82}"/>
-              </a:ext>
-            </a:extLst>
-          </p:cNvPr>
-          <p:cNvPicPr>
-            <a:picLocks noChangeAspect="1"/>
-          </p:cNvPicPr>
-          <p:nvPr/>
-        </p:nvPicPr>
-        <p:blipFill>
-          <a:blip r:embed="rId2"/>
-          <a:stretch>
-            <a:fillRect/>
-          </a:stretch>
-        </p:blipFill>
-        <p:spPr>
-          <a:xfrm>
-            <a:off x="3962400" y="1371600"/>
-            <a:ext cx="8229600" cy="5486400"/>
-          </a:xfrm>
-          <a:prstGeom prst="rect">
-            <a:avLst/>
-          </a:prstGeom>
-        </p:spPr>
-      </p:pic>
-      <p:sp>
-        <p:nvSpPr>
-          <p:cNvPr id="6" name="Rectangle 5">
-            <a:extLst>
-              <a:ext uri="{FF2B5EF4-FFF2-40B4-BE49-F238E27FC236}">
-                <a16:creationId xmlns:a16="http://schemas.microsoft.com/office/drawing/2014/main" id="{1C1B60B1-E5A2-C64C-ADAF-68E1D4A9A2C3}"/>
-              </a:ext>
-            </a:extLst>
-          </p:cNvPr>
-          <p:cNvSpPr/>
-          <p:nvPr/>
-        </p:nvSpPr>
-        <p:spPr>
-          <a:xfrm>
-            <a:off x="594168" y="1951671"/>
-            <a:ext cx="3368232" cy="2585323"/>
-          </a:xfrm>
-          <a:prstGeom prst="rect">
-            <a:avLst/>
-          </a:prstGeom>
-        </p:spPr>
-        <p:txBody>
-          <a:bodyPr wrap="square">
-            <a:spAutoFit/>
-          </a:bodyPr>
+              <a:rPr lang="fr-FR"/>
+              <a:t>Diagnostiques graphiques</a:t>
+            </a:r>
+          </a:p>
+        </p:txBody>
+      </p:sp>
+      <p:sp>
+        <p:nvSpPr>
+          <p:cNvPr id="3" name="Text Placeholder 2">
+            <a:extLst>
+              <a:ext uri="{FF2B5EF4-FFF2-40B4-BE49-F238E27FC236}">
+                <a16:creationId xmlns:a16="http://schemas.microsoft.com/office/drawing/2014/main" id="{9A5F5893-4CFA-BB4C-A820-8B1DC246A2FB}"/>
+              </a:ext>
+            </a:extLst>
+          </p:cNvPr>
+          <p:cNvSpPr>
+            <a:spLocks noGrp="1"/>
+          </p:cNvSpPr>
+          <p:nvPr>
+            <p:ph type="body" idx="1"/>
+          </p:nvPr>
+        </p:nvSpPr>
+        <p:spPr/>
+        <p:txBody>
+          <a:bodyPr/>
           <a:lstStyle/>
           <a:p>
-            <a:r>
-              <a:rPr lang="en-US" b="0" i="0">
-                <a:effectLst/>
-                <a:latin typeface="Montserrat"/>
-              </a:rPr>
-              <a:t>expose </a:t>
-            </a:r>
-            <a:r>
-              <a:rPr lang="en-US" b="0" i="1">
-                <a:effectLst/>
-                <a:latin typeface="Montserrat"/>
-              </a:rPr>
-              <a:t>non-linear</a:t>
-            </a:r>
-            <a:r>
-              <a:rPr lang="en-US" b="0" i="0">
-                <a:effectLst/>
-                <a:latin typeface="Montserrat"/>
-              </a:rPr>
-              <a:t> relations between the input variables and the outcome. When your plot shows that the residuals are equally spread around a horizontal line without distinct patterns it's a good indication that your data </a:t>
-            </a:r>
-            <a:r>
-              <a:rPr lang="en-US" b="0" i="1">
-                <a:effectLst/>
-                <a:latin typeface="Montserrat"/>
-              </a:rPr>
-              <a:t>does not have</a:t>
-            </a:r>
-            <a:r>
-              <a:rPr lang="en-US" b="0" i="0">
-                <a:effectLst/>
-                <a:latin typeface="Montserrat"/>
-              </a:rPr>
-              <a:t> non-linear relationships. </a:t>
-            </a:r>
             <a:endParaRPr lang="fr-FR"/>
           </a:p>
         </p:txBody>
@@ -6840,7 +7005,7 @@
     </p:spTree>
     <p:extLst>
       <p:ext uri="{BB962C8B-B14F-4D97-AF65-F5344CB8AC3E}">
-        <p14:creationId xmlns:p14="http://schemas.microsoft.com/office/powerpoint/2010/main" val="401284372"/>
+        <p14:creationId xmlns:p14="http://schemas.microsoft.com/office/powerpoint/2010/main" val="250203955"/>
       </p:ext>
     </p:extLst>
   </p:cSld>
@@ -6872,6 +7037,163 @@
           <p:cNvPr id="2" name="Title 1">
             <a:extLst>
               <a:ext uri="{FF2B5EF4-FFF2-40B4-BE49-F238E27FC236}">
+                <a16:creationId xmlns:a16="http://schemas.microsoft.com/office/drawing/2014/main" id="{0ADF2E2B-A0FF-DF43-82A3-A1E6476B591F}"/>
+              </a:ext>
+            </a:extLst>
+          </p:cNvPr>
+          <p:cNvSpPr>
+            <a:spLocks noGrp="1"/>
+          </p:cNvSpPr>
+          <p:nvPr>
+            <p:ph type="title"/>
+          </p:nvPr>
+        </p:nvSpPr>
+        <p:spPr/>
+        <p:txBody>
+          <a:bodyPr>
+            <a:normAutofit/>
+          </a:bodyPr>
+          <a:lstStyle/>
+          <a:p>
+            <a:r>
+              <a:rPr lang="en-US" b="1"/>
+              <a:t>Residuals vs Fitted</a:t>
+            </a:r>
+            <a:endParaRPr lang="fr-FR"/>
+          </a:p>
+        </p:txBody>
+      </p:sp>
+      <p:pic>
+        <p:nvPicPr>
+          <p:cNvPr id="5" name="Picture 4">
+            <a:extLst>
+              <a:ext uri="{FF2B5EF4-FFF2-40B4-BE49-F238E27FC236}">
+                <a16:creationId xmlns:a16="http://schemas.microsoft.com/office/drawing/2014/main" id="{2C30EF94-B5EB-9D47-B547-C009AF116F82}"/>
+              </a:ext>
+            </a:extLst>
+          </p:cNvPr>
+          <p:cNvPicPr>
+            <a:picLocks noChangeAspect="1"/>
+          </p:cNvPicPr>
+          <p:nvPr/>
+        </p:nvPicPr>
+        <p:blipFill>
+          <a:blip r:embed="rId2"/>
+          <a:stretch>
+            <a:fillRect/>
+          </a:stretch>
+        </p:blipFill>
+        <p:spPr>
+          <a:xfrm>
+            <a:off x="3962400" y="1371600"/>
+            <a:ext cx="8229600" cy="5486400"/>
+          </a:xfrm>
+          <a:prstGeom prst="rect">
+            <a:avLst/>
+          </a:prstGeom>
+        </p:spPr>
+      </p:pic>
+      <p:sp>
+        <p:nvSpPr>
+          <p:cNvPr id="6" name="Rectangle 5">
+            <a:extLst>
+              <a:ext uri="{FF2B5EF4-FFF2-40B4-BE49-F238E27FC236}">
+                <a16:creationId xmlns:a16="http://schemas.microsoft.com/office/drawing/2014/main" id="{1C1B60B1-E5A2-C64C-ADAF-68E1D4A9A2C3}"/>
+              </a:ext>
+            </a:extLst>
+          </p:cNvPr>
+          <p:cNvSpPr/>
+          <p:nvPr/>
+        </p:nvSpPr>
+        <p:spPr>
+          <a:xfrm>
+            <a:off x="594168" y="1951671"/>
+            <a:ext cx="3368232" cy="2585323"/>
+          </a:xfrm>
+          <a:prstGeom prst="rect">
+            <a:avLst/>
+          </a:prstGeom>
+        </p:spPr>
+        <p:txBody>
+          <a:bodyPr wrap="square">
+            <a:spAutoFit/>
+          </a:bodyPr>
+          <a:lstStyle/>
+          <a:p>
+            <a:r>
+              <a:rPr lang="en-US" b="0" i="0">
+                <a:effectLst/>
+                <a:latin typeface="Montserrat"/>
+              </a:rPr>
+              <a:t>expose </a:t>
+            </a:r>
+            <a:r>
+              <a:rPr lang="en-US" b="0" i="1">
+                <a:effectLst/>
+                <a:latin typeface="Montserrat"/>
+              </a:rPr>
+              <a:t>non-linear</a:t>
+            </a:r>
+            <a:r>
+              <a:rPr lang="en-US" b="0" i="0">
+                <a:effectLst/>
+                <a:latin typeface="Montserrat"/>
+              </a:rPr>
+              <a:t> relations between the input variables and the outcome. When your plot shows that the residuals are equally spread around a horizontal line without distinct patterns it's a good indication that your data </a:t>
+            </a:r>
+            <a:r>
+              <a:rPr lang="en-US" b="0" i="1">
+                <a:effectLst/>
+                <a:latin typeface="Montserrat"/>
+              </a:rPr>
+              <a:t>does not have</a:t>
+            </a:r>
+            <a:r>
+              <a:rPr lang="en-US" b="0" i="0">
+                <a:effectLst/>
+                <a:latin typeface="Montserrat"/>
+              </a:rPr>
+              <a:t> non-linear relationships. </a:t>
+            </a:r>
+            <a:endParaRPr lang="fr-FR"/>
+          </a:p>
+        </p:txBody>
+      </p:sp>
+    </p:spTree>
+    <p:extLst>
+      <p:ext uri="{BB962C8B-B14F-4D97-AF65-F5344CB8AC3E}">
+        <p14:creationId xmlns:p14="http://schemas.microsoft.com/office/powerpoint/2010/main" val="401284372"/>
+      </p:ext>
+    </p:extLst>
+  </p:cSld>
+  <p:clrMapOvr>
+    <a:masterClrMapping/>
+  </p:clrMapOvr>
+</p:sld>
+</file>
+
+<file path=ppt/slides/slide27.xml><?xml version="1.0" encoding="utf-8"?>
+<p:sld xmlns:a="http://schemas.openxmlformats.org/drawingml/2006/main" xmlns:r="http://schemas.openxmlformats.org/officeDocument/2006/relationships" xmlns:p="http://schemas.openxmlformats.org/presentationml/2006/main">
+  <p:cSld>
+    <p:spTree>
+      <p:nvGrpSpPr>
+        <p:cNvPr id="1" name=""/>
+        <p:cNvGrpSpPr/>
+        <p:nvPr/>
+      </p:nvGrpSpPr>
+      <p:grpSpPr>
+        <a:xfrm>
+          <a:off x="0" y="0"/>
+          <a:ext cx="0" cy="0"/>
+          <a:chOff x="0" y="0"/>
+          <a:chExt cx="0" cy="0"/>
+        </a:xfrm>
+      </p:grpSpPr>
+      <p:sp>
+        <p:nvSpPr>
+          <p:cNvPr id="2" name="Title 1">
+            <a:extLst>
+              <a:ext uri="{FF2B5EF4-FFF2-40B4-BE49-F238E27FC236}">
                 <a16:creationId xmlns:a16="http://schemas.microsoft.com/office/drawing/2014/main" id="{C14DC9FD-736E-9E4E-9FD3-D57D7D2502FB}"/>
               </a:ext>
             </a:extLst>
@@ -7348,7 +7670,7 @@
 </p:sld>
 </file>
 
-<file path=ppt/slides/slide27.xml><?xml version="1.0" encoding="utf-8"?>
+<file path=ppt/slides/slide28.xml><?xml version="1.0" encoding="utf-8"?>
 <p:sld xmlns:a="http://schemas.openxmlformats.org/drawingml/2006/main" xmlns:r="http://schemas.openxmlformats.org/officeDocument/2006/relationships" xmlns:p="http://schemas.openxmlformats.org/presentationml/2006/main">
   <p:cSld>
     <p:spTree>
@@ -8433,7 +8755,7 @@
 </p:sld>
 </file>
 
-<file path=ppt/slides/slide28.xml><?xml version="1.0" encoding="utf-8"?>
+<file path=ppt/slides/slide29.xml><?xml version="1.0" encoding="utf-8"?>
 <p:sld xmlns:a="http://schemas.openxmlformats.org/drawingml/2006/main" xmlns:r="http://schemas.openxmlformats.org/officeDocument/2006/relationships" xmlns:p="http://schemas.openxmlformats.org/presentationml/2006/main">
   <p:cSld>
     <p:spTree>
@@ -9809,119 +10131,6 @@
 </p:sld>
 </file>
 
-<file path=ppt/slides/slide29.xml><?xml version="1.0" encoding="utf-8"?>
-<p:sld xmlns:a="http://schemas.openxmlformats.org/drawingml/2006/main" xmlns:r="http://schemas.openxmlformats.org/officeDocument/2006/relationships" xmlns:p="http://schemas.openxmlformats.org/presentationml/2006/main">
-  <p:cSld>
-    <p:spTree>
-      <p:nvGrpSpPr>
-        <p:cNvPr id="1" name=""/>
-        <p:cNvGrpSpPr/>
-        <p:nvPr/>
-      </p:nvGrpSpPr>
-      <p:grpSpPr>
-        <a:xfrm>
-          <a:off x="0" y="0"/>
-          <a:ext cx="0" cy="0"/>
-          <a:chOff x="0" y="0"/>
-          <a:chExt cx="0" cy="0"/>
-        </a:xfrm>
-      </p:grpSpPr>
-      <p:sp>
-        <p:nvSpPr>
-          <p:cNvPr id="2" name="Title 1">
-            <a:extLst>
-              <a:ext uri="{FF2B5EF4-FFF2-40B4-BE49-F238E27FC236}">
-                <a16:creationId xmlns:a16="http://schemas.microsoft.com/office/drawing/2014/main" id="{53922018-A6DC-314D-BE5A-CBE8463FFFBC}"/>
-              </a:ext>
-            </a:extLst>
-          </p:cNvPr>
-          <p:cNvSpPr>
-            <a:spLocks noGrp="1"/>
-          </p:cNvSpPr>
-          <p:nvPr>
-            <p:ph type="title"/>
-          </p:nvPr>
-        </p:nvSpPr>
-        <p:spPr/>
-        <p:txBody>
-          <a:bodyPr/>
-          <a:lstStyle/>
-          <a:p>
-            <a:r>
-              <a:rPr lang="fr-FR"/>
-              <a:t>A vous</a:t>
-            </a:r>
-          </a:p>
-        </p:txBody>
-      </p:sp>
-      <p:sp>
-        <p:nvSpPr>
-          <p:cNvPr id="3" name="TextBox 2">
-            <a:extLst>
-              <a:ext uri="{FF2B5EF4-FFF2-40B4-BE49-F238E27FC236}">
-                <a16:creationId xmlns:a16="http://schemas.microsoft.com/office/drawing/2014/main" id="{A592410F-4825-5742-BE99-459BA0625CD9}"/>
-              </a:ext>
-            </a:extLst>
-          </p:cNvPr>
-          <p:cNvSpPr txBox="1"/>
-          <p:nvPr/>
-        </p:nvSpPr>
-        <p:spPr>
-          <a:xfrm>
-            <a:off x="838200" y="1840375"/>
-            <a:ext cx="4150367" cy="923330"/>
-          </a:xfrm>
-          <a:prstGeom prst="rect">
-            <a:avLst/>
-          </a:prstGeom>
-          <a:noFill/>
-        </p:spPr>
-        <p:txBody>
-          <a:bodyPr wrap="none" rtlCol="0">
-            <a:spAutoFit/>
-          </a:bodyPr>
-          <a:lstStyle/>
-          <a:p>
-            <a:r>
-              <a:rPr lang="fr-FR"/>
-              <a:t>Definir, fitter et interpreter les 2 modeles: </a:t>
-            </a:r>
-          </a:p>
-          <a:p>
-            <a:pPr marL="285750" indent="-285750">
-              <a:buFont typeface="Arial" panose="020B0604020202020204" pitchFamily="34" charset="0"/>
-              <a:buChar char="•"/>
-            </a:pPr>
-            <a:r>
-              <a:rPr lang="fr-FR"/>
-              <a:t>Sales ~ Radio</a:t>
-            </a:r>
-          </a:p>
-          <a:p>
-            <a:pPr marL="285750" indent="-285750">
-              <a:buFont typeface="Arial" panose="020B0604020202020204" pitchFamily="34" charset="0"/>
-              <a:buChar char="•"/>
-            </a:pPr>
-            <a:r>
-              <a:rPr lang="fr-FR"/>
-              <a:t>Sales ~ Newspaper</a:t>
-            </a:r>
-          </a:p>
-        </p:txBody>
-      </p:sp>
-    </p:spTree>
-    <p:extLst>
-      <p:ext uri="{BB962C8B-B14F-4D97-AF65-F5344CB8AC3E}">
-        <p14:creationId xmlns:p14="http://schemas.microsoft.com/office/powerpoint/2010/main" val="3842729117"/>
-      </p:ext>
-    </p:extLst>
-  </p:cSld>
-  <p:clrMapOvr>
-    <a:masterClrMapping/>
-  </p:clrMapOvr>
-</p:sld>
-</file>
-
 <file path=ppt/slides/slide3.xml><?xml version="1.0" encoding="utf-8"?>
 <p:sld xmlns:a="http://schemas.openxmlformats.org/drawingml/2006/main" xmlns:r="http://schemas.openxmlformats.org/officeDocument/2006/relationships" xmlns:p="http://schemas.openxmlformats.org/presentationml/2006/main">
   <p:cSld>
@@ -9939,42 +10148,12 @@
           <a:chExt cx="0" cy="0"/>
         </a:xfrm>
       </p:grpSpPr>
-      <p:pic>
-        <p:nvPicPr>
-          <p:cNvPr id="9" name="Picture 8">
-            <a:extLst>
-              <a:ext uri="{FF2B5EF4-FFF2-40B4-BE49-F238E27FC236}">
-                <a16:creationId xmlns:a16="http://schemas.microsoft.com/office/drawing/2014/main" id="{49D9F8DE-A43A-EA46-8268-5E4E06684519}"/>
-              </a:ext>
-            </a:extLst>
-          </p:cNvPr>
-          <p:cNvPicPr>
-            <a:picLocks noChangeAspect="1"/>
-          </p:cNvPicPr>
-          <p:nvPr/>
-        </p:nvPicPr>
-        <p:blipFill>
-          <a:blip r:embed="rId2"/>
-          <a:stretch>
-            <a:fillRect/>
-          </a:stretch>
-        </p:blipFill>
-        <p:spPr>
-          <a:xfrm>
-            <a:off x="6046933" y="2332712"/>
-            <a:ext cx="6096000" cy="3365500"/>
-          </a:xfrm>
-          <a:prstGeom prst="rect">
-            <a:avLst/>
-          </a:prstGeom>
-        </p:spPr>
-      </p:pic>
       <p:sp>
         <p:nvSpPr>
           <p:cNvPr id="2" name="Title 1">
             <a:extLst>
               <a:ext uri="{FF2B5EF4-FFF2-40B4-BE49-F238E27FC236}">
-                <a16:creationId xmlns:a16="http://schemas.microsoft.com/office/drawing/2014/main" id="{0E2AAC9D-B829-E24D-89DB-D200D0F0903C}"/>
+                <a16:creationId xmlns:a16="http://schemas.microsoft.com/office/drawing/2014/main" id="{D42DAD7C-BC6A-4445-B972-BD42FAE73854}"/>
               </a:ext>
             </a:extLst>
           </p:cNvPr>
@@ -9999,156 +10178,33 @@
       </p:sp>
       <p:sp>
         <p:nvSpPr>
-          <p:cNvPr id="7" name="TextBox 6">
-            <a:extLst>
-              <a:ext uri="{FF2B5EF4-FFF2-40B4-BE49-F238E27FC236}">
-                <a16:creationId xmlns:a16="http://schemas.microsoft.com/office/drawing/2014/main" id="{0D7C3833-BDDD-DF40-9F01-5B1AD9D14CCE}"/>
-              </a:ext>
-            </a:extLst>
-          </p:cNvPr>
-          <p:cNvSpPr txBox="1"/>
-          <p:nvPr/>
-        </p:nvSpPr>
-        <p:spPr>
-          <a:xfrm>
-            <a:off x="472771" y="2168803"/>
-            <a:ext cx="5623229" cy="3970318"/>
-          </a:xfrm>
-          <a:prstGeom prst="rect">
-            <a:avLst/>
-          </a:prstGeom>
-          <a:noFill/>
-        </p:spPr>
-        <p:txBody>
-          <a:bodyPr wrap="square" rtlCol="0">
-            <a:spAutoFit/>
-          </a:bodyPr>
+          <p:cNvPr id="3" name="Text Placeholder 2">
+            <a:extLst>
+              <a:ext uri="{FF2B5EF4-FFF2-40B4-BE49-F238E27FC236}">
+                <a16:creationId xmlns:a16="http://schemas.microsoft.com/office/drawing/2014/main" id="{2DC9378E-D74B-A04A-A7A5-364C6DCF213E}"/>
+              </a:ext>
+            </a:extLst>
+          </p:cNvPr>
+          <p:cNvSpPr>
+            <a:spLocks noGrp="1"/>
+          </p:cNvSpPr>
+          <p:nvPr>
+            <p:ph type="body" idx="1"/>
+          </p:nvPr>
+        </p:nvSpPr>
+        <p:spPr/>
+        <p:txBody>
+          <a:bodyPr/>
           <a:lstStyle/>
           <a:p>
-            <a:pPr marL="285750" indent="-285750">
-              <a:buFont typeface="Arial" panose="020B0604020202020204" pitchFamily="34" charset="0"/>
-              <a:buChar char="•"/>
-            </a:pPr>
-            <a:r>
-              <a:rPr lang="en-US"/>
-              <a:t>Le coefficient de correlation est toujours compris entre -1 et 1</a:t>
-            </a:r>
-          </a:p>
-          <a:p>
-            <a:pPr marL="285750" indent="-285750">
-              <a:buFont typeface="Arial" panose="020B0604020202020204" pitchFamily="34" charset="0"/>
-              <a:buChar char="•"/>
-            </a:pPr>
-            <a:r>
-              <a:rPr lang="en-US"/>
-              <a:t>Lorsque le coefficient est positif, les 2 variables varient de la meme façon </a:t>
-            </a:r>
-          </a:p>
-          <a:p>
-            <a:pPr marL="285750" indent="-285750">
-              <a:buFont typeface="Arial" panose="020B0604020202020204" pitchFamily="34" charset="0"/>
-              <a:buChar char="•"/>
-            </a:pPr>
-            <a:r>
-              <a:rPr lang="en-US"/>
-              <a:t>Lorsque le coefficient est négatif, les 2 variables varient de façon opposée</a:t>
-            </a:r>
-          </a:p>
-          <a:p>
-            <a:pPr marL="285750" indent="-285750">
-              <a:buFont typeface="Arial" panose="020B0604020202020204" pitchFamily="34" charset="0"/>
-              <a:buChar char="•"/>
-            </a:pPr>
-            <a:r>
-              <a:rPr lang="en-US"/>
-              <a:t>Une corrélation nulle (=0) indique que les 2 variables sont </a:t>
-            </a:r>
-            <a:r>
-              <a:rPr lang="en-US" u="sng"/>
-              <a:t>indépendantes</a:t>
-            </a:r>
-            <a:r>
-              <a:rPr lang="en-US"/>
-              <a:t> l'une de l'autre</a:t>
-            </a:r>
-          </a:p>
-          <a:p>
-            <a:pPr marL="285750" indent="-285750">
-              <a:buFont typeface="Arial" panose="020B0604020202020204" pitchFamily="34" charset="0"/>
-              <a:buChar char="•"/>
-            </a:pPr>
-            <a:r>
-              <a:rPr lang="en-US"/>
-              <a:t>La corrélation d'une variable avec elle-meme est toujours =1: corr(x,x)=1</a:t>
-            </a:r>
-          </a:p>
-          <a:p>
-            <a:pPr marL="285750" indent="-285750">
-              <a:buFont typeface="Arial" panose="020B0604020202020204" pitchFamily="34" charset="0"/>
-              <a:buChar char="•"/>
-            </a:pPr>
-            <a:r>
-              <a:rPr lang="en-US"/>
-              <a:t>La corrélation est symétrique: corr(x,y)=corr(y,x)</a:t>
-            </a:r>
-          </a:p>
-          <a:p>
-            <a:pPr marL="285750" indent="-285750">
-              <a:buFont typeface="Arial" panose="020B0604020202020204" pitchFamily="34" charset="0"/>
-              <a:buChar char="•"/>
-            </a:pPr>
-            <a:r>
-              <a:rPr lang="en-US"/>
-              <a:t>Différentes corrélations: Pearson, Spearman, Kendall</a:t>
-            </a:r>
-          </a:p>
-          <a:p>
-            <a:br>
-              <a:rPr lang="en-US"/>
-            </a:br>
             <a:endParaRPr lang="fr-FR"/>
-          </a:p>
-        </p:txBody>
-      </p:sp>
-      <p:sp>
-        <p:nvSpPr>
-          <p:cNvPr id="5" name="TextBox 4">
-            <a:extLst>
-              <a:ext uri="{FF2B5EF4-FFF2-40B4-BE49-F238E27FC236}">
-                <a16:creationId xmlns:a16="http://schemas.microsoft.com/office/drawing/2014/main" id="{8B092079-A663-5543-80A2-101EEF73438E}"/>
-              </a:ext>
-            </a:extLst>
-          </p:cNvPr>
-          <p:cNvSpPr txBox="1"/>
-          <p:nvPr/>
-        </p:nvSpPr>
-        <p:spPr>
-          <a:xfrm>
-            <a:off x="5291328" y="843240"/>
-            <a:ext cx="3803605" cy="369332"/>
-          </a:xfrm>
-          <a:prstGeom prst="rect">
-            <a:avLst/>
-          </a:prstGeom>
-          <a:noFill/>
-        </p:spPr>
-        <p:txBody>
-          <a:bodyPr wrap="none" rtlCol="0">
-            <a:spAutoFit/>
-          </a:bodyPr>
-          <a:lstStyle/>
-          <a:p>
-            <a:r>
-              <a:rPr lang="fr-FR"/>
-              <a:t>Mesure de la relation entre 2 variables</a:t>
-            </a:r>
           </a:p>
         </p:txBody>
       </p:sp>
     </p:spTree>
     <p:extLst>
       <p:ext uri="{BB962C8B-B14F-4D97-AF65-F5344CB8AC3E}">
-        <p14:creationId xmlns:p14="http://schemas.microsoft.com/office/powerpoint/2010/main" val="3224848876"/>
+        <p14:creationId xmlns:p14="http://schemas.microsoft.com/office/powerpoint/2010/main" val="4169911261"/>
       </p:ext>
     </p:extLst>
   </p:cSld>
@@ -10180,7 +10236,7 @@
           <p:cNvPr id="2" name="Title 1">
             <a:extLst>
               <a:ext uri="{FF2B5EF4-FFF2-40B4-BE49-F238E27FC236}">
-                <a16:creationId xmlns:a16="http://schemas.microsoft.com/office/drawing/2014/main" id="{5E38A5DE-3ECE-B743-BA04-5C9B906AFAD4}"/>
+                <a16:creationId xmlns:a16="http://schemas.microsoft.com/office/drawing/2014/main" id="{53922018-A6DC-314D-BE5A-CBE8463FFFBC}"/>
               </a:ext>
             </a:extLst>
           </p:cNvPr>
@@ -10198,40 +10254,70 @@
           <a:p>
             <a:r>
               <a:rPr lang="fr-FR"/>
-              <a:t>The plot thickens</a:t>
-            </a:r>
-          </a:p>
-        </p:txBody>
-      </p:sp>
-      <p:sp>
-        <p:nvSpPr>
-          <p:cNvPr id="3" name="Text Placeholder 2">
-            <a:extLst>
-              <a:ext uri="{FF2B5EF4-FFF2-40B4-BE49-F238E27FC236}">
-                <a16:creationId xmlns:a16="http://schemas.microsoft.com/office/drawing/2014/main" id="{7CAA66EC-9269-DB42-B725-11C035A6F254}"/>
-              </a:ext>
-            </a:extLst>
-          </p:cNvPr>
-          <p:cNvSpPr>
-            <a:spLocks noGrp="1"/>
-          </p:cNvSpPr>
-          <p:nvPr>
-            <p:ph type="body" idx="1"/>
-          </p:nvPr>
-        </p:nvSpPr>
-        <p:spPr/>
-        <p:txBody>
-          <a:bodyPr/>
+              <a:t>A vous</a:t>
+            </a:r>
+          </a:p>
+        </p:txBody>
+      </p:sp>
+      <p:sp>
+        <p:nvSpPr>
+          <p:cNvPr id="3" name="TextBox 2">
+            <a:extLst>
+              <a:ext uri="{FF2B5EF4-FFF2-40B4-BE49-F238E27FC236}">
+                <a16:creationId xmlns:a16="http://schemas.microsoft.com/office/drawing/2014/main" id="{A592410F-4825-5742-BE99-459BA0625CD9}"/>
+              </a:ext>
+            </a:extLst>
+          </p:cNvPr>
+          <p:cNvSpPr txBox="1"/>
+          <p:nvPr/>
+        </p:nvSpPr>
+        <p:spPr>
+          <a:xfrm>
+            <a:off x="838200" y="1840375"/>
+            <a:ext cx="4150367" cy="923330"/>
+          </a:xfrm>
+          <a:prstGeom prst="rect">
+            <a:avLst/>
+          </a:prstGeom>
+          <a:noFill/>
+        </p:spPr>
+        <p:txBody>
+          <a:bodyPr wrap="none" rtlCol="0">
+            <a:spAutoFit/>
+          </a:bodyPr>
           <a:lstStyle/>
           <a:p>
-            <a:endParaRPr lang="fr-FR"/>
+            <a:r>
+              <a:rPr lang="fr-FR"/>
+              <a:t>Definir, fitter et interpreter les 2 modeles: </a:t>
+            </a:r>
+          </a:p>
+          <a:p>
+            <a:pPr marL="285750" indent="-285750">
+              <a:buFont typeface="Arial" panose="020B0604020202020204" pitchFamily="34" charset="0"/>
+              <a:buChar char="•"/>
+            </a:pPr>
+            <a:r>
+              <a:rPr lang="fr-FR"/>
+              <a:t>Sales ~ Radio</a:t>
+            </a:r>
+          </a:p>
+          <a:p>
+            <a:pPr marL="285750" indent="-285750">
+              <a:buFont typeface="Arial" panose="020B0604020202020204" pitchFamily="34" charset="0"/>
+              <a:buChar char="•"/>
+            </a:pPr>
+            <a:r>
+              <a:rPr lang="fr-FR"/>
+              <a:t>Sales ~ Newspaper</a:t>
+            </a:r>
           </a:p>
         </p:txBody>
       </p:sp>
     </p:spTree>
     <p:extLst>
       <p:ext uri="{BB962C8B-B14F-4D97-AF65-F5344CB8AC3E}">
-        <p14:creationId xmlns:p14="http://schemas.microsoft.com/office/powerpoint/2010/main" val="1601807426"/>
+        <p14:creationId xmlns:p14="http://schemas.microsoft.com/office/powerpoint/2010/main" val="3842729117"/>
       </p:ext>
     </p:extLst>
   </p:cSld>
@@ -10263,7 +10349,7 @@
           <p:cNvPr id="2" name="Title 1">
             <a:extLst>
               <a:ext uri="{FF2B5EF4-FFF2-40B4-BE49-F238E27FC236}">
-                <a16:creationId xmlns:a16="http://schemas.microsoft.com/office/drawing/2014/main" id="{F78C5762-F99E-8F42-A8AB-AC6394866637}"/>
+                <a16:creationId xmlns:a16="http://schemas.microsoft.com/office/drawing/2014/main" id="{5E38A5DE-3ECE-B743-BA04-5C9B906AFAD4}"/>
               </a:ext>
             </a:extLst>
           </p:cNvPr>
@@ -10280,209 +10366,41 @@
           <a:lstStyle/>
           <a:p>
             <a:r>
-              <a:rPr lang="en-US" b="1">
-                <a:solidFill>
-                  <a:srgbClr val="000000"/>
-                </a:solidFill>
-                <a:latin typeface="Montserrat"/>
-              </a:rPr>
-              <a:t>Regression versus correlation</a:t>
-            </a:r>
-            <a:br>
-              <a:rPr lang="en-US" b="1">
-                <a:solidFill>
-                  <a:srgbClr val="000000"/>
-                </a:solidFill>
-                <a:latin typeface="Montserrat"/>
-              </a:rPr>
-            </a:br>
+              <a:rPr lang="fr-FR"/>
+              <a:t>The plot thickens</a:t>
+            </a:r>
+          </a:p>
+        </p:txBody>
+      </p:sp>
+      <p:sp>
+        <p:nvSpPr>
+          <p:cNvPr id="3" name="Text Placeholder 2">
+            <a:extLst>
+              <a:ext uri="{FF2B5EF4-FFF2-40B4-BE49-F238E27FC236}">
+                <a16:creationId xmlns:a16="http://schemas.microsoft.com/office/drawing/2014/main" id="{7CAA66EC-9269-DB42-B725-11C035A6F254}"/>
+              </a:ext>
+            </a:extLst>
+          </p:cNvPr>
+          <p:cNvSpPr>
+            <a:spLocks noGrp="1"/>
+          </p:cNvSpPr>
+          <p:nvPr>
+            <p:ph type="body" idx="1"/>
+          </p:nvPr>
+        </p:nvSpPr>
+        <p:spPr/>
+        <p:txBody>
+          <a:bodyPr/>
+          <a:lstStyle/>
+          <a:p>
             <a:endParaRPr lang="fr-FR"/>
-          </a:p>
-        </p:txBody>
-      </p:sp>
-      <p:sp>
-        <p:nvSpPr>
-          <p:cNvPr id="3" name="Rectangle 2">
-            <a:extLst>
-              <a:ext uri="{FF2B5EF4-FFF2-40B4-BE49-F238E27FC236}">
-                <a16:creationId xmlns:a16="http://schemas.microsoft.com/office/drawing/2014/main" id="{1D2675B0-EFB7-574E-85AD-04367CF1A223}"/>
-              </a:ext>
-            </a:extLst>
-          </p:cNvPr>
-          <p:cNvSpPr/>
-          <p:nvPr/>
-        </p:nvSpPr>
-        <p:spPr>
-          <a:xfrm>
-            <a:off x="1612392" y="1754061"/>
-            <a:ext cx="8519160" cy="4247317"/>
-          </a:xfrm>
-          <a:prstGeom prst="rect">
-            <a:avLst/>
-          </a:prstGeom>
-        </p:spPr>
-        <p:txBody>
-          <a:bodyPr wrap="square">
-            <a:spAutoFit/>
-          </a:bodyPr>
-          <a:lstStyle/>
-          <a:p>
-            <a:r>
-              <a:rPr lang="en-US" b="0" i="0">
-                <a:effectLst/>
-                <a:latin typeface="Montserrat"/>
-              </a:rPr>
-              <a:t>Both regression and the correlation coefficients are a measure of the influence of the predictor on the outcome. However, they differ in the way they represent that influence.</a:t>
-            </a:r>
-          </a:p>
-          <a:p>
-            <a:r>
-              <a:rPr lang="en-US" b="0" i="0">
-                <a:effectLst/>
-                <a:latin typeface="Montserrat"/>
-              </a:rPr>
-              <a:t>In the univariate case, regression and correlation coefficients share the following properties:</a:t>
-            </a:r>
-          </a:p>
-          <a:p>
-            <a:pPr>
-              <a:buFont typeface="Arial" panose="020B0604020202020204" pitchFamily="34" charset="0"/>
-              <a:buChar char="•"/>
-            </a:pPr>
-            <a:r>
-              <a:rPr lang="en-US" b="0" i="0">
-                <a:solidFill>
-                  <a:srgbClr val="000000"/>
-                </a:solidFill>
-                <a:effectLst/>
-                <a:latin typeface="Montserrat"/>
-              </a:rPr>
-              <a:t> The regression coefficient is equal to Pearson's correlation coefficient.</a:t>
-            </a:r>
-          </a:p>
-          <a:p>
-            <a:pPr>
-              <a:buFont typeface="Arial" panose="020B0604020202020204" pitchFamily="34" charset="0"/>
-              <a:buChar char="•"/>
-            </a:pPr>
-            <a:r>
-              <a:rPr lang="en-US" b="0" i="0">
-                <a:solidFill>
-                  <a:srgbClr val="000000"/>
-                </a:solidFill>
-                <a:effectLst/>
-                <a:latin typeface="Montserrat"/>
-              </a:rPr>
-              <a:t> The square of Pearson's correlation coefficient is the same as the R-squared.</a:t>
-            </a:r>
-          </a:p>
-          <a:p>
-            <a:r>
-              <a:rPr lang="en-US" b="0" i="0">
-                <a:effectLst/>
-                <a:latin typeface="Montserrat"/>
-              </a:rPr>
-              <a:t>However, regression and correlation coefficients are different measures of the data. Here are a couple of differences:</a:t>
-            </a:r>
-          </a:p>
-          <a:p>
-            <a:pPr>
-              <a:buFont typeface="Arial" panose="020B0604020202020204" pitchFamily="34" charset="0"/>
-              <a:buChar char="•"/>
-            </a:pPr>
-            <a:r>
-              <a:rPr lang="en-US" b="0" i="0">
-                <a:solidFill>
-                  <a:srgbClr val="000000"/>
-                </a:solidFill>
-                <a:effectLst/>
-                <a:latin typeface="Montserrat"/>
-              </a:rPr>
-              <a:t> Correlation is symmetrical while linear regression is not. Swapping the outcome with one of the predictor in multivariate regression will not give you the same coefficients.</a:t>
-            </a:r>
-          </a:p>
-          <a:p>
-            <a:pPr>
-              <a:buFont typeface="Arial" panose="020B0604020202020204" pitchFamily="34" charset="0"/>
-              <a:buChar char="•"/>
-            </a:pPr>
-            <a:r>
-              <a:rPr lang="en-US" b="0" i="0">
-                <a:solidFill>
-                  <a:srgbClr val="000000"/>
-                </a:solidFill>
-                <a:effectLst/>
-                <a:latin typeface="Montserrat"/>
-              </a:rPr>
-              <a:t> Linear regression can be used to make predictions, correlation coefficient cannot.</a:t>
-            </a:r>
-          </a:p>
-          <a:p>
-            <a:pPr>
-              <a:buFont typeface="Arial" panose="020B0604020202020204" pitchFamily="34" charset="0"/>
-              <a:buChar char="•"/>
-            </a:pPr>
-            <a:r>
-              <a:rPr lang="en-US" b="0" i="0">
-                <a:solidFill>
-                  <a:srgbClr val="000000"/>
-                </a:solidFill>
-                <a:effectLst/>
-                <a:latin typeface="Montserrat"/>
-              </a:rPr>
-              <a:t> Correlation works for non-linear relations between variables while linear regression works on linear relationships.</a:t>
-            </a:r>
-          </a:p>
-          <a:p>
-            <a:r>
-              <a:rPr lang="en-US" b="0" i="0">
-                <a:effectLst/>
-                <a:latin typeface="Montserrat"/>
-              </a:rPr>
-              <a:t>So correlation and regression are complementary but intrinsically different ways of measuring the coupling between variables.</a:t>
-            </a:r>
-          </a:p>
-        </p:txBody>
-      </p:sp>
-      <p:sp>
-        <p:nvSpPr>
-          <p:cNvPr id="4" name="TextBox 3">
-            <a:extLst>
-              <a:ext uri="{FF2B5EF4-FFF2-40B4-BE49-F238E27FC236}">
-                <a16:creationId xmlns:a16="http://schemas.microsoft.com/office/drawing/2014/main" id="{8099D991-FF2D-5D48-8AFE-AAA02A5ED1E9}"/>
-              </a:ext>
-            </a:extLst>
-          </p:cNvPr>
-          <p:cNvSpPr txBox="1"/>
-          <p:nvPr/>
-        </p:nvSpPr>
-        <p:spPr>
-          <a:xfrm>
-            <a:off x="2167128" y="6364224"/>
-            <a:ext cx="748923" cy="369332"/>
-          </a:xfrm>
-          <a:prstGeom prst="rect">
-            <a:avLst/>
-          </a:prstGeom>
-          <a:noFill/>
-        </p:spPr>
-        <p:txBody>
-          <a:bodyPr wrap="none" rtlCol="0">
-            <a:spAutoFit/>
-          </a:bodyPr>
-          <a:lstStyle/>
-          <a:p>
-            <a:r>
-              <a:rPr lang="fr-FR"/>
-              <a:t>Demo</a:t>
-            </a:r>
           </a:p>
         </p:txBody>
       </p:sp>
     </p:spTree>
     <p:extLst>
       <p:ext uri="{BB962C8B-B14F-4D97-AF65-F5344CB8AC3E}">
-        <p14:creationId xmlns:p14="http://schemas.microsoft.com/office/powerpoint/2010/main" val="2759715161"/>
+        <p14:creationId xmlns:p14="http://schemas.microsoft.com/office/powerpoint/2010/main" val="1601807426"/>
       </p:ext>
     </p:extLst>
   </p:cSld>
@@ -10514,7 +10432,7 @@
           <p:cNvPr id="2" name="Title 1">
             <a:extLst>
               <a:ext uri="{FF2B5EF4-FFF2-40B4-BE49-F238E27FC236}">
-                <a16:creationId xmlns:a16="http://schemas.microsoft.com/office/drawing/2014/main" id="{2FD244FB-CD07-D142-86AD-0D55EF4A4FED}"/>
+                <a16:creationId xmlns:a16="http://schemas.microsoft.com/office/drawing/2014/main" id="{F78C5762-F99E-8F42-A8AB-AC6394866637}"/>
               </a:ext>
             </a:extLst>
           </p:cNvPr>
@@ -10527,15 +10445,26 @@
         </p:nvSpPr>
         <p:spPr/>
         <p:txBody>
-          <a:bodyPr>
-            <a:normAutofit/>
-          </a:bodyPr>
+          <a:bodyPr/>
           <a:lstStyle/>
           <a:p>
             <a:r>
-              <a:rPr lang="en-US" b="1"/>
-              <a:t>Standardizing your data</a:t>
-            </a:r>
+              <a:rPr lang="en-US" b="1">
+                <a:solidFill>
+                  <a:srgbClr val="000000"/>
+                </a:solidFill>
+                <a:latin typeface="Montserrat"/>
+              </a:rPr>
+              <a:t>Regression versus correlation</a:t>
+            </a:r>
+            <a:br>
+              <a:rPr lang="en-US" b="1">
+                <a:solidFill>
+                  <a:srgbClr val="000000"/>
+                </a:solidFill>
+                <a:latin typeface="Montserrat"/>
+              </a:rPr>
+            </a:br>
             <a:endParaRPr lang="fr-FR"/>
           </a:p>
         </p:txBody>
@@ -10545,7 +10474,7 @@
           <p:cNvPr id="3" name="Rectangle 2">
             <a:extLst>
               <a:ext uri="{FF2B5EF4-FFF2-40B4-BE49-F238E27FC236}">
-                <a16:creationId xmlns:a16="http://schemas.microsoft.com/office/drawing/2014/main" id="{9BA1214B-49DF-614F-B996-0504C72DA584}"/>
+                <a16:creationId xmlns:a16="http://schemas.microsoft.com/office/drawing/2014/main" id="{1D2675B0-EFB7-574E-85AD-04367CF1A223}"/>
               </a:ext>
             </a:extLst>
           </p:cNvPr>
@@ -10554,30 +10483,133 @@
         </p:nvSpPr>
         <p:spPr>
           <a:xfrm>
-            <a:off x="3048000" y="2690336"/>
-            <a:ext cx="6096000" cy="923330"/>
+            <a:off x="1612392" y="1754061"/>
+            <a:ext cx="8519160" cy="4247317"/>
           </a:xfrm>
           <a:prstGeom prst="rect">
             <a:avLst/>
           </a:prstGeom>
         </p:spPr>
         <p:txBody>
-          <a:bodyPr>
+          <a:bodyPr wrap="square">
             <a:spAutoFit/>
           </a:bodyPr>
           <a:lstStyle/>
           <a:p>
             <a:r>
-              <a:rPr lang="en-US" b="1" i="0">
+              <a:rPr lang="en-US" b="0" i="0">
                 <a:effectLst/>
                 <a:latin typeface="Montserrat"/>
               </a:rPr>
-              <a:t>In fact, standardizing the variables will change the value of the regression coefficients, but will not  influence the conclusions of the regression.</a:t>
-            </a:r>
-            <a:endParaRPr lang="en-US" b="0" i="0">
-              <a:effectLst/>
-              <a:latin typeface="Montserrat"/>
-            </a:endParaRPr>
+              <a:t>Both regression and the correlation coefficients are a measure of the influence of the predictor on the outcome. However, they differ in the way they represent that influence.</a:t>
+            </a:r>
+          </a:p>
+          <a:p>
+            <a:r>
+              <a:rPr lang="en-US" b="0" i="0">
+                <a:effectLst/>
+                <a:latin typeface="Montserrat"/>
+              </a:rPr>
+              <a:t>In the univariate case, regression and correlation coefficients share the following properties:</a:t>
+            </a:r>
+          </a:p>
+          <a:p>
+            <a:pPr>
+              <a:buFont typeface="Arial" panose="020B0604020202020204" pitchFamily="34" charset="0"/>
+              <a:buChar char="•"/>
+            </a:pPr>
+            <a:r>
+              <a:rPr lang="en-US" b="0" i="0">
+                <a:solidFill>
+                  <a:srgbClr val="000000"/>
+                </a:solidFill>
+                <a:effectLst/>
+                <a:latin typeface="Montserrat"/>
+              </a:rPr>
+              <a:t> The regression coefficient is equal to Pearson's correlation coefficient.</a:t>
+            </a:r>
+          </a:p>
+          <a:p>
+            <a:pPr>
+              <a:buFont typeface="Arial" panose="020B0604020202020204" pitchFamily="34" charset="0"/>
+              <a:buChar char="•"/>
+            </a:pPr>
+            <a:r>
+              <a:rPr lang="en-US" b="0" i="0">
+                <a:solidFill>
+                  <a:srgbClr val="000000"/>
+                </a:solidFill>
+                <a:effectLst/>
+                <a:latin typeface="Montserrat"/>
+              </a:rPr>
+              <a:t> The square of Pearson's correlation coefficient is the same as the R-squared.</a:t>
+            </a:r>
+          </a:p>
+          <a:p>
+            <a:r>
+              <a:rPr lang="en-US" b="0" i="0">
+                <a:effectLst/>
+                <a:latin typeface="Montserrat"/>
+              </a:rPr>
+              <a:t>However, regression and correlation coefficients are different measures of the data. Here are a couple of differences:</a:t>
+            </a:r>
+          </a:p>
+          <a:p>
+            <a:pPr>
+              <a:buFont typeface="Arial" panose="020B0604020202020204" pitchFamily="34" charset="0"/>
+              <a:buChar char="•"/>
+            </a:pPr>
+            <a:r>
+              <a:rPr lang="en-US" b="0" i="0">
+                <a:solidFill>
+                  <a:srgbClr val="000000"/>
+                </a:solidFill>
+                <a:effectLst/>
+                <a:latin typeface="Montserrat"/>
+              </a:rPr>
+              <a:t> Correlation is symmetrical while linear regression is not. Swapping the outcome with one of the predictor in multivariate regression will not give you the same coefficients.</a:t>
+            </a:r>
+          </a:p>
+          <a:p>
+            <a:pPr>
+              <a:buFont typeface="Arial" panose="020B0604020202020204" pitchFamily="34" charset="0"/>
+              <a:buChar char="•"/>
+            </a:pPr>
+            <a:r>
+              <a:rPr lang="en-US" b="0" i="0">
+                <a:solidFill>
+                  <a:srgbClr val="000000"/>
+                </a:solidFill>
+                <a:effectLst/>
+                <a:latin typeface="Montserrat"/>
+              </a:rPr>
+              <a:t> Linear regression can be used to make predictions, correlation coefficient cannot.</a:t>
+            </a:r>
+          </a:p>
+          <a:p>
+            <a:pPr>
+              <a:buFont typeface="Arial" panose="020B0604020202020204" pitchFamily="34" charset="0"/>
+              <a:buChar char="•"/>
+            </a:pPr>
+            <a:r>
+              <a:rPr lang="en-US" b="0" i="0">
+                <a:solidFill>
+                  <a:srgbClr val="000000"/>
+                </a:solidFill>
+                <a:effectLst/>
+                <a:latin typeface="Montserrat"/>
+              </a:rPr>
+              <a:t> Correlation works for non-linear relations between variables while linear regression works on linear relationships.</a:t>
+            </a:r>
+          </a:p>
+          <a:p>
+            <a:r>
+              <a:rPr lang="en-US" b="0" i="0">
+                <a:effectLst/>
+                <a:latin typeface="Montserrat"/>
+              </a:rPr>
+              <a:t>So correlation and regression are complementary but intrinsically different ways of measuring the coupling between variables.</a:t>
+            </a:r>
           </a:p>
         </p:txBody>
       </p:sp>
@@ -10586,7 +10618,7 @@
           <p:cNvPr id="4" name="TextBox 3">
             <a:extLst>
               <a:ext uri="{FF2B5EF4-FFF2-40B4-BE49-F238E27FC236}">
-                <a16:creationId xmlns:a16="http://schemas.microsoft.com/office/drawing/2014/main" id="{88DB9CF7-8367-1649-A370-2D4AC9899190}"/>
+                <a16:creationId xmlns:a16="http://schemas.microsoft.com/office/drawing/2014/main" id="{8099D991-FF2D-5D48-8AFE-AAA02A5ED1E9}"/>
               </a:ext>
             </a:extLst>
           </p:cNvPr>
@@ -10595,7 +10627,7 @@
         </p:nvSpPr>
         <p:spPr>
           <a:xfrm>
-            <a:off x="1508760" y="4882896"/>
+            <a:off x="2167128" y="6364224"/>
             <a:ext cx="748923" cy="369332"/>
           </a:xfrm>
           <a:prstGeom prst="rect">
@@ -10619,7 +10651,7 @@
     </p:spTree>
     <p:extLst>
       <p:ext uri="{BB962C8B-B14F-4D97-AF65-F5344CB8AC3E}">
-        <p14:creationId xmlns:p14="http://schemas.microsoft.com/office/powerpoint/2010/main" val="500456497"/>
+        <p14:creationId xmlns:p14="http://schemas.microsoft.com/office/powerpoint/2010/main" val="2759715161"/>
       </p:ext>
     </p:extLst>
   </p:cSld>
@@ -10651,7 +10683,7 @@
           <p:cNvPr id="2" name="Title 1">
             <a:extLst>
               <a:ext uri="{FF2B5EF4-FFF2-40B4-BE49-F238E27FC236}">
-                <a16:creationId xmlns:a16="http://schemas.microsoft.com/office/drawing/2014/main" id="{FB729985-0D1C-8E4B-BAA1-C52C8D4E299D}"/>
+                <a16:creationId xmlns:a16="http://schemas.microsoft.com/office/drawing/2014/main" id="{2FD244FB-CD07-D142-86AD-0D55EF4A4FED}"/>
               </a:ext>
             </a:extLst>
           </p:cNvPr>
@@ -10664,45 +10696,99 @@
         </p:nvSpPr>
         <p:spPr/>
         <p:txBody>
-          <a:bodyPr/>
+          <a:bodyPr>
+            <a:normAutofit/>
+          </a:bodyPr>
           <a:lstStyle/>
           <a:p>
             <a:r>
-              <a:rPr lang="fr-FR"/>
-              <a:t>Multivariate</a:t>
-            </a:r>
-          </a:p>
-        </p:txBody>
-      </p:sp>
-      <p:sp>
-        <p:nvSpPr>
-          <p:cNvPr id="3" name="Text Placeholder 2">
-            <a:extLst>
-              <a:ext uri="{FF2B5EF4-FFF2-40B4-BE49-F238E27FC236}">
-                <a16:creationId xmlns:a16="http://schemas.microsoft.com/office/drawing/2014/main" id="{D89445F8-C41F-5841-BFAF-2BC29A5F20D5}"/>
-              </a:ext>
-            </a:extLst>
-          </p:cNvPr>
-          <p:cNvSpPr>
-            <a:spLocks noGrp="1"/>
-          </p:cNvSpPr>
-          <p:nvPr>
-            <p:ph type="body" idx="1"/>
-          </p:nvPr>
-        </p:nvSpPr>
-        <p:spPr/>
-        <p:txBody>
-          <a:bodyPr/>
+              <a:rPr lang="en-US" b="1"/>
+              <a:t>Standardizing your data</a:t>
+            </a:r>
+            <a:endParaRPr lang="fr-FR"/>
+          </a:p>
+        </p:txBody>
+      </p:sp>
+      <p:sp>
+        <p:nvSpPr>
+          <p:cNvPr id="3" name="Rectangle 2">
+            <a:extLst>
+              <a:ext uri="{FF2B5EF4-FFF2-40B4-BE49-F238E27FC236}">
+                <a16:creationId xmlns:a16="http://schemas.microsoft.com/office/drawing/2014/main" id="{9BA1214B-49DF-614F-B996-0504C72DA584}"/>
+              </a:ext>
+            </a:extLst>
+          </p:cNvPr>
+          <p:cNvSpPr/>
+          <p:nvPr/>
+        </p:nvSpPr>
+        <p:spPr>
+          <a:xfrm>
+            <a:off x="3048000" y="2690336"/>
+            <a:ext cx="6096000" cy="923330"/>
+          </a:xfrm>
+          <a:prstGeom prst="rect">
+            <a:avLst/>
+          </a:prstGeom>
+        </p:spPr>
+        <p:txBody>
+          <a:bodyPr>
+            <a:spAutoFit/>
+          </a:bodyPr>
           <a:lstStyle/>
           <a:p>
-            <a:endParaRPr lang="fr-FR"/>
+            <a:r>
+              <a:rPr lang="en-US" b="1" i="0">
+                <a:effectLst/>
+                <a:latin typeface="Montserrat"/>
+              </a:rPr>
+              <a:t>In fact, standardizing the variables will change the value of the regression coefficients, but will not  influence the conclusions of the regression.</a:t>
+            </a:r>
+            <a:endParaRPr lang="en-US" b="0" i="0">
+              <a:effectLst/>
+              <a:latin typeface="Montserrat"/>
+            </a:endParaRPr>
+          </a:p>
+        </p:txBody>
+      </p:sp>
+      <p:sp>
+        <p:nvSpPr>
+          <p:cNvPr id="4" name="TextBox 3">
+            <a:extLst>
+              <a:ext uri="{FF2B5EF4-FFF2-40B4-BE49-F238E27FC236}">
+                <a16:creationId xmlns:a16="http://schemas.microsoft.com/office/drawing/2014/main" id="{88DB9CF7-8367-1649-A370-2D4AC9899190}"/>
+              </a:ext>
+            </a:extLst>
+          </p:cNvPr>
+          <p:cNvSpPr txBox="1"/>
+          <p:nvPr/>
+        </p:nvSpPr>
+        <p:spPr>
+          <a:xfrm>
+            <a:off x="1508760" y="4882896"/>
+            <a:ext cx="748923" cy="369332"/>
+          </a:xfrm>
+          <a:prstGeom prst="rect">
+            <a:avLst/>
+          </a:prstGeom>
+          <a:noFill/>
+        </p:spPr>
+        <p:txBody>
+          <a:bodyPr wrap="none" rtlCol="0">
+            <a:spAutoFit/>
+          </a:bodyPr>
+          <a:lstStyle/>
+          <a:p>
+            <a:r>
+              <a:rPr lang="fr-FR"/>
+              <a:t>Demo</a:t>
+            </a:r>
           </a:p>
         </p:txBody>
       </p:sp>
     </p:spTree>
     <p:extLst>
       <p:ext uri="{BB962C8B-B14F-4D97-AF65-F5344CB8AC3E}">
-        <p14:creationId xmlns:p14="http://schemas.microsoft.com/office/powerpoint/2010/main" val="3541548820"/>
+        <p14:creationId xmlns:p14="http://schemas.microsoft.com/office/powerpoint/2010/main" val="500456497"/>
       </p:ext>
     </p:extLst>
   </p:cSld>
@@ -10734,7 +10820,7 @@
           <p:cNvPr id="2" name="Title 1">
             <a:extLst>
               <a:ext uri="{FF2B5EF4-FFF2-40B4-BE49-F238E27FC236}">
-                <a16:creationId xmlns:a16="http://schemas.microsoft.com/office/drawing/2014/main" id="{24DBB32A-7B6B-2347-9DCD-4314892FFB6C}"/>
+                <a16:creationId xmlns:a16="http://schemas.microsoft.com/office/drawing/2014/main" id="{FB729985-0D1C-8E4B-BAA1-C52C8D4E299D}"/>
               </a:ext>
             </a:extLst>
           </p:cNvPr>
@@ -10752,109 +10838,31 @@
           <a:p>
             <a:r>
               <a:rPr lang="fr-FR"/>
-              <a:t>Sales ~ TV + Radio + Newspaper</a:t>
-            </a:r>
-          </a:p>
-        </p:txBody>
-      </p:sp>
-      <p:sp>
-        <p:nvSpPr>
-          <p:cNvPr id="3" name="TextBox 2">
-            <a:extLst>
-              <a:ext uri="{FF2B5EF4-FFF2-40B4-BE49-F238E27FC236}">
-                <a16:creationId xmlns:a16="http://schemas.microsoft.com/office/drawing/2014/main" id="{4248C554-1F67-1242-AF04-6E7010981C0E}"/>
-              </a:ext>
-            </a:extLst>
-          </p:cNvPr>
-          <p:cNvSpPr txBox="1"/>
-          <p:nvPr/>
-        </p:nvSpPr>
-        <p:spPr>
-          <a:xfrm>
-            <a:off x="1261872" y="2139696"/>
-            <a:ext cx="3164649" cy="1477328"/>
-          </a:xfrm>
-          <a:prstGeom prst="rect">
-            <a:avLst/>
-          </a:prstGeom>
-          <a:noFill/>
-        </p:spPr>
-        <p:txBody>
-          <a:bodyPr wrap="none" rtlCol="0">
-            <a:spAutoFit/>
-          </a:bodyPr>
+              <a:t>Multivariate</a:t>
+            </a:r>
+          </a:p>
+        </p:txBody>
+      </p:sp>
+      <p:sp>
+        <p:nvSpPr>
+          <p:cNvPr id="3" name="Text Placeholder 2">
+            <a:extLst>
+              <a:ext uri="{FF2B5EF4-FFF2-40B4-BE49-F238E27FC236}">
+                <a16:creationId xmlns:a16="http://schemas.microsoft.com/office/drawing/2014/main" id="{D89445F8-C41F-5841-BFAF-2BC29A5F20D5}"/>
+              </a:ext>
+            </a:extLst>
+          </p:cNvPr>
+          <p:cNvSpPr>
+            <a:spLocks noGrp="1"/>
+          </p:cNvSpPr>
+          <p:nvPr>
+            <p:ph type="body" idx="1"/>
+          </p:nvPr>
+        </p:nvSpPr>
+        <p:spPr/>
+        <p:txBody>
+          <a:bodyPr/>
           <a:lstStyle/>
-          <a:p>
-            <a:r>
-              <a:rPr lang="fr-FR"/>
-              <a:t>Quel est le meilleur modèle?</a:t>
-            </a:r>
-          </a:p>
-          <a:p>
-            <a:r>
-              <a:rPr lang="fr-FR"/>
-              <a:t>Sales ~ TV + Radio + Newspaper</a:t>
-            </a:r>
-          </a:p>
-          <a:p>
-            <a:r>
-              <a:rPr lang="fr-FR"/>
-              <a:t>ou</a:t>
-            </a:r>
-          </a:p>
-          <a:p>
-            <a:r>
-              <a:rPr lang="fr-FR"/>
-              <a:t>Sales ~ TV + Radio + Newspaper</a:t>
-            </a:r>
-          </a:p>
-          <a:p>
-            <a:endParaRPr lang="fr-FR"/>
-          </a:p>
-        </p:txBody>
-      </p:sp>
-      <p:sp>
-        <p:nvSpPr>
-          <p:cNvPr id="4" name="TextBox 3">
-            <a:extLst>
-              <a:ext uri="{FF2B5EF4-FFF2-40B4-BE49-F238E27FC236}">
-                <a16:creationId xmlns:a16="http://schemas.microsoft.com/office/drawing/2014/main" id="{4B28F97D-F774-2C42-BA59-BAD069792959}"/>
-              </a:ext>
-            </a:extLst>
-          </p:cNvPr>
-          <p:cNvSpPr txBox="1"/>
-          <p:nvPr/>
-        </p:nvSpPr>
-        <p:spPr>
-          <a:xfrm>
-            <a:off x="6318504" y="2121408"/>
-            <a:ext cx="3629520" cy="1200329"/>
-          </a:xfrm>
-          <a:prstGeom prst="rect">
-            <a:avLst/>
-          </a:prstGeom>
-          <a:noFill/>
-        </p:spPr>
-        <p:txBody>
-          <a:bodyPr wrap="none" rtlCol="0">
-            <a:spAutoFit/>
-          </a:bodyPr>
-          <a:lstStyle/>
-          <a:p>
-            <a:r>
-              <a:rPr lang="fr-FR"/>
-              <a:t>Et le modèle:</a:t>
-            </a:r>
-          </a:p>
-          <a:p>
-            <a:endParaRPr lang="fr-FR"/>
-          </a:p>
-          <a:p>
-            <a:r>
-              <a:rPr lang="fr-FR"/>
-              <a:t>Sales ~ TV + Radio + TV * Newspaper</a:t>
-            </a:r>
-          </a:p>
           <a:p>
             <a:endParaRPr lang="fr-FR"/>
           </a:p>
@@ -10863,7 +10871,7 @@
     </p:spTree>
     <p:extLst>
       <p:ext uri="{BB962C8B-B14F-4D97-AF65-F5344CB8AC3E}">
-        <p14:creationId xmlns:p14="http://schemas.microsoft.com/office/powerpoint/2010/main" val="3995911256"/>
+        <p14:creationId xmlns:p14="http://schemas.microsoft.com/office/powerpoint/2010/main" val="3541548820"/>
       </p:ext>
     </p:extLst>
   </p:cSld>
@@ -10895,7 +10903,7 @@
           <p:cNvPr id="2" name="Title 1">
             <a:extLst>
               <a:ext uri="{FF2B5EF4-FFF2-40B4-BE49-F238E27FC236}">
-                <a16:creationId xmlns:a16="http://schemas.microsoft.com/office/drawing/2014/main" id="{4937BB14-900C-3A43-A022-32ECDD1C7FFE}"/>
+                <a16:creationId xmlns:a16="http://schemas.microsoft.com/office/drawing/2014/main" id="{24DBB32A-7B6B-2347-9DCD-4314892FFB6C}"/>
               </a:ext>
             </a:extLst>
           </p:cNvPr>
@@ -10913,43 +10921,118 @@
           <a:p>
             <a:r>
               <a:rPr lang="fr-FR"/>
-              <a:t>Log likelihood dans le cas gaussien</a:t>
-            </a:r>
-          </a:p>
-        </p:txBody>
-      </p:sp>
-      <p:sp>
-        <p:nvSpPr>
-          <p:cNvPr id="3" name="Text Placeholder 2">
-            <a:extLst>
-              <a:ext uri="{FF2B5EF4-FFF2-40B4-BE49-F238E27FC236}">
-                <a16:creationId xmlns:a16="http://schemas.microsoft.com/office/drawing/2014/main" id="{D05EA938-E6ED-E04F-8672-FC4A0CFAC201}"/>
-              </a:ext>
-            </a:extLst>
-          </p:cNvPr>
-          <p:cNvSpPr>
-            <a:spLocks noGrp="1"/>
-          </p:cNvSpPr>
-          <p:nvPr>
-            <p:ph type="body" idx="1"/>
-          </p:nvPr>
-        </p:nvSpPr>
-        <p:spPr/>
-        <p:txBody>
-          <a:bodyPr/>
+              <a:t>Sales ~ TV + Radio + Newspaper</a:t>
+            </a:r>
+          </a:p>
+        </p:txBody>
+      </p:sp>
+      <p:sp>
+        <p:nvSpPr>
+          <p:cNvPr id="3" name="TextBox 2">
+            <a:extLst>
+              <a:ext uri="{FF2B5EF4-FFF2-40B4-BE49-F238E27FC236}">
+                <a16:creationId xmlns:a16="http://schemas.microsoft.com/office/drawing/2014/main" id="{4248C554-1F67-1242-AF04-6E7010981C0E}"/>
+              </a:ext>
+            </a:extLst>
+          </p:cNvPr>
+          <p:cNvSpPr txBox="1"/>
+          <p:nvPr/>
+        </p:nvSpPr>
+        <p:spPr>
+          <a:xfrm>
+            <a:off x="1261872" y="2139696"/>
+            <a:ext cx="3164649" cy="1477328"/>
+          </a:xfrm>
+          <a:prstGeom prst="rect">
+            <a:avLst/>
+          </a:prstGeom>
+          <a:noFill/>
+        </p:spPr>
+        <p:txBody>
+          <a:bodyPr wrap="none" rtlCol="0">
+            <a:spAutoFit/>
+          </a:bodyPr>
           <a:lstStyle/>
           <a:p>
             <a:r>
               <a:rPr lang="fr-FR"/>
-              <a:t>Comment sont calculés les coefficients?</a:t>
-            </a:r>
+              <a:t>Quel est le meilleur modèle?</a:t>
+            </a:r>
+          </a:p>
+          <a:p>
+            <a:r>
+              <a:rPr lang="fr-FR"/>
+              <a:t>Sales ~ TV + Radio + Newspaper</a:t>
+            </a:r>
+          </a:p>
+          <a:p>
+            <a:r>
+              <a:rPr lang="fr-FR"/>
+              <a:t>ou</a:t>
+            </a:r>
+          </a:p>
+          <a:p>
+            <a:r>
+              <a:rPr lang="fr-FR"/>
+              <a:t>Sales ~ TV + Radio + Newspaper</a:t>
+            </a:r>
+          </a:p>
+          <a:p>
+            <a:endParaRPr lang="fr-FR"/>
+          </a:p>
+        </p:txBody>
+      </p:sp>
+      <p:sp>
+        <p:nvSpPr>
+          <p:cNvPr id="4" name="TextBox 3">
+            <a:extLst>
+              <a:ext uri="{FF2B5EF4-FFF2-40B4-BE49-F238E27FC236}">
+                <a16:creationId xmlns:a16="http://schemas.microsoft.com/office/drawing/2014/main" id="{4B28F97D-F774-2C42-BA59-BAD069792959}"/>
+              </a:ext>
+            </a:extLst>
+          </p:cNvPr>
+          <p:cNvSpPr txBox="1"/>
+          <p:nvPr/>
+        </p:nvSpPr>
+        <p:spPr>
+          <a:xfrm>
+            <a:off x="6318504" y="2121408"/>
+            <a:ext cx="3629520" cy="1200329"/>
+          </a:xfrm>
+          <a:prstGeom prst="rect">
+            <a:avLst/>
+          </a:prstGeom>
+          <a:noFill/>
+        </p:spPr>
+        <p:txBody>
+          <a:bodyPr wrap="none" rtlCol="0">
+            <a:spAutoFit/>
+          </a:bodyPr>
+          <a:lstStyle/>
+          <a:p>
+            <a:r>
+              <a:rPr lang="fr-FR"/>
+              <a:t>Et le modèle:</a:t>
+            </a:r>
+          </a:p>
+          <a:p>
+            <a:endParaRPr lang="fr-FR"/>
+          </a:p>
+          <a:p>
+            <a:r>
+              <a:rPr lang="fr-FR"/>
+              <a:t>Sales ~ TV + Radio + TV * Newspaper</a:t>
+            </a:r>
+          </a:p>
+          <a:p>
+            <a:endParaRPr lang="fr-FR"/>
           </a:p>
         </p:txBody>
       </p:sp>
     </p:spTree>
     <p:extLst>
       <p:ext uri="{BB962C8B-B14F-4D97-AF65-F5344CB8AC3E}">
-        <p14:creationId xmlns:p14="http://schemas.microsoft.com/office/powerpoint/2010/main" val="4024450017"/>
+        <p14:creationId xmlns:p14="http://schemas.microsoft.com/office/powerpoint/2010/main" val="3995911256"/>
       </p:ext>
     </p:extLst>
   </p:cSld>
@@ -10981,6 +11064,92 @@
           <p:cNvPr id="2" name="Title 1">
             <a:extLst>
               <a:ext uri="{FF2B5EF4-FFF2-40B4-BE49-F238E27FC236}">
+                <a16:creationId xmlns:a16="http://schemas.microsoft.com/office/drawing/2014/main" id="{4937BB14-900C-3A43-A022-32ECDD1C7FFE}"/>
+              </a:ext>
+            </a:extLst>
+          </p:cNvPr>
+          <p:cNvSpPr>
+            <a:spLocks noGrp="1"/>
+          </p:cNvSpPr>
+          <p:nvPr>
+            <p:ph type="title"/>
+          </p:nvPr>
+        </p:nvSpPr>
+        <p:spPr/>
+        <p:txBody>
+          <a:bodyPr/>
+          <a:lstStyle/>
+          <a:p>
+            <a:r>
+              <a:rPr lang="fr-FR"/>
+              <a:t>Log likelihood dans le cas gaussien</a:t>
+            </a:r>
+          </a:p>
+        </p:txBody>
+      </p:sp>
+      <p:sp>
+        <p:nvSpPr>
+          <p:cNvPr id="3" name="Text Placeholder 2">
+            <a:extLst>
+              <a:ext uri="{FF2B5EF4-FFF2-40B4-BE49-F238E27FC236}">
+                <a16:creationId xmlns:a16="http://schemas.microsoft.com/office/drawing/2014/main" id="{D05EA938-E6ED-E04F-8672-FC4A0CFAC201}"/>
+              </a:ext>
+            </a:extLst>
+          </p:cNvPr>
+          <p:cNvSpPr>
+            <a:spLocks noGrp="1"/>
+          </p:cNvSpPr>
+          <p:nvPr>
+            <p:ph type="body" idx="1"/>
+          </p:nvPr>
+        </p:nvSpPr>
+        <p:spPr/>
+        <p:txBody>
+          <a:bodyPr/>
+          <a:lstStyle/>
+          <a:p>
+            <a:r>
+              <a:rPr lang="fr-FR"/>
+              <a:t>Comment sont calculés les coefficients?</a:t>
+            </a:r>
+          </a:p>
+        </p:txBody>
+      </p:sp>
+    </p:spTree>
+    <p:extLst>
+      <p:ext uri="{BB962C8B-B14F-4D97-AF65-F5344CB8AC3E}">
+        <p14:creationId xmlns:p14="http://schemas.microsoft.com/office/powerpoint/2010/main" val="4024450017"/>
+      </p:ext>
+    </p:extLst>
+  </p:cSld>
+  <p:clrMapOvr>
+    <a:masterClrMapping/>
+  </p:clrMapOvr>
+</p:sld>
+</file>
+
+<file path=ppt/slides/slide37.xml><?xml version="1.0" encoding="utf-8"?>
+<p:sld xmlns:a="http://schemas.openxmlformats.org/drawingml/2006/main" xmlns:r="http://schemas.openxmlformats.org/officeDocument/2006/relationships" xmlns:p="http://schemas.openxmlformats.org/presentationml/2006/main">
+  <p:cSld>
+    <p:spTree>
+      <p:nvGrpSpPr>
+        <p:cNvPr id="1" name=""/>
+        <p:cNvGrpSpPr/>
+        <p:nvPr/>
+      </p:nvGrpSpPr>
+      <p:grpSpPr>
+        <a:xfrm>
+          <a:off x="0" y="0"/>
+          <a:ext cx="0" cy="0"/>
+          <a:chOff x="0" y="0"/>
+          <a:chExt cx="0" cy="0"/>
+        </a:xfrm>
+      </p:grpSpPr>
+      <p:sp>
+        <p:nvSpPr>
+          <p:cNvPr id="2" name="Title 1">
+            <a:extLst>
+              <a:ext uri="{FF2B5EF4-FFF2-40B4-BE49-F238E27FC236}">
                 <a16:creationId xmlns:a16="http://schemas.microsoft.com/office/drawing/2014/main" id="{2FA59A13-06E7-2347-BB2C-6FFE483D5949}"/>
               </a:ext>
             </a:extLst>
@@ -11017,7 +11186,7 @@
 </p:sld>
 </file>
 
-<file path=ppt/slides/slide37.xml><?xml version="1.0" encoding="utf-8"?>
+<file path=ppt/slides/slide38.xml><?xml version="1.0" encoding="utf-8"?>
 <p:sld xmlns:a="http://schemas.openxmlformats.org/drawingml/2006/main" xmlns:r="http://schemas.openxmlformats.org/officeDocument/2006/relationships" xmlns:p="http://schemas.openxmlformats.org/presentationml/2006/main">
   <p:cSld>
     <p:spTree>
@@ -11105,101 +11274,6 @@
 </p:sld>
 </file>
 
-<file path=ppt/slides/slide38.xml><?xml version="1.0" encoding="utf-8"?>
-<p:sld xmlns:a="http://schemas.openxmlformats.org/drawingml/2006/main" xmlns:r="http://schemas.openxmlformats.org/officeDocument/2006/relationships" xmlns:p="http://schemas.openxmlformats.org/presentationml/2006/main">
-  <p:cSld>
-    <p:spTree>
-      <p:nvGrpSpPr>
-        <p:cNvPr id="1" name=""/>
-        <p:cNvGrpSpPr/>
-        <p:nvPr/>
-      </p:nvGrpSpPr>
-      <p:grpSpPr>
-        <a:xfrm>
-          <a:off x="0" y="0"/>
-          <a:ext cx="0" cy="0"/>
-          <a:chOff x="0" y="0"/>
-          <a:chExt cx="0" cy="0"/>
-        </a:xfrm>
-      </p:grpSpPr>
-      <p:sp>
-        <p:nvSpPr>
-          <p:cNvPr id="2" name="Title 1">
-            <a:extLst>
-              <a:ext uri="{FF2B5EF4-FFF2-40B4-BE49-F238E27FC236}">
-                <a16:creationId xmlns:a16="http://schemas.microsoft.com/office/drawing/2014/main" id="{581C5134-44EC-D849-A385-EC6761E9B636}"/>
-              </a:ext>
-            </a:extLst>
-          </p:cNvPr>
-          <p:cNvSpPr>
-            <a:spLocks noGrp="1"/>
-          </p:cNvSpPr>
-          <p:nvPr>
-            <p:ph type="title"/>
-          </p:nvPr>
-        </p:nvSpPr>
-        <p:spPr/>
-        <p:txBody>
-          <a:bodyPr/>
-          <a:lstStyle/>
-          <a:p>
-            <a:r>
-              <a:rPr lang="fr-FR"/>
-              <a:t>Loss-function of OLS</a:t>
-            </a:r>
-          </a:p>
-        </p:txBody>
-      </p:sp>
-      <p:sp>
-        <p:nvSpPr>
-          <p:cNvPr id="3" name="Rectangle 2">
-            <a:extLst>
-              <a:ext uri="{FF2B5EF4-FFF2-40B4-BE49-F238E27FC236}">
-                <a16:creationId xmlns:a16="http://schemas.microsoft.com/office/drawing/2014/main" id="{42C66052-4222-6F4D-BF57-369BE8E70489}"/>
-              </a:ext>
-            </a:extLst>
-          </p:cNvPr>
-          <p:cNvSpPr/>
-          <p:nvPr/>
-        </p:nvSpPr>
-        <p:spPr>
-          <a:xfrm>
-            <a:off x="3155611" y="3244334"/>
-            <a:ext cx="5880777" cy="369332"/>
-          </a:xfrm>
-          <a:prstGeom prst="rect">
-            <a:avLst/>
-          </a:prstGeom>
-        </p:spPr>
-        <p:txBody>
-          <a:bodyPr wrap="none">
-            <a:spAutoFit/>
-          </a:bodyPr>
-          <a:lstStyle/>
-          <a:p>
-            <a:r>
-              <a:rPr lang="en-US">
-                <a:hlinkClick r:id="rId2"/>
-              </a:rPr>
-              <a:t>https://blog.algorithmia.com/introduction-to-loss-functions/</a:t>
-            </a:r>
-            <a:endParaRPr lang="fr-FR"/>
-          </a:p>
-        </p:txBody>
-      </p:sp>
-    </p:spTree>
-    <p:extLst>
-      <p:ext uri="{BB962C8B-B14F-4D97-AF65-F5344CB8AC3E}">
-        <p14:creationId xmlns:p14="http://schemas.microsoft.com/office/powerpoint/2010/main" val="1512649005"/>
-      </p:ext>
-    </p:extLst>
-  </p:cSld>
-  <p:clrMapOvr>
-    <a:masterClrMapping/>
-  </p:clrMapOvr>
-</p:sld>
-</file>
-
 <file path=ppt/slides/slide39.xml><?xml version="1.0" encoding="utf-8"?>
 <p:sld xmlns:a="http://schemas.openxmlformats.org/drawingml/2006/main" xmlns:r="http://schemas.openxmlformats.org/officeDocument/2006/relationships" xmlns:p="http://schemas.openxmlformats.org/presentationml/2006/main">
   <p:cSld>
@@ -11222,7 +11296,7 @@
           <p:cNvPr id="2" name="Title 1">
             <a:extLst>
               <a:ext uri="{FF2B5EF4-FFF2-40B4-BE49-F238E27FC236}">
-                <a16:creationId xmlns:a16="http://schemas.microsoft.com/office/drawing/2014/main" id="{A7266FD5-6FB9-F14B-9F3B-A3B9F3D3DDCB}"/>
+                <a16:creationId xmlns:a16="http://schemas.microsoft.com/office/drawing/2014/main" id="{581C5134-44EC-D849-A385-EC6761E9B636}"/>
               </a:ext>
             </a:extLst>
           </p:cNvPr>
@@ -11240,32 +11314,44 @@
           <a:p>
             <a:r>
               <a:rPr lang="fr-FR"/>
-              <a:t>Les 5 hypothèses de la régression linéaire</a:t>
-            </a:r>
-          </a:p>
-        </p:txBody>
-      </p:sp>
-      <p:sp>
-        <p:nvSpPr>
-          <p:cNvPr id="3" name="Text Placeholder 2">
-            <a:extLst>
-              <a:ext uri="{FF2B5EF4-FFF2-40B4-BE49-F238E27FC236}">
-                <a16:creationId xmlns:a16="http://schemas.microsoft.com/office/drawing/2014/main" id="{A38E50CB-86CC-9046-82B5-7836DB3359F3}"/>
-              </a:ext>
-            </a:extLst>
-          </p:cNvPr>
-          <p:cNvSpPr>
-            <a:spLocks noGrp="1"/>
-          </p:cNvSpPr>
-          <p:nvPr>
-            <p:ph type="body" idx="1"/>
-          </p:nvPr>
-        </p:nvSpPr>
-        <p:spPr/>
-        <p:txBody>
-          <a:bodyPr/>
+              <a:t>Loss-function of OLS</a:t>
+            </a:r>
+          </a:p>
+        </p:txBody>
+      </p:sp>
+      <p:sp>
+        <p:nvSpPr>
+          <p:cNvPr id="3" name="Rectangle 2">
+            <a:extLst>
+              <a:ext uri="{FF2B5EF4-FFF2-40B4-BE49-F238E27FC236}">
+                <a16:creationId xmlns:a16="http://schemas.microsoft.com/office/drawing/2014/main" id="{42C66052-4222-6F4D-BF57-369BE8E70489}"/>
+              </a:ext>
+            </a:extLst>
+          </p:cNvPr>
+          <p:cNvSpPr/>
+          <p:nvPr/>
+        </p:nvSpPr>
+        <p:spPr>
+          <a:xfrm>
+            <a:off x="3155611" y="3244334"/>
+            <a:ext cx="5880777" cy="369332"/>
+          </a:xfrm>
+          <a:prstGeom prst="rect">
+            <a:avLst/>
+          </a:prstGeom>
+        </p:spPr>
+        <p:txBody>
+          <a:bodyPr wrap="none">
+            <a:spAutoFit/>
+          </a:bodyPr>
           <a:lstStyle/>
           <a:p>
+            <a:r>
+              <a:rPr lang="en-US">
+                <a:hlinkClick r:id="rId2"/>
+              </a:rPr>
+              <a:t>https://blog.algorithmia.com/introduction-to-loss-functions/</a:t>
+            </a:r>
             <a:endParaRPr lang="fr-FR"/>
           </a:p>
         </p:txBody>
@@ -11273,7 +11359,7 @@
     </p:spTree>
     <p:extLst>
       <p:ext uri="{BB962C8B-B14F-4D97-AF65-F5344CB8AC3E}">
-        <p14:creationId xmlns:p14="http://schemas.microsoft.com/office/powerpoint/2010/main" val="3737120691"/>
+        <p14:creationId xmlns:p14="http://schemas.microsoft.com/office/powerpoint/2010/main" val="1512649005"/>
       </p:ext>
     </p:extLst>
   </p:cSld>
@@ -11302,10 +11388,10 @@
       </p:grpSpPr>
       <p:pic>
         <p:nvPicPr>
-          <p:cNvPr id="5" name="Picture 4">
-            <a:extLst>
-              <a:ext uri="{FF2B5EF4-FFF2-40B4-BE49-F238E27FC236}">
-                <a16:creationId xmlns:a16="http://schemas.microsoft.com/office/drawing/2014/main" id="{EB285EC7-159E-D247-A028-E2544B7D1B69}"/>
+          <p:cNvPr id="9" name="Picture 8">
+            <a:extLst>
+              <a:ext uri="{FF2B5EF4-FFF2-40B4-BE49-F238E27FC236}">
+                <a16:creationId xmlns:a16="http://schemas.microsoft.com/office/drawing/2014/main" id="{49D9F8DE-A43A-EA46-8268-5E4E06684519}"/>
               </a:ext>
             </a:extLst>
           </p:cNvPr>
@@ -11322,8 +11408,8 @@
         </p:blipFill>
         <p:spPr>
           <a:xfrm>
-            <a:off x="457610" y="1804635"/>
-            <a:ext cx="5983224" cy="3321756"/>
+            <a:off x="6005836" y="2373809"/>
+            <a:ext cx="6096000" cy="3365500"/>
           </a:xfrm>
           <a:prstGeom prst="rect">
             <a:avLst/>
@@ -11332,38 +11418,10 @@
       </p:pic>
       <p:sp>
         <p:nvSpPr>
-          <p:cNvPr id="2" name="Title 1">
-            <a:extLst>
-              <a:ext uri="{FF2B5EF4-FFF2-40B4-BE49-F238E27FC236}">
-                <a16:creationId xmlns:a16="http://schemas.microsoft.com/office/drawing/2014/main" id="{B92B9A70-DAB4-CF45-BE44-31ECE380CB0C}"/>
-              </a:ext>
-            </a:extLst>
-          </p:cNvPr>
-          <p:cNvSpPr>
-            <a:spLocks noGrp="1"/>
-          </p:cNvSpPr>
-          <p:nvPr>
-            <p:ph type="title"/>
-          </p:nvPr>
-        </p:nvSpPr>
-        <p:spPr/>
-        <p:txBody>
-          <a:bodyPr/>
-          <a:lstStyle/>
-          <a:p>
-            <a:r>
-              <a:rPr lang="fr-FR"/>
-              <a:t>Corrélation de Pearson</a:t>
-            </a:r>
-          </a:p>
-        </p:txBody>
-      </p:sp>
-      <p:sp>
-        <p:nvSpPr>
-          <p:cNvPr id="3" name="TextBox 2">
-            <a:extLst>
-              <a:ext uri="{FF2B5EF4-FFF2-40B4-BE49-F238E27FC236}">
-                <a16:creationId xmlns:a16="http://schemas.microsoft.com/office/drawing/2014/main" id="{502A5998-1F27-B04B-A87D-0895387C995F}"/>
+          <p:cNvPr id="7" name="TextBox 6">
+            <a:extLst>
+              <a:ext uri="{FF2B5EF4-FFF2-40B4-BE49-F238E27FC236}">
+                <a16:creationId xmlns:a16="http://schemas.microsoft.com/office/drawing/2014/main" id="{0D7C3833-BDDD-DF40-9F01-5B1AD9D14CCE}"/>
               </a:ext>
             </a:extLst>
           </p:cNvPr>
@@ -11372,8 +11430,120 @@
         </p:nvSpPr>
         <p:spPr>
           <a:xfrm>
-            <a:off x="6583680" y="1898834"/>
-            <a:ext cx="5608320" cy="2308324"/>
+            <a:off x="236465" y="2226310"/>
+            <a:ext cx="5623229" cy="3416320"/>
+          </a:xfrm>
+          <a:prstGeom prst="rect">
+            <a:avLst/>
+          </a:prstGeom>
+          <a:noFill/>
+          <a:ln>
+            <a:solidFill>
+              <a:srgbClr val="FF0000"/>
+            </a:solidFill>
+          </a:ln>
+        </p:spPr>
+        <p:txBody>
+          <a:bodyPr wrap="square" rtlCol="0">
+            <a:spAutoFit/>
+          </a:bodyPr>
+          <a:lstStyle/>
+          <a:p>
+            <a:pPr marL="285750" indent="-285750">
+              <a:buFont typeface="Arial" panose="020B0604020202020204" pitchFamily="34" charset="0"/>
+              <a:buChar char="•"/>
+            </a:pPr>
+            <a:r>
+              <a:rPr lang="en-US"/>
+              <a:t>Le coefficient de correlation est toujours compris entre -1 et 1</a:t>
+            </a:r>
+          </a:p>
+          <a:p>
+            <a:pPr marL="285750" indent="-285750">
+              <a:buFont typeface="Arial" panose="020B0604020202020204" pitchFamily="34" charset="0"/>
+              <a:buChar char="•"/>
+            </a:pPr>
+            <a:r>
+              <a:rPr lang="en-US"/>
+              <a:t>Lorsque le coefficient est positif, les 2 variables varient de la meme façon </a:t>
+            </a:r>
+          </a:p>
+          <a:p>
+            <a:pPr marL="285750" indent="-285750">
+              <a:buFont typeface="Arial" panose="020B0604020202020204" pitchFamily="34" charset="0"/>
+              <a:buChar char="•"/>
+            </a:pPr>
+            <a:r>
+              <a:rPr lang="en-US"/>
+              <a:t>Lorsque le coefficient est négatif, les 2 variables varient de façon opposée</a:t>
+            </a:r>
+          </a:p>
+          <a:p>
+            <a:pPr marL="285750" indent="-285750">
+              <a:buFont typeface="Arial" panose="020B0604020202020204" pitchFamily="34" charset="0"/>
+              <a:buChar char="•"/>
+            </a:pPr>
+            <a:r>
+              <a:rPr lang="en-US"/>
+              <a:t>Une corrélation nulle (=0) indique que les 2 variables sont </a:t>
+            </a:r>
+            <a:r>
+              <a:rPr lang="en-US" u="sng"/>
+              <a:t>indépendantes</a:t>
+            </a:r>
+            <a:r>
+              <a:rPr lang="en-US"/>
+              <a:t> l'une de l'autre</a:t>
+            </a:r>
+          </a:p>
+          <a:p>
+            <a:pPr marL="285750" indent="-285750">
+              <a:buFont typeface="Arial" panose="020B0604020202020204" pitchFamily="34" charset="0"/>
+              <a:buChar char="•"/>
+            </a:pPr>
+            <a:r>
+              <a:rPr lang="en-US"/>
+              <a:t>La corrélation d'une variable avec elle-meme est toujours =1: corr(x,x)=1</a:t>
+            </a:r>
+          </a:p>
+          <a:p>
+            <a:pPr marL="285750" indent="-285750">
+              <a:buFont typeface="Arial" panose="020B0604020202020204" pitchFamily="34" charset="0"/>
+              <a:buChar char="•"/>
+            </a:pPr>
+            <a:r>
+              <a:rPr lang="en-US"/>
+              <a:t>La corrélation est symétrique: corr(x,y)=corr(y,x)</a:t>
+            </a:r>
+          </a:p>
+          <a:p>
+            <a:pPr marL="285750" indent="-285750">
+              <a:buFont typeface="Arial" panose="020B0604020202020204" pitchFamily="34" charset="0"/>
+              <a:buChar char="•"/>
+            </a:pPr>
+            <a:r>
+              <a:rPr lang="en-US"/>
+              <a:t>Différentes corrélations: Pearson, Spearman, Kendall</a:t>
+            </a:r>
+          </a:p>
+        </p:txBody>
+      </p:sp>
+      <p:sp>
+        <p:nvSpPr>
+          <p:cNvPr id="5" name="TextBox 4">
+            <a:extLst>
+              <a:ext uri="{FF2B5EF4-FFF2-40B4-BE49-F238E27FC236}">
+                <a16:creationId xmlns:a16="http://schemas.microsoft.com/office/drawing/2014/main" id="{8B092079-A663-5543-80A2-101EEF73438E}"/>
+              </a:ext>
+            </a:extLst>
+          </p:cNvPr>
+          <p:cNvSpPr txBox="1"/>
+          <p:nvPr/>
+        </p:nvSpPr>
+        <p:spPr>
+          <a:xfrm>
+            <a:off x="236465" y="932938"/>
+            <a:ext cx="3803605" cy="369332"/>
           </a:xfrm>
           <a:prstGeom prst="rect">
             <a:avLst/>
@@ -11381,54 +11551,79 @@
           <a:noFill/>
         </p:spPr>
         <p:txBody>
-          <a:bodyPr wrap="square" rtlCol="0">
+          <a:bodyPr wrap="none" rtlCol="0">
             <a:spAutoFit/>
           </a:bodyPr>
           <a:lstStyle/>
           <a:p>
             <a:r>
-              <a:rPr lang="en-US" b="1"/>
-              <a:t>Hypothèses</a:t>
-            </a:r>
-          </a:p>
-          <a:p>
-            <a:pPr marL="285750" indent="-285750">
-              <a:buFont typeface="Arial" panose="020B0604020202020204" pitchFamily="34" charset="0"/>
-              <a:buChar char="•"/>
-            </a:pPr>
-            <a:r>
-              <a:rPr lang="en-US"/>
-              <a:t>Il y a une relation linéaire entre les variables x et y: y=ax+b</a:t>
-            </a:r>
-          </a:p>
-          <a:p>
-            <a:pPr marL="285750" indent="-285750">
-              <a:buFont typeface="Arial" panose="020B0604020202020204" pitchFamily="34" charset="0"/>
-              <a:buChar char="•"/>
-            </a:pPr>
-            <a:r>
-              <a:rPr lang="en-US"/>
-              <a:t>x et y sont normallement distribuées ~N(mu, sigma)</a:t>
-            </a:r>
-          </a:p>
-          <a:p>
-            <a:endParaRPr lang="en-US"/>
-          </a:p>
-          <a:p>
-            <a:r>
-              <a:rPr lang="en-US"/>
-              <a:t>Toutefois la corrélation de pearson est robuste vis a vis de ces hypothèses.</a:t>
-            </a:r>
-          </a:p>
-          <a:p>
-            <a:endParaRPr lang="fr-FR"/>
+              <a:rPr lang="fr-FR"/>
+              <a:t>Mesure de la relation entre 2 variables</a:t>
+            </a:r>
+          </a:p>
+        </p:txBody>
+      </p:sp>
+      <p:sp>
+        <p:nvSpPr>
+          <p:cNvPr id="6" name="Title 1">
+            <a:extLst>
+              <a:ext uri="{FF2B5EF4-FFF2-40B4-BE49-F238E27FC236}">
+                <a16:creationId xmlns:a16="http://schemas.microsoft.com/office/drawing/2014/main" id="{F75FA960-88A5-4840-9507-F2F991D5F786}"/>
+              </a:ext>
+            </a:extLst>
+          </p:cNvPr>
+          <p:cNvSpPr txBox="1">
+            <a:spLocks/>
+          </p:cNvSpPr>
+          <p:nvPr/>
+        </p:nvSpPr>
+        <p:spPr>
+          <a:xfrm>
+            <a:off x="-10274" y="-5170"/>
+            <a:ext cx="12202274" cy="646331"/>
+          </a:xfrm>
+          <a:prstGeom prst="rect">
+            <a:avLst/>
+          </a:prstGeom>
+          <a:solidFill>
+            <a:srgbClr val="00FDFF"/>
+          </a:solidFill>
+        </p:spPr>
+        <p:txBody>
+          <a:bodyPr vert="horz" lIns="91440" tIns="45720" rIns="91440" bIns="45720" rtlCol="0" anchor="ctr">
+            <a:normAutofit fontScale="97500" lnSpcReduction="10000"/>
+          </a:bodyPr>
+          <a:lstStyle>
+            <a:lvl1pPr algn="l" defTabSz="914400" rtl="0" eaLnBrk="1" latinLnBrk="0" hangingPunct="1">
+              <a:lnSpc>
+                <a:spcPct val="90000"/>
+              </a:lnSpc>
+              <a:spcBef>
+                <a:spcPct val="0"/>
+              </a:spcBef>
+              <a:buNone/>
+              <a:defRPr sz="4400" kern="1200">
+                <a:solidFill>
+                  <a:schemeClr val="tx1"/>
+                </a:solidFill>
+                <a:latin typeface="+mj-lt"/>
+                <a:ea typeface="+mj-ea"/>
+                <a:cs typeface="+mj-cs"/>
+              </a:defRPr>
+            </a:lvl1pPr>
+          </a:lstStyle>
+          <a:p>
+            <a:r>
+              <a:rPr lang="fr-FR"/>
+              <a:t>Corrélation</a:t>
+            </a:r>
           </a:p>
         </p:txBody>
       </p:sp>
     </p:spTree>
     <p:extLst>
       <p:ext uri="{BB962C8B-B14F-4D97-AF65-F5344CB8AC3E}">
-        <p14:creationId xmlns:p14="http://schemas.microsoft.com/office/powerpoint/2010/main" val="1430694284"/>
+        <p14:creationId xmlns:p14="http://schemas.microsoft.com/office/powerpoint/2010/main" val="3224848876"/>
       </p:ext>
     </p:extLst>
   </p:cSld>
@@ -11460,6 +11655,89 @@
           <p:cNvPr id="2" name="Title 1">
             <a:extLst>
               <a:ext uri="{FF2B5EF4-FFF2-40B4-BE49-F238E27FC236}">
+                <a16:creationId xmlns:a16="http://schemas.microsoft.com/office/drawing/2014/main" id="{A7266FD5-6FB9-F14B-9F3B-A3B9F3D3DDCB}"/>
+              </a:ext>
+            </a:extLst>
+          </p:cNvPr>
+          <p:cNvSpPr>
+            <a:spLocks noGrp="1"/>
+          </p:cNvSpPr>
+          <p:nvPr>
+            <p:ph type="title"/>
+          </p:nvPr>
+        </p:nvSpPr>
+        <p:spPr/>
+        <p:txBody>
+          <a:bodyPr/>
+          <a:lstStyle/>
+          <a:p>
+            <a:r>
+              <a:rPr lang="fr-FR"/>
+              <a:t>Les 5 hypothèses de la régression linéaire</a:t>
+            </a:r>
+          </a:p>
+        </p:txBody>
+      </p:sp>
+      <p:sp>
+        <p:nvSpPr>
+          <p:cNvPr id="3" name="Text Placeholder 2">
+            <a:extLst>
+              <a:ext uri="{FF2B5EF4-FFF2-40B4-BE49-F238E27FC236}">
+                <a16:creationId xmlns:a16="http://schemas.microsoft.com/office/drawing/2014/main" id="{A38E50CB-86CC-9046-82B5-7836DB3359F3}"/>
+              </a:ext>
+            </a:extLst>
+          </p:cNvPr>
+          <p:cNvSpPr>
+            <a:spLocks noGrp="1"/>
+          </p:cNvSpPr>
+          <p:nvPr>
+            <p:ph type="body" idx="1"/>
+          </p:nvPr>
+        </p:nvSpPr>
+        <p:spPr/>
+        <p:txBody>
+          <a:bodyPr/>
+          <a:lstStyle/>
+          <a:p>
+            <a:endParaRPr lang="fr-FR"/>
+          </a:p>
+        </p:txBody>
+      </p:sp>
+    </p:spTree>
+    <p:extLst>
+      <p:ext uri="{BB962C8B-B14F-4D97-AF65-F5344CB8AC3E}">
+        <p14:creationId xmlns:p14="http://schemas.microsoft.com/office/powerpoint/2010/main" val="3737120691"/>
+      </p:ext>
+    </p:extLst>
+  </p:cSld>
+  <p:clrMapOvr>
+    <a:masterClrMapping/>
+  </p:clrMapOvr>
+</p:sld>
+</file>
+
+<file path=ppt/slides/slide41.xml><?xml version="1.0" encoding="utf-8"?>
+<p:sld xmlns:a="http://schemas.openxmlformats.org/drawingml/2006/main" xmlns:r="http://schemas.openxmlformats.org/officeDocument/2006/relationships" xmlns:p="http://schemas.openxmlformats.org/presentationml/2006/main">
+  <p:cSld>
+    <p:spTree>
+      <p:nvGrpSpPr>
+        <p:cNvPr id="1" name=""/>
+        <p:cNvGrpSpPr/>
+        <p:nvPr/>
+      </p:nvGrpSpPr>
+      <p:grpSpPr>
+        <a:xfrm>
+          <a:off x="0" y="0"/>
+          <a:ext cx="0" cy="0"/>
+          <a:chOff x="0" y="0"/>
+          <a:chExt cx="0" cy="0"/>
+        </a:xfrm>
+      </p:grpSpPr>
+      <p:sp>
+        <p:nvSpPr>
+          <p:cNvPr id="2" name="Title 1">
+            <a:extLst>
+              <a:ext uri="{FF2B5EF4-FFF2-40B4-BE49-F238E27FC236}">
                 <a16:creationId xmlns:a16="http://schemas.microsoft.com/office/drawing/2014/main" id="{A9A1AB47-D94F-274F-9804-BBECF6659BE0}"/>
               </a:ext>
             </a:extLst>
@@ -11671,7 +11949,7 @@
 </p:sld>
 </file>
 
-<file path=ppt/slides/slide41.xml><?xml version="1.0" encoding="utf-8"?>
+<file path=ppt/slides/slide42.xml><?xml version="1.0" encoding="utf-8"?>
 <p:sld xmlns:a="http://schemas.openxmlformats.org/drawingml/2006/main" xmlns:r="http://schemas.openxmlformats.org/officeDocument/2006/relationships" xmlns:p="http://schemas.openxmlformats.org/presentationml/2006/main">
   <p:cSld>
     <p:spTree>
@@ -11951,396 +12229,6 @@
 </p:sld>
 </file>
 
-<file path=ppt/slides/slide42.xml><?xml version="1.0" encoding="utf-8"?>
-<p:sld xmlns:a="http://schemas.openxmlformats.org/drawingml/2006/main" xmlns:r="http://schemas.openxmlformats.org/officeDocument/2006/relationships" xmlns:p="http://schemas.openxmlformats.org/presentationml/2006/main">
-  <p:cSld>
-    <p:spTree>
-      <p:nvGrpSpPr>
-        <p:cNvPr id="1" name=""/>
-        <p:cNvGrpSpPr/>
-        <p:nvPr/>
-      </p:nvGrpSpPr>
-      <p:grpSpPr>
-        <a:xfrm>
-          <a:off x="0" y="0"/>
-          <a:ext cx="0" cy="0"/>
-          <a:chOff x="0" y="0"/>
-          <a:chExt cx="0" cy="0"/>
-        </a:xfrm>
-      </p:grpSpPr>
-      <p:sp>
-        <p:nvSpPr>
-          <p:cNvPr id="2" name="Title 1">
-            <a:extLst>
-              <a:ext uri="{FF2B5EF4-FFF2-40B4-BE49-F238E27FC236}">
-                <a16:creationId xmlns:a16="http://schemas.microsoft.com/office/drawing/2014/main" id="{6B29835F-D36F-9F4B-8D52-C6FF4763E796}"/>
-              </a:ext>
-            </a:extLst>
-          </p:cNvPr>
-          <p:cNvSpPr>
-            <a:spLocks noGrp="1"/>
-          </p:cNvSpPr>
-          <p:nvPr>
-            <p:ph type="title"/>
-          </p:nvPr>
-        </p:nvSpPr>
-        <p:spPr/>
-        <p:txBody>
-          <a:bodyPr/>
-          <a:lstStyle/>
-          <a:p>
-            <a:r>
-              <a:rPr lang="fr-FR"/>
-              <a:t>Multi-Collinéarité</a:t>
-            </a:r>
-          </a:p>
-        </p:txBody>
-      </p:sp>
-      <p:sp>
-        <p:nvSpPr>
-          <p:cNvPr id="3" name="TextBox 2">
-            <a:extLst>
-              <a:ext uri="{FF2B5EF4-FFF2-40B4-BE49-F238E27FC236}">
-                <a16:creationId xmlns:a16="http://schemas.microsoft.com/office/drawing/2014/main" id="{ADF2C3B3-C7DB-9343-BDC2-9B9758CD6DB1}"/>
-              </a:ext>
-            </a:extLst>
-          </p:cNvPr>
-          <p:cNvSpPr txBox="1"/>
-          <p:nvPr/>
-        </p:nvSpPr>
-        <p:spPr>
-          <a:xfrm>
-            <a:off x="1207008" y="2157984"/>
-            <a:ext cx="5461688" cy="923330"/>
-          </a:xfrm>
-          <a:prstGeom prst="rect">
-            <a:avLst/>
-          </a:prstGeom>
-          <a:noFill/>
-        </p:spPr>
-        <p:txBody>
-          <a:bodyPr wrap="none" rtlCol="0">
-            <a:spAutoFit/>
-          </a:bodyPr>
-          <a:lstStyle/>
-          <a:p>
-            <a:pPr marL="285750" indent="-285750">
-              <a:buFont typeface="Arial" panose="020B0604020202020204" pitchFamily="34" charset="0"/>
-              <a:buChar char="•"/>
-            </a:pPr>
-            <a:r>
-              <a:rPr lang="fr-FR"/>
-              <a:t>Les predicteurs sont corrélés – matrice de corrélation</a:t>
-            </a:r>
-          </a:p>
-          <a:p>
-            <a:pPr marL="285750" indent="-285750">
-              <a:buFont typeface="Arial" panose="020B0604020202020204" pitchFamily="34" charset="0"/>
-              <a:buChar char="•"/>
-            </a:pPr>
-            <a:r>
-              <a:rPr lang="fr-FR"/>
-              <a:t>Un facteur caché est commun a 2 predicteurs </a:t>
-            </a:r>
-          </a:p>
-          <a:p>
-            <a:pPr marL="285750" indent="-285750">
-              <a:buFont typeface="Arial" panose="020B0604020202020204" pitchFamily="34" charset="0"/>
-              <a:buChar char="•"/>
-            </a:pPr>
-            <a:endParaRPr lang="fr-FR"/>
-          </a:p>
-        </p:txBody>
-      </p:sp>
-      <p:sp>
-        <p:nvSpPr>
-          <p:cNvPr id="4" name="TextBox 3">
-            <a:extLst>
-              <a:ext uri="{FF2B5EF4-FFF2-40B4-BE49-F238E27FC236}">
-                <a16:creationId xmlns:a16="http://schemas.microsoft.com/office/drawing/2014/main" id="{EAFB3B32-DB97-7D40-9082-294410B63B17}"/>
-              </a:ext>
-            </a:extLst>
-          </p:cNvPr>
-          <p:cNvSpPr txBox="1"/>
-          <p:nvPr/>
-        </p:nvSpPr>
-        <p:spPr>
-          <a:xfrm>
-            <a:off x="6812280" y="2221992"/>
-            <a:ext cx="4809744" cy="2585323"/>
-          </a:xfrm>
-          <a:prstGeom prst="rect">
-            <a:avLst/>
-          </a:prstGeom>
-          <a:noFill/>
-        </p:spPr>
-        <p:txBody>
-          <a:bodyPr wrap="square" rtlCol="0">
-            <a:spAutoFit/>
-          </a:bodyPr>
-          <a:lstStyle/>
-          <a:p>
-            <a:r>
-              <a:rPr lang="fr-FR"/>
-              <a:t>Detection: </a:t>
-            </a:r>
-          </a:p>
-          <a:p>
-            <a:pPr marL="285750" indent="-285750">
-              <a:buFont typeface="Arial" panose="020B0604020202020204" pitchFamily="34" charset="0"/>
-              <a:buChar char="•"/>
-            </a:pPr>
-            <a:r>
-              <a:rPr lang="en-US" b="1"/>
-              <a:t>Condition Number </a:t>
-            </a:r>
-            <a:r>
-              <a:rPr lang="en-US"/>
-              <a:t>(pour des variables normalisées):</a:t>
-            </a:r>
-          </a:p>
-          <a:p>
-            <a:pPr marL="742950" lvl="1" indent="-285750">
-              <a:buFont typeface="Arial" panose="020B0604020202020204" pitchFamily="34" charset="0"/>
-              <a:buChar char="•"/>
-            </a:pPr>
-            <a:r>
-              <a:rPr lang="en-US"/>
-              <a:t>valeur &lt; 20</a:t>
-            </a:r>
-          </a:p>
-          <a:p>
-            <a:pPr marL="742950" lvl="1" indent="-285750">
-              <a:buFont typeface="Arial" panose="020B0604020202020204" pitchFamily="34" charset="0"/>
-              <a:buChar char="•"/>
-            </a:pPr>
-            <a:endParaRPr lang="en-US" b="1"/>
-          </a:p>
-          <a:p>
-            <a:pPr marL="285750" indent="-285750">
-              <a:buFont typeface="Arial" panose="020B0604020202020204" pitchFamily="34" charset="0"/>
-              <a:buChar char="•"/>
-            </a:pPr>
-            <a:r>
-              <a:rPr lang="en-US" b="1"/>
-              <a:t>Variance Inflation Factor (VIF)</a:t>
-            </a:r>
-          </a:p>
-          <a:p>
-            <a:pPr marL="285750" indent="-285750">
-              <a:buFont typeface="Arial" panose="020B0604020202020204" pitchFamily="34" charset="0"/>
-              <a:buChar char="•"/>
-            </a:pPr>
-            <a:r>
-              <a:rPr lang="en-US"/>
-              <a:t>mesure le degré de multi collinéarité due a l'ajout d'un nouveau prédicteur</a:t>
-            </a:r>
-            <a:br>
-              <a:rPr lang="en-US"/>
-            </a:br>
-            <a:endParaRPr lang="fr-FR"/>
-          </a:p>
-        </p:txBody>
-      </p:sp>
-      <p:sp>
-        <p:nvSpPr>
-          <p:cNvPr id="5" name="Rectangle 4">
-            <a:extLst>
-              <a:ext uri="{FF2B5EF4-FFF2-40B4-BE49-F238E27FC236}">
-                <a16:creationId xmlns:a16="http://schemas.microsoft.com/office/drawing/2014/main" id="{B889B880-F93D-DB4C-B3FF-96B3611D6A2B}"/>
-              </a:ext>
-            </a:extLst>
-          </p:cNvPr>
-          <p:cNvSpPr/>
-          <p:nvPr/>
-        </p:nvSpPr>
-        <p:spPr>
-          <a:xfrm>
-            <a:off x="294132" y="5014252"/>
-            <a:ext cx="11603736" cy="1477328"/>
-          </a:xfrm>
-          <a:prstGeom prst="rect">
-            <a:avLst/>
-          </a:prstGeom>
-          <a:solidFill>
-            <a:schemeClr val="tx1"/>
-          </a:solidFill>
-        </p:spPr>
-        <p:txBody>
-          <a:bodyPr wrap="square">
-            <a:spAutoFit/>
-          </a:bodyPr>
-          <a:lstStyle/>
-          <a:p>
-            <a:r>
-              <a:rPr lang="en-US">
-                <a:solidFill>
-                  <a:srgbClr val="FE4481"/>
-                </a:solidFill>
-                <a:effectLst/>
-                <a:highlight>
-                  <a:srgbClr val="000000"/>
-                </a:highlight>
-                <a:latin typeface="Courier New" panose="02070309020205020404" pitchFamily="49" charset="0"/>
-                <a:cs typeface="Courier New" panose="02070309020205020404" pitchFamily="49" charset="0"/>
-              </a:rPr>
-              <a:t>from</a:t>
-            </a:r>
-            <a:r>
-              <a:rPr lang="en-US">
-                <a:solidFill>
-                  <a:srgbClr val="F8F8F2"/>
-                </a:solidFill>
-                <a:effectLst/>
-                <a:highlight>
-                  <a:srgbClr val="000000"/>
-                </a:highlight>
-                <a:latin typeface="Courier New" panose="02070309020205020404" pitchFamily="49" charset="0"/>
-                <a:cs typeface="Courier New" panose="02070309020205020404" pitchFamily="49" charset="0"/>
-              </a:rPr>
-              <a:t> statsmodels.stats.outliers_influence </a:t>
-            </a:r>
-            <a:r>
-              <a:rPr lang="en-US">
-                <a:solidFill>
-                  <a:srgbClr val="FE4481"/>
-                </a:solidFill>
-                <a:effectLst/>
-                <a:highlight>
-                  <a:srgbClr val="000000"/>
-                </a:highlight>
-                <a:latin typeface="Courier New" panose="02070309020205020404" pitchFamily="49" charset="0"/>
-                <a:cs typeface="Courier New" panose="02070309020205020404" pitchFamily="49" charset="0"/>
-              </a:rPr>
-              <a:t>import</a:t>
-            </a:r>
-            <a:r>
-              <a:rPr lang="en-US">
-                <a:solidFill>
-                  <a:srgbClr val="F8F8F2"/>
-                </a:solidFill>
-                <a:effectLst/>
-                <a:highlight>
-                  <a:srgbClr val="000000"/>
-                </a:highlight>
-                <a:latin typeface="Courier New" panose="02070309020205020404" pitchFamily="49" charset="0"/>
-                <a:cs typeface="Courier New" panose="02070309020205020404" pitchFamily="49" charset="0"/>
-              </a:rPr>
-              <a:t> variance_inflation_factor </a:t>
-            </a:r>
-            <a:r>
-              <a:rPr lang="en-US">
-                <a:solidFill>
-                  <a:srgbClr val="FE4481"/>
-                </a:solidFill>
-                <a:effectLst/>
-                <a:highlight>
-                  <a:srgbClr val="000000"/>
-                </a:highlight>
-                <a:latin typeface="Courier New" panose="02070309020205020404" pitchFamily="49" charset="0"/>
-                <a:cs typeface="Courier New" panose="02070309020205020404" pitchFamily="49" charset="0"/>
-              </a:rPr>
-              <a:t>as</a:t>
-            </a:r>
-            <a:r>
-              <a:rPr lang="en-US">
-                <a:solidFill>
-                  <a:srgbClr val="F8F8F2"/>
-                </a:solidFill>
-                <a:effectLst/>
-                <a:highlight>
-                  <a:srgbClr val="000000"/>
-                </a:highlight>
-                <a:latin typeface="Courier New" panose="02070309020205020404" pitchFamily="49" charset="0"/>
-                <a:cs typeface="Courier New" panose="02070309020205020404" pitchFamily="49" charset="0"/>
-              </a:rPr>
-              <a:t> vif</a:t>
-            </a:r>
-          </a:p>
-          <a:p>
-            <a:r>
-              <a:rPr lang="en-US">
-                <a:solidFill>
-                  <a:srgbClr val="F8F8F2"/>
-                </a:solidFill>
-                <a:effectLst/>
-                <a:highlight>
-                  <a:srgbClr val="000000"/>
-                </a:highlight>
-                <a:latin typeface="Courier New" panose="02070309020205020404" pitchFamily="49" charset="0"/>
-                <a:cs typeface="Courier New" panose="02070309020205020404" pitchFamily="49" charset="0"/>
-              </a:rPr>
-              <a:t>vif(df[['TV', 'Radio', 'Newspaper']].values, 0)</a:t>
-            </a:r>
-          </a:p>
-          <a:p>
-            <a:r>
-              <a:rPr lang="en-US">
-                <a:solidFill>
-                  <a:srgbClr val="F8F8F2"/>
-                </a:solidFill>
-                <a:effectLst/>
-                <a:highlight>
-                  <a:srgbClr val="000000"/>
-                </a:highlight>
-                <a:latin typeface="Courier New" panose="02070309020205020404" pitchFamily="49" charset="0"/>
-                <a:cs typeface="Courier New" panose="02070309020205020404" pitchFamily="49" charset="0"/>
-              </a:rPr>
-              <a:t>&gt; 0.247</a:t>
-            </a:r>
-          </a:p>
-          <a:p>
-            <a:r>
-              <a:rPr lang="en-US">
-                <a:solidFill>
-                  <a:srgbClr val="F8F8F2"/>
-                </a:solidFill>
-                <a:highlight>
-                  <a:srgbClr val="000000"/>
-                </a:highlight>
-                <a:latin typeface="Courier New" panose="02070309020205020404" pitchFamily="49" charset="0"/>
-                <a:cs typeface="Courier New" panose="02070309020205020404" pitchFamily="49" charset="0"/>
-              </a:rPr>
-              <a:t>vif(df[['TV', 'Radio', 'Newspaper']].values, 2)</a:t>
-            </a:r>
-          </a:p>
-          <a:p>
-            <a:r>
-              <a:rPr lang="en-US">
-                <a:solidFill>
-                  <a:srgbClr val="F8F8F2"/>
-                </a:solidFill>
-                <a:highlight>
-                  <a:srgbClr val="000000"/>
-                </a:highlight>
-                <a:latin typeface="Courier New" panose="02070309020205020404" pitchFamily="49" charset="0"/>
-                <a:cs typeface="Courier New" panose="02070309020205020404" pitchFamily="49" charset="0"/>
-              </a:rPr>
-              <a:t>&gt; 3.055</a:t>
-            </a:r>
-            <a:endParaRPr lang="fr-FR">
-              <a:highlight>
-                <a:srgbClr val="000000"/>
-              </a:highlight>
-              <a:latin typeface="Courier New" panose="02070309020205020404" pitchFamily="49" charset="0"/>
-              <a:cs typeface="Courier New" panose="02070309020205020404" pitchFamily="49" charset="0"/>
-            </a:endParaRPr>
-          </a:p>
-        </p:txBody>
-      </p:sp>
-    </p:spTree>
-    <p:extLst>
-      <p:ext uri="{BB962C8B-B14F-4D97-AF65-F5344CB8AC3E}">
-        <p14:creationId xmlns:p14="http://schemas.microsoft.com/office/powerpoint/2010/main" val="598531051"/>
-      </p:ext>
-    </p:extLst>
-  </p:cSld>
-  <p:clrMapOvr>
-    <a:masterClrMapping/>
-  </p:clrMapOvr>
-</p:sld>
-</file>
-
 <file path=ppt/slides/slide43.xml><?xml version="1.0" encoding="utf-8"?>
 <p:sld xmlns:a="http://schemas.openxmlformats.org/drawingml/2006/main" xmlns:r="http://schemas.openxmlformats.org/officeDocument/2006/relationships" xmlns:p="http://schemas.openxmlformats.org/presentationml/2006/main">
   <p:cSld>
@@ -12363,7 +12251,7 @@
           <p:cNvPr id="2" name="Title 1">
             <a:extLst>
               <a:ext uri="{FF2B5EF4-FFF2-40B4-BE49-F238E27FC236}">
-                <a16:creationId xmlns:a16="http://schemas.microsoft.com/office/drawing/2014/main" id="{E63ADA51-8DA1-0C46-8629-E47004BE5916}"/>
+                <a16:creationId xmlns:a16="http://schemas.microsoft.com/office/drawing/2014/main" id="{6B29835F-D36F-9F4B-8D52-C6FF4763E796}"/>
               </a:ext>
             </a:extLst>
           </p:cNvPr>
@@ -12381,7 +12269,7 @@
           <a:p>
             <a:r>
               <a:rPr lang="fr-FR"/>
-              <a:t>Autocorrelation des résidus</a:t>
+              <a:t>Multi-Collinéarité</a:t>
             </a:r>
           </a:p>
         </p:txBody>
@@ -12391,7 +12279,7 @@
           <p:cNvPr id="3" name="TextBox 2">
             <a:extLst>
               <a:ext uri="{FF2B5EF4-FFF2-40B4-BE49-F238E27FC236}">
-                <a16:creationId xmlns:a16="http://schemas.microsoft.com/office/drawing/2014/main" id="{7E8E2AF4-C1B0-AC4C-8319-C8AAF0C3A1EB}"/>
+                <a16:creationId xmlns:a16="http://schemas.microsoft.com/office/drawing/2014/main" id="{ADF2C3B3-C7DB-9343-BDC2-9B9758CD6DB1}"/>
               </a:ext>
             </a:extLst>
           </p:cNvPr>
@@ -12400,8 +12288,8 @@
         </p:nvSpPr>
         <p:spPr>
           <a:xfrm>
-            <a:off x="1152144" y="3575304"/>
-            <a:ext cx="7481664" cy="2031325"/>
+            <a:off x="1207008" y="2157984"/>
+            <a:ext cx="5461688" cy="923330"/>
           </a:xfrm>
           <a:prstGeom prst="rect">
             <a:avLst/>
@@ -12414,33 +12302,13 @@
           </a:bodyPr>
           <a:lstStyle/>
           <a:p>
-            <a:r>
-              <a:rPr lang="en-US"/>
-              <a:t>The </a:t>
-            </a:r>
-            <a:r>
-              <a:rPr lang="en-US" b="1"/>
-              <a:t>Durbin Watson</a:t>
-            </a:r>
-            <a:r>
-              <a:rPr lang="en-US"/>
-              <a:t> statistic, is a direct test of the correlation of the residuals. </a:t>
-            </a:r>
-          </a:p>
-          <a:p>
-            <a:r>
-              <a:rPr lang="en-US"/>
-              <a:t>It takes a value from 0 to 4, where:</a:t>
-            </a:r>
-          </a:p>
-          <a:p>
             <a:pPr marL="285750" indent="-285750">
               <a:buFont typeface="Arial" panose="020B0604020202020204" pitchFamily="34" charset="0"/>
               <a:buChar char="•"/>
             </a:pPr>
             <a:r>
-              <a:rPr lang="en-US"/>
-              <a:t>2 means no autocorrelation.</a:t>
+              <a:rPr lang="fr-FR"/>
+              <a:t>Les predicteurs sont corrélés – matrice de corrélation</a:t>
             </a:r>
           </a:p>
           <a:p>
@@ -12449,8 +12317,8 @@
               <a:buChar char="•"/>
             </a:pPr>
             <a:r>
-              <a:rPr lang="en-US"/>
-              <a:t>0 to 2 means positive autocorrelation</a:t>
+              <a:rPr lang="fr-FR"/>
+              <a:t>Un facteur caché est commun a 2 predicteurs </a:t>
             </a:r>
           </a:p>
           <a:p>
@@ -12458,18 +12326,6 @@
               <a:buFont typeface="Arial" panose="020B0604020202020204" pitchFamily="34" charset="0"/>
               <a:buChar char="•"/>
             </a:pPr>
-            <a:r>
-              <a:rPr lang="en-US"/>
-              <a:t>2 to 4 means negative autocorrelation.</a:t>
-            </a:r>
-          </a:p>
-          <a:p>
-            <a:r>
-              <a:rPr lang="en-US"/>
-              <a:t>As a rule of thumb values in the range of 1.5 to 2.5 are relatively normal.</a:t>
-            </a:r>
-          </a:p>
-          <a:p>
             <a:endParaRPr lang="fr-FR"/>
           </a:p>
         </p:txBody>
@@ -12479,7 +12335,7 @@
           <p:cNvPr id="4" name="TextBox 3">
             <a:extLst>
               <a:ext uri="{FF2B5EF4-FFF2-40B4-BE49-F238E27FC236}">
-                <a16:creationId xmlns:a16="http://schemas.microsoft.com/office/drawing/2014/main" id="{E57CA62E-D14A-5440-82D6-F3AE24339531}"/>
+                <a16:creationId xmlns:a16="http://schemas.microsoft.com/office/drawing/2014/main" id="{EAFB3B32-DB97-7D40-9082-294410B63B17}"/>
               </a:ext>
             </a:extLst>
           </p:cNvPr>
@@ -12488,8 +12344,8 @@
         </p:nvSpPr>
         <p:spPr>
           <a:xfrm>
-            <a:off x="1152144" y="1506022"/>
-            <a:ext cx="2777940" cy="1200329"/>
+            <a:off x="6812280" y="2221992"/>
+            <a:ext cx="4809744" cy="2585323"/>
           </a:xfrm>
           <a:prstGeom prst="rect">
             <a:avLst/>
@@ -12497,34 +12353,263 @@
           <a:noFill/>
         </p:spPr>
         <p:txBody>
-          <a:bodyPr wrap="none" rtlCol="0">
+          <a:bodyPr wrap="square" rtlCol="0">
             <a:spAutoFit/>
           </a:bodyPr>
           <a:lstStyle/>
           <a:p>
             <a:r>
               <a:rPr lang="fr-FR"/>
-              <a:t>e_i = \hat{y_i} – y_i</a:t>
-            </a:r>
-          </a:p>
-          <a:p>
+              <a:t>Detection: </a:t>
+            </a:r>
+          </a:p>
+          <a:p>
+            <a:pPr marL="285750" indent="-285750">
+              <a:buFont typeface="Arial" panose="020B0604020202020204" pitchFamily="34" charset="0"/>
+              <a:buChar char="•"/>
+            </a:pPr>
+            <a:r>
+              <a:rPr lang="en-US" b="1"/>
+              <a:t>Condition Number </a:t>
+            </a:r>
+            <a:r>
+              <a:rPr lang="en-US"/>
+              <a:t>(pour des variables normalisées):</a:t>
+            </a:r>
+          </a:p>
+          <a:p>
+            <a:pPr marL="742950" lvl="1" indent="-285750">
+              <a:buFont typeface="Arial" panose="020B0604020202020204" pitchFamily="34" charset="0"/>
+              <a:buChar char="•"/>
+            </a:pPr>
+            <a:r>
+              <a:rPr lang="en-US"/>
+              <a:t>valeur &lt; 20</a:t>
+            </a:r>
+          </a:p>
+          <a:p>
+            <a:pPr marL="742950" lvl="1" indent="-285750">
+              <a:buFont typeface="Arial" panose="020B0604020202020204" pitchFamily="34" charset="0"/>
+              <a:buChar char="•"/>
+            </a:pPr>
+            <a:endParaRPr lang="en-US" b="1"/>
+          </a:p>
+          <a:p>
+            <a:pPr marL="285750" indent="-285750">
+              <a:buFont typeface="Arial" panose="020B0604020202020204" pitchFamily="34" charset="0"/>
+              <a:buChar char="•"/>
+            </a:pPr>
+            <a:r>
+              <a:rPr lang="en-US" b="1"/>
+              <a:t>Variance Inflation Factor (VIF)</a:t>
+            </a:r>
+          </a:p>
+          <a:p>
+            <a:pPr marL="285750" indent="-285750">
+              <a:buFont typeface="Arial" panose="020B0604020202020204" pitchFamily="34" charset="0"/>
+              <a:buChar char="•"/>
+            </a:pPr>
+            <a:r>
+              <a:rPr lang="en-US"/>
+              <a:t>mesure le degré de multi collinéarité due a l'ajout d'un nouveau prédicteur</a:t>
+            </a:r>
+            <a:br>
+              <a:rPr lang="en-US"/>
+            </a:br>
             <a:endParaRPr lang="fr-FR"/>
           </a:p>
-          <a:p>
-            <a:r>
-              <a:rPr lang="fr-FR"/>
-              <a:t>corr(e_i, e_{i-j}) = 0 for j !=0</a:t>
-            </a:r>
-          </a:p>
-          <a:p>
-            <a:endParaRPr lang="fr-FR"/>
+        </p:txBody>
+      </p:sp>
+      <p:sp>
+        <p:nvSpPr>
+          <p:cNvPr id="5" name="Rectangle 4">
+            <a:extLst>
+              <a:ext uri="{FF2B5EF4-FFF2-40B4-BE49-F238E27FC236}">
+                <a16:creationId xmlns:a16="http://schemas.microsoft.com/office/drawing/2014/main" id="{B889B880-F93D-DB4C-B3FF-96B3611D6A2B}"/>
+              </a:ext>
+            </a:extLst>
+          </p:cNvPr>
+          <p:cNvSpPr/>
+          <p:nvPr/>
+        </p:nvSpPr>
+        <p:spPr>
+          <a:xfrm>
+            <a:off x="294132" y="5014252"/>
+            <a:ext cx="11603736" cy="1477328"/>
+          </a:xfrm>
+          <a:prstGeom prst="rect">
+            <a:avLst/>
+          </a:prstGeom>
+          <a:solidFill>
+            <a:schemeClr val="tx1"/>
+          </a:solidFill>
+        </p:spPr>
+        <p:txBody>
+          <a:bodyPr wrap="square">
+            <a:spAutoFit/>
+          </a:bodyPr>
+          <a:lstStyle/>
+          <a:p>
+            <a:r>
+              <a:rPr lang="en-US">
+                <a:solidFill>
+                  <a:srgbClr val="FE4481"/>
+                </a:solidFill>
+                <a:effectLst/>
+                <a:highlight>
+                  <a:srgbClr val="000000"/>
+                </a:highlight>
+                <a:latin typeface="Courier New" panose="02070309020205020404" pitchFamily="49" charset="0"/>
+                <a:cs typeface="Courier New" panose="02070309020205020404" pitchFamily="49" charset="0"/>
+              </a:rPr>
+              <a:t>from</a:t>
+            </a:r>
+            <a:r>
+              <a:rPr lang="en-US">
+                <a:solidFill>
+                  <a:srgbClr val="F8F8F2"/>
+                </a:solidFill>
+                <a:effectLst/>
+                <a:highlight>
+                  <a:srgbClr val="000000"/>
+                </a:highlight>
+                <a:latin typeface="Courier New" panose="02070309020205020404" pitchFamily="49" charset="0"/>
+                <a:cs typeface="Courier New" panose="02070309020205020404" pitchFamily="49" charset="0"/>
+              </a:rPr>
+              <a:t> statsmodels.stats.outliers_influence </a:t>
+            </a:r>
+            <a:r>
+              <a:rPr lang="en-US">
+                <a:solidFill>
+                  <a:srgbClr val="FE4481"/>
+                </a:solidFill>
+                <a:effectLst/>
+                <a:highlight>
+                  <a:srgbClr val="000000"/>
+                </a:highlight>
+                <a:latin typeface="Courier New" panose="02070309020205020404" pitchFamily="49" charset="0"/>
+                <a:cs typeface="Courier New" panose="02070309020205020404" pitchFamily="49" charset="0"/>
+              </a:rPr>
+              <a:t>import</a:t>
+            </a:r>
+            <a:r>
+              <a:rPr lang="en-US">
+                <a:solidFill>
+                  <a:srgbClr val="F8F8F2"/>
+                </a:solidFill>
+                <a:effectLst/>
+                <a:highlight>
+                  <a:srgbClr val="000000"/>
+                </a:highlight>
+                <a:latin typeface="Courier New" panose="02070309020205020404" pitchFamily="49" charset="0"/>
+                <a:cs typeface="Courier New" panose="02070309020205020404" pitchFamily="49" charset="0"/>
+              </a:rPr>
+              <a:t> variance_inflation_factor </a:t>
+            </a:r>
+            <a:r>
+              <a:rPr lang="en-US">
+                <a:solidFill>
+                  <a:srgbClr val="FE4481"/>
+                </a:solidFill>
+                <a:effectLst/>
+                <a:highlight>
+                  <a:srgbClr val="000000"/>
+                </a:highlight>
+                <a:latin typeface="Courier New" panose="02070309020205020404" pitchFamily="49" charset="0"/>
+                <a:cs typeface="Courier New" panose="02070309020205020404" pitchFamily="49" charset="0"/>
+              </a:rPr>
+              <a:t>as</a:t>
+            </a:r>
+            <a:r>
+              <a:rPr lang="en-US">
+                <a:solidFill>
+                  <a:srgbClr val="F8F8F2"/>
+                </a:solidFill>
+                <a:effectLst/>
+                <a:highlight>
+                  <a:srgbClr val="000000"/>
+                </a:highlight>
+                <a:latin typeface="Courier New" panose="02070309020205020404" pitchFamily="49" charset="0"/>
+                <a:cs typeface="Courier New" panose="02070309020205020404" pitchFamily="49" charset="0"/>
+              </a:rPr>
+              <a:t> vif</a:t>
+            </a:r>
+          </a:p>
+          <a:p>
+            <a:r>
+              <a:rPr lang="en-US">
+                <a:solidFill>
+                  <a:srgbClr val="F8F8F2"/>
+                </a:solidFill>
+                <a:effectLst/>
+                <a:highlight>
+                  <a:srgbClr val="000000"/>
+                </a:highlight>
+                <a:latin typeface="Courier New" panose="02070309020205020404" pitchFamily="49" charset="0"/>
+                <a:cs typeface="Courier New" panose="02070309020205020404" pitchFamily="49" charset="0"/>
+              </a:rPr>
+              <a:t>vif(df[['TV', 'Radio', 'Newspaper']].values, 0)</a:t>
+            </a:r>
+          </a:p>
+          <a:p>
+            <a:r>
+              <a:rPr lang="en-US">
+                <a:solidFill>
+                  <a:srgbClr val="F8F8F2"/>
+                </a:solidFill>
+                <a:effectLst/>
+                <a:highlight>
+                  <a:srgbClr val="000000"/>
+                </a:highlight>
+                <a:latin typeface="Courier New" panose="02070309020205020404" pitchFamily="49" charset="0"/>
+                <a:cs typeface="Courier New" panose="02070309020205020404" pitchFamily="49" charset="0"/>
+              </a:rPr>
+              <a:t>&gt; 0.247</a:t>
+            </a:r>
+          </a:p>
+          <a:p>
+            <a:r>
+              <a:rPr lang="en-US">
+                <a:solidFill>
+                  <a:srgbClr val="F8F8F2"/>
+                </a:solidFill>
+                <a:highlight>
+                  <a:srgbClr val="000000"/>
+                </a:highlight>
+                <a:latin typeface="Courier New" panose="02070309020205020404" pitchFamily="49" charset="0"/>
+                <a:cs typeface="Courier New" panose="02070309020205020404" pitchFamily="49" charset="0"/>
+              </a:rPr>
+              <a:t>vif(df[['TV', 'Radio', 'Newspaper']].values, 2)</a:t>
+            </a:r>
+          </a:p>
+          <a:p>
+            <a:r>
+              <a:rPr lang="en-US">
+                <a:solidFill>
+                  <a:srgbClr val="F8F8F2"/>
+                </a:solidFill>
+                <a:highlight>
+                  <a:srgbClr val="000000"/>
+                </a:highlight>
+                <a:latin typeface="Courier New" panose="02070309020205020404" pitchFamily="49" charset="0"/>
+                <a:cs typeface="Courier New" panose="02070309020205020404" pitchFamily="49" charset="0"/>
+              </a:rPr>
+              <a:t>&gt; 3.055</a:t>
+            </a:r>
+            <a:endParaRPr lang="fr-FR">
+              <a:highlight>
+                <a:srgbClr val="000000"/>
+              </a:highlight>
+              <a:latin typeface="Courier New" panose="02070309020205020404" pitchFamily="49" charset="0"/>
+              <a:cs typeface="Courier New" panose="02070309020205020404" pitchFamily="49" charset="0"/>
+            </a:endParaRPr>
           </a:p>
         </p:txBody>
       </p:sp>
     </p:spTree>
     <p:extLst>
       <p:ext uri="{BB962C8B-B14F-4D97-AF65-F5344CB8AC3E}">
-        <p14:creationId xmlns:p14="http://schemas.microsoft.com/office/powerpoint/2010/main" val="1765004687"/>
+        <p14:creationId xmlns:p14="http://schemas.microsoft.com/office/powerpoint/2010/main" val="598531051"/>
       </p:ext>
     </p:extLst>
   </p:cSld>
@@ -12556,6 +12641,199 @@
           <p:cNvPr id="2" name="Title 1">
             <a:extLst>
               <a:ext uri="{FF2B5EF4-FFF2-40B4-BE49-F238E27FC236}">
+                <a16:creationId xmlns:a16="http://schemas.microsoft.com/office/drawing/2014/main" id="{E63ADA51-8DA1-0C46-8629-E47004BE5916}"/>
+              </a:ext>
+            </a:extLst>
+          </p:cNvPr>
+          <p:cNvSpPr>
+            <a:spLocks noGrp="1"/>
+          </p:cNvSpPr>
+          <p:nvPr>
+            <p:ph type="title"/>
+          </p:nvPr>
+        </p:nvSpPr>
+        <p:spPr/>
+        <p:txBody>
+          <a:bodyPr/>
+          <a:lstStyle/>
+          <a:p>
+            <a:r>
+              <a:rPr lang="fr-FR"/>
+              <a:t>Autocorrelation des résidus</a:t>
+            </a:r>
+          </a:p>
+        </p:txBody>
+      </p:sp>
+      <p:sp>
+        <p:nvSpPr>
+          <p:cNvPr id="3" name="TextBox 2">
+            <a:extLst>
+              <a:ext uri="{FF2B5EF4-FFF2-40B4-BE49-F238E27FC236}">
+                <a16:creationId xmlns:a16="http://schemas.microsoft.com/office/drawing/2014/main" id="{7E8E2AF4-C1B0-AC4C-8319-C8AAF0C3A1EB}"/>
+              </a:ext>
+            </a:extLst>
+          </p:cNvPr>
+          <p:cNvSpPr txBox="1"/>
+          <p:nvPr/>
+        </p:nvSpPr>
+        <p:spPr>
+          <a:xfrm>
+            <a:off x="1152144" y="3575304"/>
+            <a:ext cx="7481664" cy="2031325"/>
+          </a:xfrm>
+          <a:prstGeom prst="rect">
+            <a:avLst/>
+          </a:prstGeom>
+          <a:noFill/>
+        </p:spPr>
+        <p:txBody>
+          <a:bodyPr wrap="none" rtlCol="0">
+            <a:spAutoFit/>
+          </a:bodyPr>
+          <a:lstStyle/>
+          <a:p>
+            <a:r>
+              <a:rPr lang="en-US"/>
+              <a:t>The </a:t>
+            </a:r>
+            <a:r>
+              <a:rPr lang="en-US" b="1"/>
+              <a:t>Durbin Watson</a:t>
+            </a:r>
+            <a:r>
+              <a:rPr lang="en-US"/>
+              <a:t> statistic, is a direct test of the correlation of the residuals. </a:t>
+            </a:r>
+          </a:p>
+          <a:p>
+            <a:r>
+              <a:rPr lang="en-US"/>
+              <a:t>It takes a value from 0 to 4, where:</a:t>
+            </a:r>
+          </a:p>
+          <a:p>
+            <a:pPr marL="285750" indent="-285750">
+              <a:buFont typeface="Arial" panose="020B0604020202020204" pitchFamily="34" charset="0"/>
+              <a:buChar char="•"/>
+            </a:pPr>
+            <a:r>
+              <a:rPr lang="en-US"/>
+              <a:t>2 means no autocorrelation.</a:t>
+            </a:r>
+          </a:p>
+          <a:p>
+            <a:pPr marL="285750" indent="-285750">
+              <a:buFont typeface="Arial" panose="020B0604020202020204" pitchFamily="34" charset="0"/>
+              <a:buChar char="•"/>
+            </a:pPr>
+            <a:r>
+              <a:rPr lang="en-US"/>
+              <a:t>0 to 2 means positive autocorrelation</a:t>
+            </a:r>
+          </a:p>
+          <a:p>
+            <a:pPr marL="285750" indent="-285750">
+              <a:buFont typeface="Arial" panose="020B0604020202020204" pitchFamily="34" charset="0"/>
+              <a:buChar char="•"/>
+            </a:pPr>
+            <a:r>
+              <a:rPr lang="en-US"/>
+              <a:t>2 to 4 means negative autocorrelation.</a:t>
+            </a:r>
+          </a:p>
+          <a:p>
+            <a:r>
+              <a:rPr lang="en-US"/>
+              <a:t>As a rule of thumb values in the range of 1.5 to 2.5 are relatively normal.</a:t>
+            </a:r>
+          </a:p>
+          <a:p>
+            <a:endParaRPr lang="fr-FR"/>
+          </a:p>
+        </p:txBody>
+      </p:sp>
+      <p:sp>
+        <p:nvSpPr>
+          <p:cNvPr id="4" name="TextBox 3">
+            <a:extLst>
+              <a:ext uri="{FF2B5EF4-FFF2-40B4-BE49-F238E27FC236}">
+                <a16:creationId xmlns:a16="http://schemas.microsoft.com/office/drawing/2014/main" id="{E57CA62E-D14A-5440-82D6-F3AE24339531}"/>
+              </a:ext>
+            </a:extLst>
+          </p:cNvPr>
+          <p:cNvSpPr txBox="1"/>
+          <p:nvPr/>
+        </p:nvSpPr>
+        <p:spPr>
+          <a:xfrm>
+            <a:off x="1152144" y="1506022"/>
+            <a:ext cx="2777940" cy="1200329"/>
+          </a:xfrm>
+          <a:prstGeom prst="rect">
+            <a:avLst/>
+          </a:prstGeom>
+          <a:noFill/>
+        </p:spPr>
+        <p:txBody>
+          <a:bodyPr wrap="none" rtlCol="0">
+            <a:spAutoFit/>
+          </a:bodyPr>
+          <a:lstStyle/>
+          <a:p>
+            <a:r>
+              <a:rPr lang="fr-FR"/>
+              <a:t>e_i = \hat{y_i} – y_i</a:t>
+            </a:r>
+          </a:p>
+          <a:p>
+            <a:endParaRPr lang="fr-FR"/>
+          </a:p>
+          <a:p>
+            <a:r>
+              <a:rPr lang="fr-FR"/>
+              <a:t>corr(e_i, e_{i-j}) = 0 for j !=0</a:t>
+            </a:r>
+          </a:p>
+          <a:p>
+            <a:endParaRPr lang="fr-FR"/>
+          </a:p>
+        </p:txBody>
+      </p:sp>
+    </p:spTree>
+    <p:extLst>
+      <p:ext uri="{BB962C8B-B14F-4D97-AF65-F5344CB8AC3E}">
+        <p14:creationId xmlns:p14="http://schemas.microsoft.com/office/powerpoint/2010/main" val="1765004687"/>
+      </p:ext>
+    </p:extLst>
+  </p:cSld>
+  <p:clrMapOvr>
+    <a:masterClrMapping/>
+  </p:clrMapOvr>
+</p:sld>
+</file>
+
+<file path=ppt/slides/slide45.xml><?xml version="1.0" encoding="utf-8"?>
+<p:sld xmlns:a="http://schemas.openxmlformats.org/drawingml/2006/main" xmlns:r="http://schemas.openxmlformats.org/officeDocument/2006/relationships" xmlns:p="http://schemas.openxmlformats.org/presentationml/2006/main">
+  <p:cSld>
+    <p:spTree>
+      <p:nvGrpSpPr>
+        <p:cNvPr id="1" name=""/>
+        <p:cNvGrpSpPr/>
+        <p:nvPr/>
+      </p:nvGrpSpPr>
+      <p:grpSpPr>
+        <a:xfrm>
+          <a:off x="0" y="0"/>
+          <a:ext cx="0" cy="0"/>
+          <a:chOff x="0" y="0"/>
+          <a:chExt cx="0" cy="0"/>
+        </a:xfrm>
+      </p:grpSpPr>
+      <p:sp>
+        <p:nvSpPr>
+          <p:cNvPr id="2" name="Title 1">
+            <a:extLst>
+              <a:ext uri="{FF2B5EF4-FFF2-40B4-BE49-F238E27FC236}">
                 <a16:creationId xmlns:a16="http://schemas.microsoft.com/office/drawing/2014/main" id="{7F51210B-825B-104D-B456-F0166CEEEB7C}"/>
               </a:ext>
             </a:extLst>
@@ -12724,7 +13002,7 @@
 </p:sld>
 </file>
 
-<file path=ppt/slides/slide45.xml><?xml version="1.0" encoding="utf-8"?>
+<file path=ppt/slides/slide46.xml><?xml version="1.0" encoding="utf-8"?>
 <p:sld xmlns:a="http://schemas.openxmlformats.org/drawingml/2006/main" xmlns:r="http://schemas.openxmlformats.org/officeDocument/2006/relationships" xmlns:p="http://schemas.openxmlformats.org/presentationml/2006/main">
   <p:cSld>
     <p:spTree>
@@ -13017,7 +13295,7 @@
 </p:sld>
 </file>
 
-<file path=ppt/slides/slide46.xml><?xml version="1.0" encoding="utf-8"?>
+<file path=ppt/slides/slide47.xml><?xml version="1.0" encoding="utf-8"?>
 <p:sld xmlns:a="http://schemas.openxmlformats.org/drawingml/2006/main" xmlns:r="http://schemas.openxmlformats.org/officeDocument/2006/relationships" xmlns:p="http://schemas.openxmlformats.org/presentationml/2006/main">
   <p:cSld>
     <p:spTree>
@@ -13112,7 +13390,7 @@
 </p:sld>
 </file>
 
-<file path=ppt/slides/slide47.xml><?xml version="1.0" encoding="utf-8"?>
+<file path=ppt/slides/slide48.xml><?xml version="1.0" encoding="utf-8"?>
 <p:sld xmlns:a="http://schemas.openxmlformats.org/drawingml/2006/main" xmlns:r="http://schemas.openxmlformats.org/officeDocument/2006/relationships" xmlns:p="http://schemas.openxmlformats.org/presentationml/2006/main">
   <p:cSld>
     <p:spTree>
@@ -14403,7 +14681,7 @@
 </p:sld>
 </file>
 
-<file path=ppt/slides/slide48.xml><?xml version="1.0" encoding="utf-8"?>
+<file path=ppt/slides/slide49.xml><?xml version="1.0" encoding="utf-8"?>
 <p:sld xmlns:a="http://schemas.openxmlformats.org/drawingml/2006/main" xmlns:r="http://schemas.openxmlformats.org/officeDocument/2006/relationships" xmlns:p="http://schemas.openxmlformats.org/presentationml/2006/main">
   <p:cSld>
     <p:spTree>
@@ -14539,10 +14817,10 @@
       </p:grpSpPr>
       <p:pic>
         <p:nvPicPr>
-          <p:cNvPr id="3" name="Picture 2">
-            <a:extLst>
-              <a:ext uri="{FF2B5EF4-FFF2-40B4-BE49-F238E27FC236}">
-                <a16:creationId xmlns:a16="http://schemas.microsoft.com/office/drawing/2014/main" id="{1BBC61A9-FD55-C24E-BE14-5D4498D2C2F2}"/>
+          <p:cNvPr id="5" name="Picture 4">
+            <a:extLst>
+              <a:ext uri="{FF2B5EF4-FFF2-40B4-BE49-F238E27FC236}">
+                <a16:creationId xmlns:a16="http://schemas.microsoft.com/office/drawing/2014/main" id="{EB285EC7-159E-D247-A028-E2544B7D1B69}"/>
               </a:ext>
             </a:extLst>
           </p:cNvPr>
@@ -14559,8 +14837,8 @@
         </p:blipFill>
         <p:spPr>
           <a:xfrm>
-            <a:off x="488950" y="1262634"/>
-            <a:ext cx="11214100" cy="5448300"/>
+            <a:off x="231578" y="1477593"/>
+            <a:ext cx="5983224" cy="3321756"/>
           </a:xfrm>
           <a:prstGeom prst="rect">
             <a:avLst/>
@@ -14569,10 +14847,82 @@
       </p:pic>
       <p:sp>
         <p:nvSpPr>
-          <p:cNvPr id="4" name="Title 1">
-            <a:extLst>
-              <a:ext uri="{FF2B5EF4-FFF2-40B4-BE49-F238E27FC236}">
-                <a16:creationId xmlns:a16="http://schemas.microsoft.com/office/drawing/2014/main" id="{FA4237E3-3F92-6844-8344-052D836734DC}"/>
+          <p:cNvPr id="3" name="TextBox 2">
+            <a:extLst>
+              <a:ext uri="{FF2B5EF4-FFF2-40B4-BE49-F238E27FC236}">
+                <a16:creationId xmlns:a16="http://schemas.microsoft.com/office/drawing/2014/main" id="{502A5998-1F27-B04B-A87D-0895387C995F}"/>
+              </a:ext>
+            </a:extLst>
+          </p:cNvPr>
+          <p:cNvSpPr txBox="1"/>
+          <p:nvPr/>
+        </p:nvSpPr>
+        <p:spPr>
+          <a:xfrm>
+            <a:off x="6440834" y="1477593"/>
+            <a:ext cx="5608320" cy="2862322"/>
+          </a:xfrm>
+          <a:prstGeom prst="rect">
+            <a:avLst/>
+          </a:prstGeom>
+          <a:noFill/>
+          <a:ln w="12700">
+            <a:solidFill>
+              <a:srgbClr val="FF0000"/>
+            </a:solidFill>
+          </a:ln>
+        </p:spPr>
+        <p:txBody>
+          <a:bodyPr wrap="square" rtlCol="0">
+            <a:spAutoFit/>
+          </a:bodyPr>
+          <a:lstStyle/>
+          <a:p>
+            <a:r>
+              <a:rPr lang="en-US" sz="2000" b="1"/>
+              <a:t>Hypothèses</a:t>
+            </a:r>
+          </a:p>
+          <a:p>
+            <a:pPr marL="285750" indent="-285750">
+              <a:buFont typeface="Arial" panose="020B0604020202020204" pitchFamily="34" charset="0"/>
+              <a:buChar char="•"/>
+            </a:pPr>
+            <a:r>
+              <a:rPr lang="en-US" sz="2000"/>
+              <a:t>Il y a une relation linéaire entre les variables x et y: y=ax+b</a:t>
+            </a:r>
+          </a:p>
+          <a:p>
+            <a:pPr marL="285750" indent="-285750">
+              <a:buFont typeface="Arial" panose="020B0604020202020204" pitchFamily="34" charset="0"/>
+              <a:buChar char="•"/>
+            </a:pPr>
+            <a:r>
+              <a:rPr lang="en-US" sz="2000"/>
+              <a:t>x et y sont normallement distribuées ~N(mu, sigma)</a:t>
+            </a:r>
+          </a:p>
+          <a:p>
+            <a:endParaRPr lang="en-US" sz="2000"/>
+          </a:p>
+          <a:p>
+            <a:r>
+              <a:rPr lang="en-US" sz="2000"/>
+              <a:t>Toutefois la corrélation de pearson est robuste vis a vis de ces hypothèses.</a:t>
+            </a:r>
+          </a:p>
+          <a:p>
+            <a:endParaRPr lang="fr-FR" sz="2000"/>
+          </a:p>
+        </p:txBody>
+      </p:sp>
+      <p:sp>
+        <p:nvSpPr>
+          <p:cNvPr id="7" name="Title 1">
+            <a:extLst>
+              <a:ext uri="{FF2B5EF4-FFF2-40B4-BE49-F238E27FC236}">
+                <a16:creationId xmlns:a16="http://schemas.microsoft.com/office/drawing/2014/main" id="{77F08FE8-9B4C-DB46-8CB3-06BEE76EDC4C}"/>
               </a:ext>
             </a:extLst>
           </p:cNvPr>
@@ -14583,15 +14933,20 @@
         </p:nvSpPr>
         <p:spPr>
           <a:xfrm>
-            <a:off x="838200" y="365125"/>
-            <a:ext cx="10515600" cy="1325563"/>
+            <a:off x="-10274" y="-5170"/>
+            <a:ext cx="12202274" cy="646331"/>
           </a:xfrm>
           <a:prstGeom prst="rect">
             <a:avLst/>
           </a:prstGeom>
+          <a:solidFill>
+            <a:srgbClr val="00FDFF"/>
+          </a:solidFill>
         </p:spPr>
         <p:txBody>
-          <a:bodyPr/>
+          <a:bodyPr vert="horz" lIns="91440" tIns="45720" rIns="91440" bIns="45720" rtlCol="0" anchor="ctr">
+            <a:normAutofit fontScale="97500" lnSpcReduction="10000"/>
+          </a:bodyPr>
           <a:lstStyle>
             <a:lvl1pPr algn="l" defTabSz="914400" rtl="0" eaLnBrk="1" latinLnBrk="0" hangingPunct="1">
               <a:lnSpc>
@@ -14614,7 +14969,7 @@
           <a:p>
             <a:r>
               <a:rPr lang="fr-FR"/>
-              <a:t>Corrélation de Pearson – Cas discret</a:t>
+              <a:t>Corrélation de Pearson</a:t>
             </a:r>
           </a:p>
         </p:txBody>
@@ -14622,7 +14977,7 @@
     </p:spTree>
     <p:extLst>
       <p:ext uri="{BB962C8B-B14F-4D97-AF65-F5344CB8AC3E}">
-        <p14:creationId xmlns:p14="http://schemas.microsoft.com/office/powerpoint/2010/main" val="1465424896"/>
+        <p14:creationId xmlns:p14="http://schemas.microsoft.com/office/powerpoint/2010/main" val="1430694284"/>
       </p:ext>
     </p:extLst>
   </p:cSld>
@@ -14651,10 +15006,10 @@
       </p:grpSpPr>
       <p:pic>
         <p:nvPicPr>
-          <p:cNvPr id="5" name="Picture 4">
-            <a:extLst>
-              <a:ext uri="{FF2B5EF4-FFF2-40B4-BE49-F238E27FC236}">
-                <a16:creationId xmlns:a16="http://schemas.microsoft.com/office/drawing/2014/main" id="{2F4A1F30-987A-5F48-BF2F-0AEB09A08736}"/>
+          <p:cNvPr id="3" name="Picture 2">
+            <a:extLst>
+              <a:ext uri="{FF2B5EF4-FFF2-40B4-BE49-F238E27FC236}">
+                <a16:creationId xmlns:a16="http://schemas.microsoft.com/office/drawing/2014/main" id="{1BBC61A9-FD55-C24E-BE14-5D4498D2C2F2}"/>
               </a:ext>
             </a:extLst>
           </p:cNvPr>
@@ -14671,8 +15026,8 @@
         </p:blipFill>
         <p:spPr>
           <a:xfrm>
-            <a:off x="5623559" y="862181"/>
-            <a:ext cx="6229461" cy="3114731"/>
+            <a:off x="488950" y="1262634"/>
+            <a:ext cx="11214100" cy="5448300"/>
           </a:xfrm>
           <a:prstGeom prst="rect">
             <a:avLst/>
@@ -14681,154 +15036,65 @@
       </p:pic>
       <p:sp>
         <p:nvSpPr>
-          <p:cNvPr id="2" name="Title 1">
-            <a:extLst>
-              <a:ext uri="{FF2B5EF4-FFF2-40B4-BE49-F238E27FC236}">
-                <a16:creationId xmlns:a16="http://schemas.microsoft.com/office/drawing/2014/main" id="{C756C02D-9899-1545-B9EA-CC5E27010976}"/>
-              </a:ext>
-            </a:extLst>
-          </p:cNvPr>
-          <p:cNvSpPr>
-            <a:spLocks noGrp="1"/>
+          <p:cNvPr id="5" name="Title 1">
+            <a:extLst>
+              <a:ext uri="{FF2B5EF4-FFF2-40B4-BE49-F238E27FC236}">
+                <a16:creationId xmlns:a16="http://schemas.microsoft.com/office/drawing/2014/main" id="{11D0071D-26AF-5C42-B184-8C9EE0DD220B}"/>
+              </a:ext>
+            </a:extLst>
+          </p:cNvPr>
+          <p:cNvSpPr txBox="1">
+            <a:spLocks/>
           </p:cNvSpPr>
-          <p:nvPr>
-            <p:ph type="title"/>
-          </p:nvPr>
-        </p:nvSpPr>
-        <p:spPr/>
-        <p:txBody>
-          <a:bodyPr/>
-          <a:lstStyle/>
-          <a:p>
-            <a:r>
-              <a:rPr lang="fr-FR"/>
-              <a:t>Spearman - Kendall</a:t>
-            </a:r>
-          </a:p>
-        </p:txBody>
-      </p:sp>
-      <p:sp>
-        <p:nvSpPr>
-          <p:cNvPr id="3" name="Rectangle 2">
-            <a:extLst>
-              <a:ext uri="{FF2B5EF4-FFF2-40B4-BE49-F238E27FC236}">
-                <a16:creationId xmlns:a16="http://schemas.microsoft.com/office/drawing/2014/main" id="{A183FE2A-CDD2-D049-9E57-F2479AEF252A}"/>
-              </a:ext>
-            </a:extLst>
-          </p:cNvPr>
-          <p:cNvSpPr/>
           <p:nvPr/>
         </p:nvSpPr>
         <p:spPr>
           <a:xfrm>
-            <a:off x="704362" y="1496217"/>
-            <a:ext cx="6096000" cy="923330"/>
+            <a:off x="-10274" y="-5170"/>
+            <a:ext cx="12202274" cy="646331"/>
           </a:xfrm>
           <a:prstGeom prst="rect">
             <a:avLst/>
           </a:prstGeom>
+          <a:solidFill>
+            <a:srgbClr val="00FDFF"/>
+          </a:solidFill>
         </p:spPr>
         <p:txBody>
-          <a:bodyPr>
-            <a:spAutoFit/>
+          <a:bodyPr vert="horz" lIns="91440" tIns="45720" rIns="91440" bIns="45720" rtlCol="0" anchor="ctr">
+            <a:normAutofit fontScale="97500" lnSpcReduction="10000"/>
           </a:bodyPr>
-          <a:lstStyle/>
-          <a:p>
-            <a:r>
-              <a:rPr lang="en-US"/>
-              <a:t>Spearman:</a:t>
-            </a:r>
-          </a:p>
-          <a:p>
-            <a:pPr marL="285750" indent="-285750">
-              <a:buFont typeface="Arial" panose="020B0604020202020204" pitchFamily="34" charset="0"/>
-              <a:buChar char="•"/>
-            </a:pPr>
-            <a:r>
-              <a:rPr lang="en-US"/>
-              <a:t>Aucune hypothese sur la distribution des variables.</a:t>
-            </a:r>
-          </a:p>
-          <a:p>
-            <a:pPr marL="285750" indent="-285750">
-              <a:buFont typeface="Arial" panose="020B0604020202020204" pitchFamily="34" charset="0"/>
-              <a:buChar char="•"/>
-            </a:pPr>
-            <a:r>
-              <a:rPr lang="en-US"/>
-              <a:t>Plus robuste en présence d'outliers</a:t>
-            </a:r>
-          </a:p>
-        </p:txBody>
-      </p:sp>
-      <p:sp>
-        <p:nvSpPr>
-          <p:cNvPr id="4" name="TextBox 3">
-            <a:extLst>
-              <a:ext uri="{FF2B5EF4-FFF2-40B4-BE49-F238E27FC236}">
-                <a16:creationId xmlns:a16="http://schemas.microsoft.com/office/drawing/2014/main" id="{92249811-6FD4-5242-81AF-C31ABEC8D81E}"/>
-              </a:ext>
-            </a:extLst>
-          </p:cNvPr>
-          <p:cNvSpPr txBox="1"/>
-          <p:nvPr/>
-        </p:nvSpPr>
-        <p:spPr>
-          <a:xfrm>
-            <a:off x="978408" y="4645152"/>
-            <a:ext cx="11019491" cy="923330"/>
-          </a:xfrm>
-          <a:prstGeom prst="rect">
-            <a:avLst/>
-          </a:prstGeom>
-          <a:noFill/>
-        </p:spPr>
-        <p:txBody>
-          <a:bodyPr wrap="none" rtlCol="0">
-            <a:spAutoFit/>
-          </a:bodyPr>
-          <a:lstStyle/>
-          <a:p>
-            <a:r>
-              <a:rPr lang="fr-FR"/>
-              <a:t>Kendall</a:t>
-            </a:r>
-          </a:p>
-          <a:p>
-            <a:r>
-              <a:rPr lang="en-US"/>
-              <a:t>It is a measure of </a:t>
-            </a:r>
-            <a:r>
-              <a:rPr lang="en-US">
-                <a:hlinkClick r:id="rId3" tooltip="Rank correlation"/>
-              </a:rPr>
-              <a:t>rank correlation</a:t>
-            </a:r>
-            <a:r>
-              <a:rPr lang="en-US"/>
-              <a:t>: the similarity of the orderings of the data when </a:t>
-            </a:r>
-            <a:r>
-              <a:rPr lang="en-US">
-                <a:hlinkClick r:id="rId4" tooltip="Ranked"/>
-              </a:rPr>
-              <a:t>ranked</a:t>
-            </a:r>
-            <a:r>
-              <a:rPr lang="en-US"/>
-              <a:t> by each of the quantities.</a:t>
-            </a:r>
-          </a:p>
-          <a:p>
-            <a:endParaRPr lang="fr-FR"/>
+          <a:lstStyle>
+            <a:lvl1pPr algn="l" defTabSz="914400" rtl="0" eaLnBrk="1" latinLnBrk="0" hangingPunct="1">
+              <a:lnSpc>
+                <a:spcPct val="90000"/>
+              </a:lnSpc>
+              <a:spcBef>
+                <a:spcPct val="0"/>
+              </a:spcBef>
+              <a:buNone/>
+              <a:defRPr sz="4400" kern="1200">
+                <a:solidFill>
+                  <a:schemeClr val="tx1"/>
+                </a:solidFill>
+                <a:latin typeface="+mj-lt"/>
+                <a:ea typeface="+mj-ea"/>
+                <a:cs typeface="+mj-cs"/>
+              </a:defRPr>
+            </a:lvl1pPr>
+          </a:lstStyle>
+          <a:p>
+            <a:r>
+              <a:rPr lang="fr-FR"/>
+              <a:t>Corrélation de Pearson – cas discret</a:t>
+            </a:r>
           </a:p>
         </p:txBody>
       </p:sp>
     </p:spTree>
     <p:extLst>
       <p:ext uri="{BB962C8B-B14F-4D97-AF65-F5344CB8AC3E}">
-        <p14:creationId xmlns:p14="http://schemas.microsoft.com/office/powerpoint/2010/main" val="2852458380"/>
+        <p14:creationId xmlns:p14="http://schemas.microsoft.com/office/powerpoint/2010/main" val="1465424896"/>
       </p:ext>
     </p:extLst>
   </p:cSld>
@@ -14855,40 +15121,100 @@
           <a:chExt cx="0" cy="0"/>
         </a:xfrm>
       </p:grpSpPr>
-      <p:sp>
-        <p:nvSpPr>
-          <p:cNvPr id="2" name="Title 1">
-            <a:extLst>
-              <a:ext uri="{FF2B5EF4-FFF2-40B4-BE49-F238E27FC236}">
-                <a16:creationId xmlns:a16="http://schemas.microsoft.com/office/drawing/2014/main" id="{9B701F36-94E4-4A42-85FD-23978D9F63CF}"/>
-              </a:ext>
-            </a:extLst>
-          </p:cNvPr>
-          <p:cNvSpPr>
-            <a:spLocks noGrp="1"/>
-          </p:cNvSpPr>
-          <p:nvPr>
-            <p:ph type="title"/>
-          </p:nvPr>
-        </p:nvSpPr>
-        <p:spPr/>
-        <p:txBody>
-          <a:bodyPr/>
+      <p:pic>
+        <p:nvPicPr>
+          <p:cNvPr id="5" name="Picture 4">
+            <a:extLst>
+              <a:ext uri="{FF2B5EF4-FFF2-40B4-BE49-F238E27FC236}">
+                <a16:creationId xmlns:a16="http://schemas.microsoft.com/office/drawing/2014/main" id="{2F4A1F30-987A-5F48-BF2F-0AEB09A08736}"/>
+              </a:ext>
+            </a:extLst>
+          </p:cNvPr>
+          <p:cNvPicPr>
+            <a:picLocks noChangeAspect="1"/>
+          </p:cNvPicPr>
+          <p:nvPr/>
+        </p:nvPicPr>
+        <p:blipFill>
+          <a:blip r:embed="rId2"/>
+          <a:stretch>
+            <a:fillRect/>
+          </a:stretch>
+        </p:blipFill>
+        <p:spPr>
+          <a:xfrm>
+            <a:off x="4554207" y="862181"/>
+            <a:ext cx="7298813" cy="3649407"/>
+          </a:xfrm>
+          <a:prstGeom prst="rect">
+            <a:avLst/>
+          </a:prstGeom>
+        </p:spPr>
+      </p:pic>
+      <p:sp>
+        <p:nvSpPr>
+          <p:cNvPr id="3" name="Rectangle 2">
+            <a:extLst>
+              <a:ext uri="{FF2B5EF4-FFF2-40B4-BE49-F238E27FC236}">
+                <a16:creationId xmlns:a16="http://schemas.microsoft.com/office/drawing/2014/main" id="{A183FE2A-CDD2-D049-9E57-F2479AEF252A}"/>
+              </a:ext>
+            </a:extLst>
+          </p:cNvPr>
+          <p:cNvSpPr/>
+          <p:nvPr/>
+        </p:nvSpPr>
+        <p:spPr>
+          <a:xfrm>
+            <a:off x="338980" y="1191379"/>
+            <a:ext cx="6096000" cy="923330"/>
+          </a:xfrm>
+          <a:prstGeom prst="rect">
+            <a:avLst/>
+          </a:prstGeom>
+        </p:spPr>
+        <p:txBody>
+          <a:bodyPr>
+            <a:spAutoFit/>
+          </a:bodyPr>
           <a:lstStyle/>
           <a:p>
             <a:r>
-              <a:rPr lang="fr-FR"/>
-              <a:t>Calcul de la corrélation</a:t>
-            </a:r>
-          </a:p>
-        </p:txBody>
-      </p:sp>
-      <p:sp>
-        <p:nvSpPr>
-          <p:cNvPr id="3" name="TextBox 2">
-            <a:extLst>
-              <a:ext uri="{FF2B5EF4-FFF2-40B4-BE49-F238E27FC236}">
-                <a16:creationId xmlns:a16="http://schemas.microsoft.com/office/drawing/2014/main" id="{876451F2-18AF-334E-8974-175B219B81E5}"/>
+              <a:rPr lang="en-US" b="1"/>
+              <a:t>Spearman</a:t>
+            </a:r>
+            <a:r>
+              <a:rPr lang="en-US"/>
+              <a:t>:</a:t>
+            </a:r>
+          </a:p>
+          <a:p>
+            <a:pPr marL="285750" indent="-285750">
+              <a:buFont typeface="Arial" panose="020B0604020202020204" pitchFamily="34" charset="0"/>
+              <a:buChar char="•"/>
+            </a:pPr>
+            <a:r>
+              <a:rPr lang="en-US"/>
+              <a:t>Aucune hypothese sur la distribution des variables.</a:t>
+            </a:r>
+          </a:p>
+          <a:p>
+            <a:pPr marL="285750" indent="-285750">
+              <a:buFont typeface="Arial" panose="020B0604020202020204" pitchFamily="34" charset="0"/>
+              <a:buChar char="•"/>
+            </a:pPr>
+            <a:r>
+              <a:rPr lang="en-US"/>
+              <a:t>Plus robuste en présence d'outliers</a:t>
+            </a:r>
+          </a:p>
+        </p:txBody>
+      </p:sp>
+      <p:sp>
+        <p:nvSpPr>
+          <p:cNvPr id="4" name="TextBox 3">
+            <a:extLst>
+              <a:ext uri="{FF2B5EF4-FFF2-40B4-BE49-F238E27FC236}">
+                <a16:creationId xmlns:a16="http://schemas.microsoft.com/office/drawing/2014/main" id="{92249811-6FD4-5242-81AF-C31ABEC8D81E}"/>
               </a:ext>
             </a:extLst>
           </p:cNvPr>
@@ -14897,8 +15223,8 @@
         </p:nvSpPr>
         <p:spPr>
           <a:xfrm>
-            <a:off x="838201" y="1923528"/>
-            <a:ext cx="4776216" cy="2585323"/>
+            <a:off x="704362" y="4511588"/>
+            <a:ext cx="11308032" cy="923330"/>
           </a:xfrm>
           <a:prstGeom prst="rect">
             <a:avLst/>
@@ -14906,14 +15232,14 @@
           <a:noFill/>
         </p:spPr>
         <p:txBody>
-          <a:bodyPr wrap="square" rtlCol="0">
+          <a:bodyPr wrap="none" rtlCol="0">
             <a:spAutoFit/>
           </a:bodyPr>
           <a:lstStyle/>
           <a:p>
             <a:r>
-              <a:rPr lang="fr-FR"/>
-              <a:t>Avec Pandas DataFrame, le calcul de la matrice de corrélation</a:t>
+              <a:rPr lang="fr-FR" b="1"/>
+              <a:t>Kendall</a:t>
             </a:r>
           </a:p>
           <a:p>
@@ -14922,168 +15248,96 @@
               <a:buChar char="•"/>
             </a:pPr>
             <a:r>
-              <a:rPr lang="fr-FR"/>
-              <a:t>df.corr()</a:t>
-            </a:r>
-          </a:p>
-          <a:p>
-            <a:pPr marL="285750" indent="-285750">
-              <a:buFont typeface="Arial" panose="020B0604020202020204" pitchFamily="34" charset="0"/>
-              <a:buChar char="•"/>
-            </a:pPr>
-            <a:r>
               <a:rPr lang="en-US"/>
-              <a:t>df.corr(method='pearson')</a:t>
-            </a:r>
-          </a:p>
-          <a:p>
-            <a:pPr marL="285750" indent="-285750">
-              <a:buFont typeface="Arial" panose="020B0604020202020204" pitchFamily="34" charset="0"/>
-              <a:buChar char="•"/>
-            </a:pPr>
+              <a:t>It is a measure of </a:t>
+            </a:r>
+            <a:r>
+              <a:rPr lang="en-US">
+                <a:hlinkClick r:id="rId3" tooltip="Rank correlation"/>
+              </a:rPr>
+              <a:t>rank correlation</a:t>
+            </a:r>
             <a:r>
               <a:rPr lang="en-US"/>
-              <a:t>df.corr(method='spearman')</a:t>
-            </a:r>
-          </a:p>
-          <a:p>
-            <a:pPr marL="285750" indent="-285750">
-              <a:buFont typeface="Arial" panose="020B0604020202020204" pitchFamily="34" charset="0"/>
-              <a:buChar char="•"/>
-            </a:pPr>
+              <a:t>: the similarity of the orderings of the data when </a:t>
+            </a:r>
+            <a:r>
+              <a:rPr lang="en-US">
+                <a:hlinkClick r:id="rId4" tooltip="Ranked"/>
+              </a:rPr>
+              <a:t>ranked</a:t>
+            </a:r>
             <a:r>
               <a:rPr lang="en-US"/>
-              <a:t>df.corr(method='kendall')</a:t>
-            </a:r>
-          </a:p>
-          <a:p>
-            <a:br>
-              <a:rPr lang="en-US"/>
-            </a:br>
-            <a:r>
-              <a:rPr lang="en-US"/>
-              <a:t>Avec Numpy </a:t>
-            </a:r>
+              <a:t> by each of the quantities.</a:t>
+            </a:r>
+          </a:p>
+          <a:p>
             <a:endParaRPr lang="fr-FR"/>
           </a:p>
-          <a:p>
-            <a:pPr marL="285750" indent="-285750">
-              <a:buFont typeface="Arial" panose="020B0604020202020204" pitchFamily="34" charset="0"/>
-              <a:buChar char="•"/>
-            </a:pPr>
-            <a:r>
-              <a:rPr lang="en-US"/>
-              <a:t>np.corrcoef</a:t>
-            </a:r>
-            <a:r>
-              <a:rPr lang="en-US">
-                <a:effectLst/>
-              </a:rPr>
-              <a:t>(</a:t>
-            </a:r>
-            <a:r>
-              <a:rPr lang="en-US"/>
-              <a:t>x</a:t>
-            </a:r>
-            <a:r>
-              <a:rPr lang="en-US">
-                <a:effectLst/>
-              </a:rPr>
-              <a:t>,</a:t>
-            </a:r>
-            <a:r>
-              <a:rPr lang="en-US"/>
-              <a:t> y</a:t>
-            </a:r>
-            <a:r>
-              <a:rPr lang="en-US">
-                <a:effectLst/>
-              </a:rPr>
-              <a:t>) # Pearson</a:t>
-            </a:r>
-            <a:endParaRPr lang="fr-FR"/>
-          </a:p>
-        </p:txBody>
-      </p:sp>
-      <p:sp>
-        <p:nvSpPr>
-          <p:cNvPr id="4" name="TextBox 3">
-            <a:extLst>
-              <a:ext uri="{FF2B5EF4-FFF2-40B4-BE49-F238E27FC236}">
-                <a16:creationId xmlns:a16="http://schemas.microsoft.com/office/drawing/2014/main" id="{184CA364-33AC-6E47-AC2D-9BA2B0A06933}"/>
-              </a:ext>
-            </a:extLst>
-          </p:cNvPr>
-          <p:cNvSpPr txBox="1"/>
+        </p:txBody>
+      </p:sp>
+      <p:sp>
+        <p:nvSpPr>
+          <p:cNvPr id="6" name="Title 1">
+            <a:extLst>
+              <a:ext uri="{FF2B5EF4-FFF2-40B4-BE49-F238E27FC236}">
+                <a16:creationId xmlns:a16="http://schemas.microsoft.com/office/drawing/2014/main" id="{4EEF46FD-71B3-8244-8594-17E4710B3BBB}"/>
+              </a:ext>
+            </a:extLst>
+          </p:cNvPr>
+          <p:cNvSpPr txBox="1">
+            <a:spLocks/>
+          </p:cNvSpPr>
           <p:nvPr/>
         </p:nvSpPr>
         <p:spPr>
           <a:xfrm>
-            <a:off x="7141464" y="2023606"/>
-            <a:ext cx="2466829" cy="1200329"/>
+            <a:off x="-10274" y="-5170"/>
+            <a:ext cx="12202274" cy="646331"/>
           </a:xfrm>
           <a:prstGeom prst="rect">
             <a:avLst/>
           </a:prstGeom>
-          <a:noFill/>
+          <a:solidFill>
+            <a:srgbClr val="00FDFF"/>
+          </a:solidFill>
         </p:spPr>
         <p:txBody>
-          <a:bodyPr wrap="none" rtlCol="0">
-            <a:spAutoFit/>
+          <a:bodyPr vert="horz" lIns="91440" tIns="45720" rIns="91440" bIns="45720" rtlCol="0" anchor="ctr">
+            <a:normAutofit fontScale="97500" lnSpcReduction="10000"/>
           </a:bodyPr>
-          <a:lstStyle/>
-          <a:p>
-            <a:r>
-              <a:rPr lang="fr-FR"/>
-              <a:t>Visualisation</a:t>
-            </a:r>
-          </a:p>
-          <a:p>
-            <a:endParaRPr lang="fr-FR"/>
-          </a:p>
-          <a:p>
-            <a:pPr marL="285750" indent="-285750">
-              <a:buFont typeface="Arial" panose="020B0604020202020204" pitchFamily="34" charset="0"/>
-              <a:buChar char="•"/>
-            </a:pPr>
-            <a:r>
-              <a:rPr lang="en-US"/>
-              <a:t>pd.scatter_matrix</a:t>
-            </a:r>
-            <a:r>
-              <a:rPr lang="en-US">
-                <a:effectLst/>
-              </a:rPr>
-              <a:t>(</a:t>
-            </a:r>
-            <a:r>
-              <a:rPr lang="en-US"/>
-              <a:t>df</a:t>
-            </a:r>
-            <a:r>
-              <a:rPr lang="en-US">
-                <a:effectLst/>
-              </a:rPr>
-              <a:t>)</a:t>
-            </a:r>
-          </a:p>
-          <a:p>
-            <a:pPr marL="285750" indent="-285750">
-              <a:buFont typeface="Arial" panose="020B0604020202020204" pitchFamily="34" charset="0"/>
-              <a:buChar char="•"/>
-            </a:pPr>
-            <a:r>
-              <a:rPr lang="en-US"/>
-              <a:t>sns.pairplot(df)</a:t>
-            </a:r>
-            <a:endParaRPr lang="fr-FR"/>
+          <a:lstStyle>
+            <a:lvl1pPr algn="l" defTabSz="914400" rtl="0" eaLnBrk="1" latinLnBrk="0" hangingPunct="1">
+              <a:lnSpc>
+                <a:spcPct val="90000"/>
+              </a:lnSpc>
+              <a:spcBef>
+                <a:spcPct val="0"/>
+              </a:spcBef>
+              <a:buNone/>
+              <a:defRPr sz="4400" kern="1200">
+                <a:solidFill>
+                  <a:schemeClr val="tx1"/>
+                </a:solidFill>
+                <a:latin typeface="+mj-lt"/>
+                <a:ea typeface="+mj-ea"/>
+                <a:cs typeface="+mj-cs"/>
+              </a:defRPr>
+            </a:lvl1pPr>
+          </a:lstStyle>
+          <a:p>
+            <a:r>
+              <a:rPr lang="fr-FR"/>
+              <a:t>Corrélation de Spearman, de Kendall</a:t>
+            </a:r>
           </a:p>
         </p:txBody>
       </p:sp>
     </p:spTree>
     <p:extLst>
       <p:ext uri="{BB962C8B-B14F-4D97-AF65-F5344CB8AC3E}">
-        <p14:creationId xmlns:p14="http://schemas.microsoft.com/office/powerpoint/2010/main" val="296699260"/>
+        <p14:creationId xmlns:p14="http://schemas.microsoft.com/office/powerpoint/2010/main" val="2852458380"/>
       </p:ext>
     </p:extLst>
   </p:cSld>
@@ -15112,39 +15366,10 @@
       </p:grpSpPr>
       <p:sp>
         <p:nvSpPr>
-          <p:cNvPr id="2" name="Title 1">
-            <a:extLst>
-              <a:ext uri="{FF2B5EF4-FFF2-40B4-BE49-F238E27FC236}">
-                <a16:creationId xmlns:a16="http://schemas.microsoft.com/office/drawing/2014/main" id="{6DE18D5D-C496-354D-8E38-14F42AB318AF}"/>
-              </a:ext>
-            </a:extLst>
-          </p:cNvPr>
-          <p:cNvSpPr>
-            <a:spLocks noGrp="1"/>
-          </p:cNvSpPr>
-          <p:nvPr>
-            <p:ph type="title"/>
-          </p:nvPr>
-        </p:nvSpPr>
-        <p:spPr/>
-        <p:txBody>
-          <a:bodyPr/>
-          <a:lstStyle/>
-          <a:p>
-            <a:r>
-              <a:rPr lang="en-US" i="1"/>
-              <a:t>correlation is not causation</a:t>
-            </a:r>
-            <a:endParaRPr lang="fr-FR"/>
-          </a:p>
-        </p:txBody>
-      </p:sp>
-      <p:sp>
-        <p:nvSpPr>
           <p:cNvPr id="3" name="TextBox 2">
             <a:extLst>
               <a:ext uri="{FF2B5EF4-FFF2-40B4-BE49-F238E27FC236}">
-                <a16:creationId xmlns:a16="http://schemas.microsoft.com/office/drawing/2014/main" id="{BDB9081E-9EE2-5F46-86EA-8CEC87940FFD}"/>
+                <a16:creationId xmlns:a16="http://schemas.microsoft.com/office/drawing/2014/main" id="{876451F2-18AF-334E-8974-175B219B81E5}"/>
               </a:ext>
             </a:extLst>
           </p:cNvPr>
@@ -15153,8 +15378,8 @@
         </p:nvSpPr>
         <p:spPr>
           <a:xfrm>
-            <a:off x="1108724" y="1543110"/>
-            <a:ext cx="6332183" cy="646331"/>
+            <a:off x="293670" y="1882431"/>
+            <a:ext cx="5665341" cy="2308324"/>
           </a:xfrm>
           <a:prstGeom prst="rect">
             <a:avLst/>
@@ -15162,6 +15387,158 @@
           <a:noFill/>
         </p:spPr>
         <p:txBody>
+          <a:bodyPr wrap="square" rtlCol="0">
+            <a:spAutoFit/>
+          </a:bodyPr>
+          <a:lstStyle/>
+          <a:p>
+            <a:r>
+              <a:rPr lang="fr-FR"/>
+              <a:t>Avec Pandas DataFrame, calcul de la matrice de corrélation</a:t>
+            </a:r>
+          </a:p>
+          <a:p>
+            <a:pPr marL="285750" indent="-285750">
+              <a:buFont typeface="Arial" panose="020B0604020202020204" pitchFamily="34" charset="0"/>
+              <a:buChar char="•"/>
+            </a:pPr>
+            <a:r>
+              <a:rPr lang="fr-FR">
+                <a:latin typeface="Courier New" panose="02070309020205020404" pitchFamily="49" charset="0"/>
+                <a:cs typeface="Courier New" panose="02070309020205020404" pitchFamily="49" charset="0"/>
+              </a:rPr>
+              <a:t>df.corr()</a:t>
+            </a:r>
+          </a:p>
+          <a:p>
+            <a:pPr marL="285750" indent="-285750">
+              <a:buFont typeface="Arial" panose="020B0604020202020204" pitchFamily="34" charset="0"/>
+              <a:buChar char="•"/>
+            </a:pPr>
+            <a:r>
+              <a:rPr lang="en-US">
+                <a:latin typeface="Courier New" panose="02070309020205020404" pitchFamily="49" charset="0"/>
+                <a:cs typeface="Courier New" panose="02070309020205020404" pitchFamily="49" charset="0"/>
+              </a:rPr>
+              <a:t>df.corr(method='pearson')</a:t>
+            </a:r>
+          </a:p>
+          <a:p>
+            <a:pPr marL="285750" indent="-285750">
+              <a:buFont typeface="Arial" panose="020B0604020202020204" pitchFamily="34" charset="0"/>
+              <a:buChar char="•"/>
+            </a:pPr>
+            <a:r>
+              <a:rPr lang="en-US">
+                <a:latin typeface="Courier New" panose="02070309020205020404" pitchFamily="49" charset="0"/>
+                <a:cs typeface="Courier New" panose="02070309020205020404" pitchFamily="49" charset="0"/>
+              </a:rPr>
+              <a:t>df.corr(method='spearman')</a:t>
+            </a:r>
+          </a:p>
+          <a:p>
+            <a:pPr marL="285750" indent="-285750">
+              <a:buFont typeface="Arial" panose="020B0604020202020204" pitchFamily="34" charset="0"/>
+              <a:buChar char="•"/>
+            </a:pPr>
+            <a:r>
+              <a:rPr lang="en-US">
+                <a:latin typeface="Courier New" panose="02070309020205020404" pitchFamily="49" charset="0"/>
+                <a:cs typeface="Courier New" panose="02070309020205020404" pitchFamily="49" charset="0"/>
+              </a:rPr>
+              <a:t>df.corr(method='kendall')</a:t>
+            </a:r>
+          </a:p>
+          <a:p>
+            <a:br>
+              <a:rPr lang="en-US"/>
+            </a:br>
+            <a:r>
+              <a:rPr lang="en-US"/>
+              <a:t>Avec Numpy </a:t>
+            </a:r>
+            <a:endParaRPr lang="fr-FR"/>
+          </a:p>
+          <a:p>
+            <a:pPr marL="285750" indent="-285750">
+              <a:buFont typeface="Arial" panose="020B0604020202020204" pitchFamily="34" charset="0"/>
+              <a:buChar char="•"/>
+            </a:pPr>
+            <a:r>
+              <a:rPr lang="en-US">
+                <a:latin typeface="Courier New" panose="02070309020205020404" pitchFamily="49" charset="0"/>
+                <a:cs typeface="Courier New" panose="02070309020205020404" pitchFamily="49" charset="0"/>
+              </a:rPr>
+              <a:t>np.corrcoef</a:t>
+            </a:r>
+            <a:r>
+              <a:rPr lang="en-US">
+                <a:effectLst/>
+                <a:latin typeface="Courier New" panose="02070309020205020404" pitchFamily="49" charset="0"/>
+                <a:cs typeface="Courier New" panose="02070309020205020404" pitchFamily="49" charset="0"/>
+              </a:rPr>
+              <a:t>(</a:t>
+            </a:r>
+            <a:r>
+              <a:rPr lang="en-US">
+                <a:latin typeface="Courier New" panose="02070309020205020404" pitchFamily="49" charset="0"/>
+                <a:cs typeface="Courier New" panose="02070309020205020404" pitchFamily="49" charset="0"/>
+              </a:rPr>
+              <a:t>x</a:t>
+            </a:r>
+            <a:r>
+              <a:rPr lang="en-US">
+                <a:effectLst/>
+                <a:latin typeface="Courier New" panose="02070309020205020404" pitchFamily="49" charset="0"/>
+                <a:cs typeface="Courier New" panose="02070309020205020404" pitchFamily="49" charset="0"/>
+              </a:rPr>
+              <a:t>,</a:t>
+            </a:r>
+            <a:r>
+              <a:rPr lang="en-US">
+                <a:latin typeface="Courier New" panose="02070309020205020404" pitchFamily="49" charset="0"/>
+                <a:cs typeface="Courier New" panose="02070309020205020404" pitchFamily="49" charset="0"/>
+              </a:rPr>
+              <a:t> y</a:t>
+            </a:r>
+            <a:r>
+              <a:rPr lang="en-US">
+                <a:effectLst/>
+                <a:latin typeface="Courier New" panose="02070309020205020404" pitchFamily="49" charset="0"/>
+                <a:cs typeface="Courier New" panose="02070309020205020404" pitchFamily="49" charset="0"/>
+              </a:rPr>
+              <a:t>) # Pearson</a:t>
+            </a:r>
+            <a:endParaRPr lang="fr-FR">
+              <a:latin typeface="Courier New" panose="02070309020205020404" pitchFamily="49" charset="0"/>
+              <a:cs typeface="Courier New" panose="02070309020205020404" pitchFamily="49" charset="0"/>
+            </a:endParaRPr>
+          </a:p>
+        </p:txBody>
+      </p:sp>
+      <p:sp>
+        <p:nvSpPr>
+          <p:cNvPr id="4" name="TextBox 3">
+            <a:extLst>
+              <a:ext uri="{FF2B5EF4-FFF2-40B4-BE49-F238E27FC236}">
+                <a16:creationId xmlns:a16="http://schemas.microsoft.com/office/drawing/2014/main" id="{184CA364-33AC-6E47-AC2D-9BA2B0A06933}"/>
+              </a:ext>
+            </a:extLst>
+          </p:cNvPr>
+          <p:cNvSpPr txBox="1"/>
+          <p:nvPr/>
+        </p:nvSpPr>
+        <p:spPr>
+          <a:xfrm>
+            <a:off x="6987352" y="1882431"/>
+            <a:ext cx="3368230" cy="1200329"/>
+          </a:xfrm>
+          <a:prstGeom prst="rect">
+            <a:avLst/>
+          </a:prstGeom>
+          <a:noFill/>
+        </p:spPr>
+        <p:txBody>
           <a:bodyPr wrap="none" rtlCol="0">
             <a:spAutoFit/>
           </a:bodyPr>
@@ -15169,129 +15546,128 @@
           <a:p>
             <a:r>
               <a:rPr lang="fr-FR"/>
-              <a:t>Context necessaire (suffisant?) pour que correlation =&gt; causation:</a:t>
+              <a:t>Visualisation de la corrélation</a:t>
             </a:r>
           </a:p>
           <a:p>
             <a:endParaRPr lang="fr-FR"/>
           </a:p>
-        </p:txBody>
-      </p:sp>
-      <p:pic>
-        <p:nvPicPr>
-          <p:cNvPr id="5" name="Picture 4">
-            <a:extLst>
-              <a:ext uri="{FF2B5EF4-FFF2-40B4-BE49-F238E27FC236}">
-                <a16:creationId xmlns:a16="http://schemas.microsoft.com/office/drawing/2014/main" id="{3E93CDAD-2DB0-524B-BC33-ADA7D211A06D}"/>
-              </a:ext>
-            </a:extLst>
-          </p:cNvPr>
-          <p:cNvPicPr>
-            <a:picLocks noChangeAspect="1"/>
-          </p:cNvPicPr>
+          <a:p>
+            <a:pPr marL="285750" indent="-285750">
+              <a:buFont typeface="Arial" panose="020B0604020202020204" pitchFamily="34" charset="0"/>
+              <a:buChar char="•"/>
+            </a:pPr>
+            <a:r>
+              <a:rPr lang="en-US">
+                <a:latin typeface="Courier New" panose="02070309020205020404" pitchFamily="49" charset="0"/>
+                <a:cs typeface="Courier New" panose="02070309020205020404" pitchFamily="49" charset="0"/>
+              </a:rPr>
+              <a:t>pd.scatter_matrix</a:t>
+            </a:r>
+            <a:r>
+              <a:rPr lang="en-US">
+                <a:effectLst/>
+                <a:latin typeface="Courier New" panose="02070309020205020404" pitchFamily="49" charset="0"/>
+                <a:cs typeface="Courier New" panose="02070309020205020404" pitchFamily="49" charset="0"/>
+              </a:rPr>
+              <a:t>(</a:t>
+            </a:r>
+            <a:r>
+              <a:rPr lang="en-US">
+                <a:latin typeface="Courier New" panose="02070309020205020404" pitchFamily="49" charset="0"/>
+                <a:cs typeface="Courier New" panose="02070309020205020404" pitchFamily="49" charset="0"/>
+              </a:rPr>
+              <a:t>df</a:t>
+            </a:r>
+            <a:r>
+              <a:rPr lang="en-US">
+                <a:effectLst/>
+                <a:latin typeface="Courier New" panose="02070309020205020404" pitchFamily="49" charset="0"/>
+                <a:cs typeface="Courier New" panose="02070309020205020404" pitchFamily="49" charset="0"/>
+              </a:rPr>
+              <a:t>)</a:t>
+            </a:r>
+          </a:p>
+          <a:p>
+            <a:pPr marL="285750" indent="-285750">
+              <a:buFont typeface="Arial" panose="020B0604020202020204" pitchFamily="34" charset="0"/>
+              <a:buChar char="•"/>
+            </a:pPr>
+            <a:r>
+              <a:rPr lang="en-US">
+                <a:latin typeface="Courier New" panose="02070309020205020404" pitchFamily="49" charset="0"/>
+                <a:cs typeface="Courier New" panose="02070309020205020404" pitchFamily="49" charset="0"/>
+              </a:rPr>
+              <a:t>sns.pairplot(df)</a:t>
+            </a:r>
+            <a:endParaRPr lang="fr-FR">
+              <a:latin typeface="Courier New" panose="02070309020205020404" pitchFamily="49" charset="0"/>
+              <a:cs typeface="Courier New" panose="02070309020205020404" pitchFamily="49" charset="0"/>
+            </a:endParaRPr>
+          </a:p>
+        </p:txBody>
+      </p:sp>
+      <p:sp>
+        <p:nvSpPr>
+          <p:cNvPr id="5" name="Title 1">
+            <a:extLst>
+              <a:ext uri="{FF2B5EF4-FFF2-40B4-BE49-F238E27FC236}">
+                <a16:creationId xmlns:a16="http://schemas.microsoft.com/office/drawing/2014/main" id="{EBF2B614-CA66-6848-80A0-2AED84932CF5}"/>
+              </a:ext>
+            </a:extLst>
+          </p:cNvPr>
+          <p:cNvSpPr txBox="1">
+            <a:spLocks/>
+          </p:cNvSpPr>
           <p:nvPr/>
-        </p:nvPicPr>
-        <p:blipFill>
-          <a:blip r:embed="rId2"/>
-          <a:stretch>
-            <a:fillRect/>
-          </a:stretch>
-        </p:blipFill>
+        </p:nvSpPr>
         <p:spPr>
           <a:xfrm>
-            <a:off x="1247488" y="2832371"/>
-            <a:ext cx="5245100" cy="2108200"/>
-          </a:xfrm>
-          <a:prstGeom prst="rect">
-            <a:avLst/>
-          </a:prstGeom>
-        </p:spPr>
-      </p:pic>
-      <p:sp>
-        <p:nvSpPr>
-          <p:cNvPr id="4" name="TextBox 3">
-            <a:extLst>
-              <a:ext uri="{FF2B5EF4-FFF2-40B4-BE49-F238E27FC236}">
-                <a16:creationId xmlns:a16="http://schemas.microsoft.com/office/drawing/2014/main" id="{9B38893D-AF0D-3948-96E1-D26032F2223A}"/>
-              </a:ext>
-            </a:extLst>
-          </p:cNvPr>
-          <p:cNvSpPr txBox="1"/>
-          <p:nvPr/>
-        </p:nvSpPr>
-        <p:spPr>
-          <a:xfrm>
-            <a:off x="7579671" y="3150646"/>
-            <a:ext cx="3610912" cy="923330"/>
+            <a:off x="-10274" y="-5170"/>
+            <a:ext cx="12202274" cy="646331"/>
           </a:xfrm>
           <a:prstGeom prst="rect">
             <a:avLst/>
           </a:prstGeom>
           <a:solidFill>
-            <a:schemeClr val="accent4"/>
+            <a:srgbClr val="00FDFF"/>
           </a:solidFill>
         </p:spPr>
         <p:txBody>
-          <a:bodyPr wrap="square" rtlCol="0" anchor="ctr">
-            <a:spAutoFit/>
+          <a:bodyPr vert="horz" lIns="91440" tIns="45720" rIns="91440" bIns="45720" rtlCol="0" anchor="ctr">
+            <a:normAutofit fontScale="97500" lnSpcReduction="10000"/>
           </a:bodyPr>
-          <a:lstStyle/>
-          <a:p>
-            <a:endParaRPr lang="fr-FR"/>
-          </a:p>
-          <a:p>
-            <a:pPr algn="ctr"/>
-            <a:r>
-              <a:rPr lang="fr-FR"/>
-              <a:t>La causalité implique la corrélation</a:t>
-            </a:r>
-          </a:p>
-          <a:p>
-            <a:endParaRPr lang="fr-FR"/>
-          </a:p>
-        </p:txBody>
-      </p:sp>
-      <p:sp>
-        <p:nvSpPr>
-          <p:cNvPr id="6" name="Rectangle 5">
-            <a:extLst>
-              <a:ext uri="{FF2B5EF4-FFF2-40B4-BE49-F238E27FC236}">
-                <a16:creationId xmlns:a16="http://schemas.microsoft.com/office/drawing/2014/main" id="{A1532EB1-E258-DB45-A9F7-C4FD38314A96}"/>
-              </a:ext>
-            </a:extLst>
-          </p:cNvPr>
-          <p:cNvSpPr/>
-          <p:nvPr/>
-        </p:nvSpPr>
-        <p:spPr>
-          <a:xfrm>
-            <a:off x="1108724" y="5938078"/>
-            <a:ext cx="10767728" cy="369332"/>
-          </a:xfrm>
-          <a:prstGeom prst="rect">
-            <a:avLst/>
-          </a:prstGeom>
-        </p:spPr>
-        <p:txBody>
-          <a:bodyPr wrap="square">
-            <a:spAutoFit/>
-          </a:bodyPr>
-          <a:lstStyle/>
-          <a:p>
-            <a:r>
-              <a:rPr lang="en-US">
-                <a:hlinkClick r:id="rId3"/>
-              </a:rPr>
-              <a:t>https://medium.com/causal-data-science/if-correlation-doesnt-imply-causation-then-what-does-c74f20d26438</a:t>
-            </a:r>
-            <a:endParaRPr lang="fr-FR"/>
+          <a:lstStyle>
+            <a:lvl1pPr algn="l" defTabSz="914400" rtl="0" eaLnBrk="1" latinLnBrk="0" hangingPunct="1">
+              <a:lnSpc>
+                <a:spcPct val="90000"/>
+              </a:lnSpc>
+              <a:spcBef>
+                <a:spcPct val="0"/>
+              </a:spcBef>
+              <a:buNone/>
+              <a:defRPr sz="4400" kern="1200">
+                <a:solidFill>
+                  <a:schemeClr val="tx1"/>
+                </a:solidFill>
+                <a:latin typeface="+mj-lt"/>
+                <a:ea typeface="+mj-ea"/>
+                <a:cs typeface="+mj-cs"/>
+              </a:defRPr>
+            </a:lvl1pPr>
+          </a:lstStyle>
+          <a:p>
+            <a:r>
+              <a:rPr lang="fr-FR"/>
+              <a:t>Calcul de la Corrélation</a:t>
+            </a:r>
           </a:p>
         </p:txBody>
       </p:sp>
     </p:spTree>
     <p:extLst>
       <p:ext uri="{BB962C8B-B14F-4D97-AF65-F5344CB8AC3E}">
-        <p14:creationId xmlns:p14="http://schemas.microsoft.com/office/powerpoint/2010/main" val="2362164362"/>
+        <p14:creationId xmlns:p14="http://schemas.microsoft.com/office/powerpoint/2010/main" val="296699260"/>
       </p:ext>
     </p:extLst>
   </p:cSld>
@@ -15318,12 +15694,50 @@
           <a:chExt cx="0" cy="0"/>
         </a:xfrm>
       </p:grpSpPr>
+      <p:sp>
+        <p:nvSpPr>
+          <p:cNvPr id="3" name="TextBox 2">
+            <a:extLst>
+              <a:ext uri="{FF2B5EF4-FFF2-40B4-BE49-F238E27FC236}">
+                <a16:creationId xmlns:a16="http://schemas.microsoft.com/office/drawing/2014/main" id="{BDB9081E-9EE2-5F46-86EA-8CEC87940FFD}"/>
+              </a:ext>
+            </a:extLst>
+          </p:cNvPr>
+          <p:cNvSpPr txBox="1"/>
+          <p:nvPr/>
+        </p:nvSpPr>
+        <p:spPr>
+          <a:xfrm>
+            <a:off x="1108724" y="1543110"/>
+            <a:ext cx="6332183" cy="646331"/>
+          </a:xfrm>
+          <a:prstGeom prst="rect">
+            <a:avLst/>
+          </a:prstGeom>
+          <a:noFill/>
+        </p:spPr>
+        <p:txBody>
+          <a:bodyPr wrap="none" rtlCol="0">
+            <a:spAutoFit/>
+          </a:bodyPr>
+          <a:lstStyle/>
+          <a:p>
+            <a:r>
+              <a:rPr lang="fr-FR"/>
+              <a:t>Context necessaire (suffisant?) pour que correlation =&gt; causation:</a:t>
+            </a:r>
+          </a:p>
+          <a:p>
+            <a:endParaRPr lang="fr-FR"/>
+          </a:p>
+        </p:txBody>
+      </p:sp>
       <p:pic>
         <p:nvPicPr>
-          <p:cNvPr id="4" name="Picture 3">
-            <a:extLst>
-              <a:ext uri="{FF2B5EF4-FFF2-40B4-BE49-F238E27FC236}">
-                <a16:creationId xmlns:a16="http://schemas.microsoft.com/office/drawing/2014/main" id="{7A238D89-95F7-224A-A975-E588D22B52FE}"/>
+          <p:cNvPr id="5" name="Picture 4">
+            <a:extLst>
+              <a:ext uri="{FF2B5EF4-FFF2-40B4-BE49-F238E27FC236}">
+                <a16:creationId xmlns:a16="http://schemas.microsoft.com/office/drawing/2014/main" id="{3E93CDAD-2DB0-524B-BC33-ADA7D211A06D}"/>
               </a:ext>
             </a:extLst>
           </p:cNvPr>
@@ -15340,8 +15754,8 @@
         </p:blipFill>
         <p:spPr>
           <a:xfrm>
-            <a:off x="0" y="1025769"/>
-            <a:ext cx="12192000" cy="4806462"/>
+            <a:off x="1247488" y="2832371"/>
+            <a:ext cx="5245100" cy="2108200"/>
           </a:xfrm>
           <a:prstGeom prst="rect">
             <a:avLst/>
@@ -15350,10 +15764,60 @@
       </p:pic>
       <p:sp>
         <p:nvSpPr>
-          <p:cNvPr id="2" name="Rectangle 1">
-            <a:extLst>
-              <a:ext uri="{FF2B5EF4-FFF2-40B4-BE49-F238E27FC236}">
-                <a16:creationId xmlns:a16="http://schemas.microsoft.com/office/drawing/2014/main" id="{7AE8F297-FA04-C242-AF00-61B195CE2EBD}"/>
+          <p:cNvPr id="4" name="TextBox 3">
+            <a:extLst>
+              <a:ext uri="{FF2B5EF4-FFF2-40B4-BE49-F238E27FC236}">
+                <a16:creationId xmlns:a16="http://schemas.microsoft.com/office/drawing/2014/main" id="{9B38893D-AF0D-3948-96E1-D26032F2223A}"/>
+              </a:ext>
+            </a:extLst>
+          </p:cNvPr>
+          <p:cNvSpPr txBox="1"/>
+          <p:nvPr/>
+        </p:nvSpPr>
+        <p:spPr>
+          <a:xfrm>
+            <a:off x="7579671" y="3012147"/>
+            <a:ext cx="3610912" cy="1200329"/>
+          </a:xfrm>
+          <a:prstGeom prst="rect">
+            <a:avLst/>
+          </a:prstGeom>
+          <a:solidFill>
+            <a:schemeClr val="accent4"/>
+          </a:solidFill>
+        </p:spPr>
+        <p:txBody>
+          <a:bodyPr wrap="square" rtlCol="0" anchor="ctr">
+            <a:spAutoFit/>
+          </a:bodyPr>
+          <a:lstStyle/>
+          <a:p>
+            <a:r>
+              <a:rPr lang="fr-FR"/>
+              <a:t>Cependant:</a:t>
+            </a:r>
+          </a:p>
+          <a:p>
+            <a:endParaRPr lang="fr-FR"/>
+          </a:p>
+          <a:p>
+            <a:pPr algn="ctr"/>
+            <a:r>
+              <a:rPr lang="fr-FR"/>
+              <a:t>La causalité implique la corrélation</a:t>
+            </a:r>
+          </a:p>
+          <a:p>
+            <a:endParaRPr lang="fr-FR"/>
+          </a:p>
+        </p:txBody>
+      </p:sp>
+      <p:sp>
+        <p:nvSpPr>
+          <p:cNvPr id="6" name="Rectangle 5">
+            <a:extLst>
+              <a:ext uri="{FF2B5EF4-FFF2-40B4-BE49-F238E27FC236}">
+                <a16:creationId xmlns:a16="http://schemas.microsoft.com/office/drawing/2014/main" id="{A1532EB1-E258-DB45-A9F7-C4FD38314A96}"/>
               </a:ext>
             </a:extLst>
           </p:cNvPr>
@@ -15362,15 +15826,15 @@
         </p:nvSpPr>
         <p:spPr>
           <a:xfrm>
-            <a:off x="3578820" y="6051542"/>
-            <a:ext cx="4906343" cy="369332"/>
+            <a:off x="1108724" y="5938078"/>
+            <a:ext cx="10767728" cy="369332"/>
           </a:xfrm>
           <a:prstGeom prst="rect">
             <a:avLst/>
           </a:prstGeom>
         </p:spPr>
         <p:txBody>
-          <a:bodyPr wrap="none">
+          <a:bodyPr wrap="square">
             <a:spAutoFit/>
           </a:bodyPr>
           <a:lstStyle/>
@@ -15379,16 +15843,77 @@
               <a:rPr lang="en-US">
                 <a:hlinkClick r:id="rId3"/>
               </a:rPr>
-              <a:t>https://www.tylervigen.com/spurious-correlations</a:t>
+              <a:t>https://medium.com/causal-data-science/if-correlation-doesnt-imply-causation-then-what-does-c74f20d26438</a:t>
             </a:r>
             <a:endParaRPr lang="fr-FR"/>
+          </a:p>
+        </p:txBody>
+      </p:sp>
+      <p:sp>
+        <p:nvSpPr>
+          <p:cNvPr id="7" name="Title 1">
+            <a:extLst>
+              <a:ext uri="{FF2B5EF4-FFF2-40B4-BE49-F238E27FC236}">
+                <a16:creationId xmlns:a16="http://schemas.microsoft.com/office/drawing/2014/main" id="{F2B83B30-58E7-5541-8620-4EEA53AB26AC}"/>
+              </a:ext>
+            </a:extLst>
+          </p:cNvPr>
+          <p:cNvSpPr txBox="1">
+            <a:spLocks/>
+          </p:cNvSpPr>
+          <p:nvPr/>
+        </p:nvSpPr>
+        <p:spPr>
+          <a:xfrm>
+            <a:off x="-10274" y="-5170"/>
+            <a:ext cx="12202274" cy="646331"/>
+          </a:xfrm>
+          <a:prstGeom prst="rect">
+            <a:avLst/>
+          </a:prstGeom>
+          <a:solidFill>
+            <a:srgbClr val="FF0000"/>
+          </a:solidFill>
+        </p:spPr>
+        <p:txBody>
+          <a:bodyPr vert="horz" lIns="91440" tIns="45720" rIns="91440" bIns="45720" rtlCol="0" anchor="ctr">
+            <a:normAutofit fontScale="97500" lnSpcReduction="10000"/>
+          </a:bodyPr>
+          <a:lstStyle>
+            <a:lvl1pPr algn="l" defTabSz="914400" rtl="0" eaLnBrk="1" latinLnBrk="0" hangingPunct="1">
+              <a:lnSpc>
+                <a:spcPct val="90000"/>
+              </a:lnSpc>
+              <a:spcBef>
+                <a:spcPct val="0"/>
+              </a:spcBef>
+              <a:buNone/>
+              <a:defRPr sz="4400" kern="1200">
+                <a:solidFill>
+                  <a:schemeClr val="tx1"/>
+                </a:solidFill>
+                <a:latin typeface="+mj-lt"/>
+                <a:ea typeface="+mj-ea"/>
+                <a:cs typeface="+mj-cs"/>
+              </a:defRPr>
+            </a:lvl1pPr>
+          </a:lstStyle>
+          <a:p>
+            <a:r>
+              <a:rPr lang="fr-FR">
+                <a:solidFill>
+                  <a:schemeClr val="bg1"/>
+                </a:solidFill>
+              </a:rPr>
+              <a:t>Correlation is not causation</a:t>
+            </a:r>
           </a:p>
         </p:txBody>
       </p:sp>
     </p:spTree>
     <p:extLst>
       <p:ext uri="{BB962C8B-B14F-4D97-AF65-F5344CB8AC3E}">
-        <p14:creationId xmlns:p14="http://schemas.microsoft.com/office/powerpoint/2010/main" val="440412906"/>
+        <p14:creationId xmlns:p14="http://schemas.microsoft.com/office/powerpoint/2010/main" val="2362164362"/>
       </p:ext>
     </p:extLst>
   </p:cSld>
